--- a/Thesis/progress meeting presentation.pptx
+++ b/Thesis/progress meeting presentation.pptx
@@ -6,10 +6,10 @@
     <p:sldMasterId id="2147483660" r:id="rId2"/>
   </p:sldMasterIdLst>
   <p:notesMasterIdLst>
-    <p:notesMasterId r:id="rId28"/>
+    <p:notesMasterId r:id="rId41"/>
   </p:notesMasterIdLst>
   <p:handoutMasterIdLst>
-    <p:handoutMasterId r:id="rId29"/>
+    <p:handoutMasterId r:id="rId42"/>
   </p:handoutMasterIdLst>
   <p:sldIdLst>
     <p:sldId id="256" r:id="rId3"/>
@@ -33,10 +33,23 @@
     <p:sldId id="285" r:id="rId21"/>
     <p:sldId id="286" r:id="rId22"/>
     <p:sldId id="291" r:id="rId23"/>
-    <p:sldId id="290" r:id="rId24"/>
-    <p:sldId id="289" r:id="rId25"/>
-    <p:sldId id="287" r:id="rId26"/>
-    <p:sldId id="265" r:id="rId27"/>
+    <p:sldId id="304" r:id="rId24"/>
+    <p:sldId id="305" r:id="rId25"/>
+    <p:sldId id="292" r:id="rId26"/>
+    <p:sldId id="293" r:id="rId27"/>
+    <p:sldId id="295" r:id="rId28"/>
+    <p:sldId id="290" r:id="rId29"/>
+    <p:sldId id="294" r:id="rId30"/>
+    <p:sldId id="289" r:id="rId31"/>
+    <p:sldId id="287" r:id="rId32"/>
+    <p:sldId id="297" r:id="rId33"/>
+    <p:sldId id="296" r:id="rId34"/>
+    <p:sldId id="298" r:id="rId35"/>
+    <p:sldId id="299" r:id="rId36"/>
+    <p:sldId id="301" r:id="rId37"/>
+    <p:sldId id="300" r:id="rId38"/>
+    <p:sldId id="302" r:id="rId39"/>
+    <p:sldId id="303" r:id="rId40"/>
   </p:sldIdLst>
   <p:sldSz cx="9144000" cy="6858000" type="screen4x3"/>
   <p:notesSz cx="6858000" cy="9144000"/>
@@ -220,7 +233,7 @@
           <a:p>
             <a:fld id="{DBAE3B3E-782A-9745-8E84-372F7B6771BF}" type="datetimeFigureOut">
               <a:rPr lang="en-US" smtClean="0"/>
-              <a:t>3/9/2016</a:t>
+              <a:t>3/10/2016</a:t>
             </a:fld>
             <a:endParaRPr lang="en-US" dirty="0"/>
           </a:p>
@@ -385,7 +398,7 @@
           <a:p>
             <a:fld id="{2D2F14E1-C5B1-40B4-8FD5-AE5FDC1E5B73}" type="datetimeFigureOut">
               <a:rPr lang="en-GB" smtClean="0"/>
-              <a:t>09/03/2016</a:t>
+              <a:t>10/03/2016</a:t>
             </a:fld>
             <a:endParaRPr lang="en-GB"/>
           </a:p>
@@ -1420,7 +1433,7 @@
           <a:p>
             <a:fld id="{462A2416-1570-3849-86F9-07F78746E1B2}" type="datetimeFigureOut">
               <a:rPr lang="en-US" smtClean="0"/>
-              <a:t>3/9/2016</a:t>
+              <a:t>3/10/2016</a:t>
             </a:fld>
             <a:endParaRPr lang="en-US" dirty="0"/>
           </a:p>
@@ -2830,8 +2843,8 @@
           </a:p>
         </p:txBody>
       </p:sp>
-      <mc:AlternateContent xmlns:mc="http://schemas.openxmlformats.org/markup-compatibility/2006">
-        <mc:Choice xmlns:a14="http://schemas.microsoft.com/office/drawing/2010/main" Requires="a14">
+      <mc:AlternateContent xmlns:mc="http://schemas.openxmlformats.org/markup-compatibility/2006" xmlns:a14="http://schemas.microsoft.com/office/drawing/2010/main">
+        <mc:Choice Requires="a14">
           <p:sp>
             <p:nvSpPr>
               <p:cNvPr id="3" name="Content Placeholder 2"/>
@@ -2907,6 +2920,7 @@
                               <a:solidFill>
                                 <a:srgbClr val="FF0000"/>
                               </a:solidFill>
+                              <a:latin typeface="Cambria Math"/>
                             </a:rPr>
                           </m:ctrlPr>
                         </m:sSubPr>
@@ -2916,6 +2930,7 @@
                               <a:solidFill>
                                 <a:srgbClr val="FF0000"/>
                               </a:solidFill>
+                              <a:latin typeface="Cambria Math"/>
                             </a:rPr>
                             <m:t>𝐸</m:t>
                           </m:r>
@@ -2926,20 +2941,25 @@
                               <a:solidFill>
                                 <a:srgbClr val="FF0000"/>
                               </a:solidFill>
+                              <a:latin typeface="Cambria Math"/>
                             </a:rPr>
                             <m:t>𝑀𝑉</m:t>
                           </m:r>
                         </m:sub>
                       </m:sSub>
                       <m:r>
-                        <a:rPr lang="en-GB" i="1"/>
+                        <a:rPr lang="en-GB" i="1">
+                          <a:latin typeface="Cambria Math"/>
+                        </a:rPr>
                         <m:t>=</m:t>
                       </m:r>
                       <m:f>
                         <m:fPr>
                           <m:type m:val="lin"/>
                           <m:ctrlPr>
-                            <a:rPr lang="en-GB" i="1"/>
+                            <a:rPr lang="en-GB" i="1">
+                              <a:latin typeface="Cambria Math"/>
+                            </a:rPr>
                           </m:ctrlPr>
                         </m:fPr>
                         <m:num>
@@ -2950,6 +2970,7 @@
                                   <a:solidFill>
                                     <a:srgbClr val="00B050"/>
                                   </a:solidFill>
+                                  <a:latin typeface="Cambria Math"/>
                                 </a:rPr>
                               </m:ctrlPr>
                             </m:sSubPr>
@@ -2959,6 +2980,7 @@
                                   <a:solidFill>
                                     <a:srgbClr val="00B050"/>
                                   </a:solidFill>
+                                  <a:latin typeface="Cambria Math"/>
                                 </a:rPr>
                                 <m:t>𝐸</m:t>
                               </m:r>
@@ -2969,6 +2991,7 @@
                                   <a:solidFill>
                                     <a:srgbClr val="00B050"/>
                                   </a:solidFill>
+                                  <a:latin typeface="Cambria Math"/>
                                 </a:rPr>
                                 <m:t>𝑉</m:t>
                               </m:r>
@@ -2977,6 +3000,7 @@
                                   <a:solidFill>
                                     <a:srgbClr val="00B050"/>
                                   </a:solidFill>
+                                  <a:latin typeface="Cambria Math"/>
                                 </a:rPr>
                                 <m:t>⊥</m:t>
                               </m:r>
@@ -2987,18 +3011,24 @@
                           <m:sSub>
                             <m:sSubPr>
                               <m:ctrlPr>
-                                <a:rPr lang="en-GB" i="1"/>
+                                <a:rPr lang="en-GB" i="1">
+                                  <a:latin typeface="Cambria Math"/>
+                                </a:rPr>
                               </m:ctrlPr>
                             </m:sSubPr>
                             <m:e>
                               <m:r>
-                                <a:rPr lang="en-GB" i="1"/>
+                                <a:rPr lang="en-GB" i="1">
+                                  <a:latin typeface="Cambria Math"/>
+                                </a:rPr>
                                 <m:t>𝜀</m:t>
                               </m:r>
                             </m:e>
                             <m:sub>
                               <m:r>
-                                <a:rPr lang="en-GB" i="1"/>
+                                <a:rPr lang="en-GB" i="1">
+                                  <a:latin typeface="Cambria Math"/>
+                                </a:rPr>
                                 <m:t>𝑀𝑉</m:t>
                               </m:r>
                             </m:sub>
@@ -3029,18 +3059,24 @@
                       <m:sSub>
                         <m:sSubPr>
                           <m:ctrlPr>
-                            <a:rPr lang="en-GB" i="1" smtClean="0"/>
+                            <a:rPr lang="en-GB" i="1" smtClean="0">
+                              <a:latin typeface="Cambria Math"/>
+                            </a:rPr>
                           </m:ctrlPr>
                         </m:sSubPr>
                         <m:e>
                           <m:r>
-                            <a:rPr lang="en-GB" i="1"/>
+                            <a:rPr lang="en-GB" i="1">
+                              <a:latin typeface="Cambria Math"/>
+                            </a:rPr>
                             <m:t>𝐸</m:t>
                           </m:r>
                         </m:e>
                         <m:sub>
                           <m:r>
-                            <a:rPr lang="en-GB" i="1"/>
+                            <a:rPr lang="en-GB" i="1">
+                              <a:latin typeface="Cambria Math"/>
+                            </a:rPr>
                             <m:t>𝑀𝑆</m:t>
                           </m:r>
                         </m:sub>
@@ -3048,45 +3084,61 @@
                       <m:sSub>
                         <m:sSubPr>
                           <m:ctrlPr>
-                            <a:rPr lang="en-GB" i="1"/>
+                            <a:rPr lang="en-GB" i="1">
+                              <a:latin typeface="Cambria Math"/>
+                            </a:rPr>
                           </m:ctrlPr>
                         </m:sSubPr>
                         <m:e>
                           <m:r>
-                            <a:rPr lang="en-GB" i="1"/>
+                            <a:rPr lang="en-GB" i="1">
+                              <a:latin typeface="Cambria Math"/>
+                            </a:rPr>
                             <m:t>𝜀</m:t>
                           </m:r>
                         </m:e>
                         <m:sub>
                           <m:r>
-                            <a:rPr lang="en-GB" i="1"/>
+                            <a:rPr lang="en-GB" i="1">
+                              <a:latin typeface="Cambria Math"/>
+                            </a:rPr>
                             <m:t>𝑀𝑆</m:t>
                           </m:r>
                         </m:sub>
                       </m:sSub>
                       <m:r>
-                        <a:rPr lang="en-GB" i="1"/>
+                        <a:rPr lang="en-GB" i="1">
+                          <a:latin typeface="Cambria Math"/>
+                        </a:rPr>
                         <m:t>=</m:t>
                       </m:r>
                       <m:sSub>
                         <m:sSubPr>
                           <m:ctrlPr>
-                            <a:rPr lang="en-GB" i="1"/>
+                            <a:rPr lang="en-GB" i="1">
+                              <a:latin typeface="Cambria Math"/>
+                            </a:rPr>
                           </m:ctrlPr>
                         </m:sSubPr>
                         <m:e>
                           <m:r>
-                            <a:rPr lang="en-GB" i="1"/>
+                            <a:rPr lang="en-GB" i="1">
+                              <a:latin typeface="Cambria Math"/>
+                            </a:rPr>
                             <m:t>𝐸</m:t>
                           </m:r>
                         </m:e>
                         <m:sub>
                           <m:r>
-                            <a:rPr lang="en-GB" i="1"/>
+                            <a:rPr lang="en-GB" i="1">
+                              <a:latin typeface="Cambria Math"/>
+                            </a:rPr>
                             <m:t>𝑆</m:t>
                           </m:r>
                           <m:r>
-                            <a:rPr lang="en-GB" i="1"/>
+                            <a:rPr lang="en-GB" i="1">
+                              <a:latin typeface="Cambria Math"/>
+                            </a:rPr>
                             <m:t>⊥</m:t>
                           </m:r>
                         </m:sub>
@@ -3094,24 +3146,32 @@
                       <m:sSub>
                         <m:sSubPr>
                           <m:ctrlPr>
-                            <a:rPr lang="en-GB" i="1"/>
+                            <a:rPr lang="en-GB" i="1">
+                              <a:latin typeface="Cambria Math"/>
+                            </a:rPr>
                           </m:ctrlPr>
                         </m:sSubPr>
                         <m:e>
                           <m:r>
-                            <a:rPr lang="en-GB" i="1"/>
+                            <a:rPr lang="en-GB" i="1">
+                              <a:latin typeface="Cambria Math"/>
+                            </a:rPr>
                             <m:t>𝜀</m:t>
                           </m:r>
                         </m:e>
                         <m:sub>
                           <m:r>
-                            <a:rPr lang="en-GB" i="1"/>
+                            <a:rPr lang="en-GB" i="1">
+                              <a:latin typeface="Cambria Math"/>
+                            </a:rPr>
                             <m:t>𝑆</m:t>
                           </m:r>
                         </m:sub>
                       </m:sSub>
                       <m:r>
-                        <a:rPr lang="en-GB" i="1"/>
+                        <a:rPr lang="en-GB" i="1">
+                          <a:latin typeface="Cambria Math"/>
+                        </a:rPr>
                         <m:t>→</m:t>
                       </m:r>
                       <m:sSub>
@@ -3121,6 +3181,7 @@
                               <a:solidFill>
                                 <a:srgbClr val="FF0000"/>
                               </a:solidFill>
+                              <a:latin typeface="Cambria Math"/>
                             </a:rPr>
                           </m:ctrlPr>
                         </m:sSubPr>
@@ -3130,6 +3191,7 @@
                               <a:solidFill>
                                 <a:srgbClr val="FF0000"/>
                               </a:solidFill>
+                              <a:latin typeface="Cambria Math"/>
                             </a:rPr>
                             <m:t>𝐸</m:t>
                           </m:r>
@@ -3140,20 +3202,25 @@
                               <a:solidFill>
                                 <a:srgbClr val="FF0000"/>
                               </a:solidFill>
+                              <a:latin typeface="Cambria Math"/>
                             </a:rPr>
                             <m:t>𝑀𝑆</m:t>
                           </m:r>
                         </m:sub>
                       </m:sSub>
                       <m:r>
-                        <a:rPr lang="en-GB" i="1"/>
+                        <a:rPr lang="en-GB" i="1">
+                          <a:latin typeface="Cambria Math"/>
+                        </a:rPr>
                         <m:t>=</m:t>
                       </m:r>
                       <m:f>
                         <m:fPr>
                           <m:type m:val="lin"/>
                           <m:ctrlPr>
-                            <a:rPr lang="en-GB" i="1"/>
+                            <a:rPr lang="en-GB" i="1">
+                              <a:latin typeface="Cambria Math"/>
+                            </a:rPr>
                           </m:ctrlPr>
                         </m:fPr>
                         <m:num>
@@ -3164,6 +3231,7 @@
                                   <a:solidFill>
                                     <a:srgbClr val="00B050"/>
                                   </a:solidFill>
+                                  <a:latin typeface="Cambria Math"/>
                                 </a:rPr>
                               </m:ctrlPr>
                             </m:sSubPr>
@@ -3173,6 +3241,7 @@
                                   <a:solidFill>
                                     <a:srgbClr val="00B050"/>
                                   </a:solidFill>
+                                  <a:latin typeface="Cambria Math"/>
                                 </a:rPr>
                                 <m:t>𝐸</m:t>
                               </m:r>
@@ -3183,6 +3252,7 @@
                                   <a:solidFill>
                                     <a:srgbClr val="00B050"/>
                                   </a:solidFill>
+                                  <a:latin typeface="Cambria Math"/>
                                 </a:rPr>
                                 <m:t>𝑆</m:t>
                               </m:r>
@@ -3191,6 +3261,7 @@
                                   <a:solidFill>
                                     <a:srgbClr val="00B050"/>
                                   </a:solidFill>
+                                  <a:latin typeface="Cambria Math"/>
                                 </a:rPr>
                                 <m:t>⊥</m:t>
                               </m:r>
@@ -3199,18 +3270,24 @@
                           <m:sSub>
                             <m:sSubPr>
                               <m:ctrlPr>
-                                <a:rPr lang="en-GB" i="1"/>
+                                <a:rPr lang="en-GB" i="1">
+                                  <a:latin typeface="Cambria Math"/>
+                                </a:rPr>
                               </m:ctrlPr>
                             </m:sSubPr>
                             <m:e>
                               <m:r>
-                                <a:rPr lang="en-GB" i="1"/>
+                                <a:rPr lang="en-GB" i="1">
+                                  <a:latin typeface="Cambria Math"/>
+                                </a:rPr>
                                 <m:t>𝜀</m:t>
                               </m:r>
                             </m:e>
                             <m:sub>
                               <m:r>
-                                <a:rPr lang="en-GB" i="1"/>
+                                <a:rPr lang="en-GB" i="1">
+                                  <a:latin typeface="Cambria Math"/>
+                                </a:rPr>
                                 <m:t>𝑆</m:t>
                               </m:r>
                             </m:sub>
@@ -3220,18 +3297,24 @@
                           <m:sSub>
                             <m:sSubPr>
                               <m:ctrlPr>
-                                <a:rPr lang="en-GB" i="1"/>
+                                <a:rPr lang="en-GB" i="1">
+                                  <a:latin typeface="Cambria Math"/>
+                                </a:rPr>
                               </m:ctrlPr>
                             </m:sSubPr>
                             <m:e>
                               <m:r>
-                                <a:rPr lang="en-GB" i="1"/>
+                                <a:rPr lang="en-GB" i="1">
+                                  <a:latin typeface="Cambria Math"/>
+                                </a:rPr>
                                 <m:t>𝜀</m:t>
                               </m:r>
                             </m:e>
                             <m:sub>
                               <m:r>
-                                <a:rPr lang="en-GB" i="1"/>
+                                <a:rPr lang="en-GB" i="1">
+                                  <a:latin typeface="Cambria Math"/>
+                                </a:rPr>
                                 <m:t>𝑀𝑆</m:t>
                               </m:r>
                             </m:sub>
@@ -3266,6 +3349,7 @@
                               <a:solidFill>
                                 <a:srgbClr val="FF0000"/>
                               </a:solidFill>
+                              <a:latin typeface="Cambria Math"/>
                             </a:rPr>
                           </m:ctrlPr>
                         </m:sSubPr>
@@ -3275,6 +3359,7 @@
                               <a:solidFill>
                                 <a:srgbClr val="FF0000"/>
                               </a:solidFill>
+                              <a:latin typeface="Cambria Math"/>
                             </a:rPr>
                             <m:t>𝐸</m:t>
                           </m:r>
@@ -3285,6 +3370,7 @@
                               <a:solidFill>
                                 <a:srgbClr val="FF0000"/>
                               </a:solidFill>
+                              <a:latin typeface="Cambria Math"/>
                             </a:rPr>
                             <m:t>𝑆𝑉</m:t>
                           </m:r>
@@ -3293,20 +3379,25 @@
                               <a:solidFill>
                                 <a:srgbClr val="FF0000"/>
                               </a:solidFill>
+                              <a:latin typeface="Cambria Math"/>
                             </a:rPr>
                             <m:t>⊥</m:t>
                           </m:r>
                         </m:sub>
                       </m:sSub>
                       <m:r>
-                        <a:rPr lang="en-GB" i="1"/>
+                        <a:rPr lang="en-GB" i="1">
+                          <a:latin typeface="Cambria Math"/>
+                        </a:rPr>
                         <m:t>=</m:t>
                       </m:r>
                       <m:f>
                         <m:fPr>
                           <m:type m:val="lin"/>
                           <m:ctrlPr>
-                            <a:rPr lang="en-GB" i="1"/>
+                            <a:rPr lang="en-GB" i="1">
+                              <a:latin typeface="Cambria Math"/>
+                            </a:rPr>
                           </m:ctrlPr>
                         </m:fPr>
                         <m:num>
@@ -3317,6 +3408,7 @@
                                   <a:solidFill>
                                     <a:srgbClr val="00B050"/>
                                   </a:solidFill>
+                                  <a:latin typeface="Cambria Math"/>
                                 </a:rPr>
                               </m:ctrlPr>
                             </m:sSubPr>
@@ -3326,6 +3418,7 @@
                                   <a:solidFill>
                                     <a:srgbClr val="00B050"/>
                                   </a:solidFill>
+                                  <a:latin typeface="Cambria Math"/>
                                 </a:rPr>
                                 <m:t>𝐸</m:t>
                               </m:r>
@@ -3336,6 +3429,7 @@
                                   <a:solidFill>
                                     <a:srgbClr val="00B050"/>
                                   </a:solidFill>
+                                  <a:latin typeface="Cambria Math"/>
                                 </a:rPr>
                                 <m:t>𝑉</m:t>
                               </m:r>
@@ -3344,6 +3438,7 @@
                                   <a:solidFill>
                                     <a:srgbClr val="00B050"/>
                                   </a:solidFill>
+                                  <a:latin typeface="Cambria Math"/>
                                 </a:rPr>
                                 <m:t>⊥</m:t>
                               </m:r>
@@ -3354,32 +3449,44 @@
                           <m:sSub>
                             <m:sSubPr>
                               <m:ctrlPr>
-                                <a:rPr lang="en-GB" i="1"/>
+                                <a:rPr lang="en-GB" i="1">
+                                  <a:latin typeface="Cambria Math"/>
+                                </a:rPr>
                               </m:ctrlPr>
                             </m:sSubPr>
                             <m:e>
                               <m:r>
-                                <a:rPr lang="en-GB" i="1"/>
+                                <a:rPr lang="en-GB" i="1">
+                                  <a:latin typeface="Cambria Math"/>
+                                </a:rPr>
                                 <m:t>𝜀</m:t>
                               </m:r>
                             </m:e>
                             <m:sub>
                               <m:r>
-                                <a:rPr lang="en-GB" i="1"/>
+                                <a:rPr lang="en-GB" i="1">
+                                  <a:latin typeface="Cambria Math"/>
+                                </a:rPr>
                                 <m:t>𝑆𝑉</m:t>
                               </m:r>
                             </m:sub>
                           </m:sSub>
                           <m:r>
-                            <a:rPr lang="en-GB" i="1"/>
+                            <a:rPr lang="en-GB" i="1">
+                              <a:latin typeface="Cambria Math"/>
+                            </a:rPr>
                             <m:t> </m:t>
                           </m:r>
                           <m:r>
-                            <a:rPr lang="en-GB" i="1"/>
+                            <a:rPr lang="en-GB" i="1">
+                              <a:latin typeface="Cambria Math"/>
+                            </a:rPr>
                             <m:t>𝑎𝑛𝑑</m:t>
                           </m:r>
                           <m:r>
-                            <a:rPr lang="en-GB" i="1"/>
+                            <a:rPr lang="en-GB" i="1">
+                              <a:latin typeface="Cambria Math"/>
+                            </a:rPr>
                             <m:t> </m:t>
                           </m:r>
                           <m:sSub>
@@ -3389,6 +3496,7 @@
                                   <a:solidFill>
                                     <a:srgbClr val="FF0000"/>
                                   </a:solidFill>
+                                  <a:latin typeface="Cambria Math"/>
                                 </a:rPr>
                               </m:ctrlPr>
                             </m:sSubPr>
@@ -3398,6 +3506,7 @@
                                   <a:solidFill>
                                     <a:srgbClr val="FF0000"/>
                                   </a:solidFill>
+                                  <a:latin typeface="Cambria Math"/>
                                 </a:rPr>
                                 <m:t>𝐸</m:t>
                               </m:r>
@@ -3408,6 +3517,7 @@
                                   <a:solidFill>
                                     <a:srgbClr val="FF0000"/>
                                   </a:solidFill>
+                                  <a:latin typeface="Cambria Math"/>
                                 </a:rPr>
                                 <m:t>𝑆𝑉</m:t>
                               </m:r>
@@ -3416,34 +3526,45 @@
                                   <a:solidFill>
                                     <a:srgbClr val="FF0000"/>
                                   </a:solidFill>
+                                  <a:latin typeface="Cambria Math"/>
                                 </a:rPr>
                                 <m:t>∥</m:t>
                               </m:r>
                             </m:sub>
                           </m:sSub>
                           <m:r>
-                            <a:rPr lang="en-GB" i="1"/>
+                            <a:rPr lang="en-GB" i="1">
+                              <a:latin typeface="Cambria Math"/>
+                            </a:rPr>
                             <m:t>= </m:t>
                           </m:r>
                           <m:sSub>
                             <m:sSubPr>
                               <m:ctrlPr>
-                                <a:rPr lang="en-GB" i="1"/>
+                                <a:rPr lang="en-GB" i="1">
+                                  <a:latin typeface="Cambria Math"/>
+                                </a:rPr>
                               </m:ctrlPr>
                             </m:sSubPr>
                             <m:e>
                               <m:r>
-                                <a:rPr lang="en-GB" i="1"/>
+                                <a:rPr lang="en-GB" i="1">
+                                  <a:latin typeface="Cambria Math"/>
+                                </a:rPr>
                                 <m:t>𝐸</m:t>
                               </m:r>
                             </m:e>
                             <m:sub>
                               <m:r>
-                                <a:rPr lang="en-GB" i="1"/>
+                                <a:rPr lang="en-GB" i="1">
+                                  <a:latin typeface="Cambria Math"/>
+                                </a:rPr>
                                 <m:t>𝑆</m:t>
                               </m:r>
                               <m:r>
-                                <a:rPr lang="en-GB" i="1"/>
+                                <a:rPr lang="en-GB" i="1">
+                                  <a:latin typeface="Cambria Math"/>
+                                </a:rPr>
                                 <m:t>∥</m:t>
                               </m:r>
                             </m:sub>
@@ -3451,12 +3572,16 @@
                           <m:sSub>
                             <m:sSubPr>
                               <m:ctrlPr>
-                                <a:rPr lang="en-GB" i="1"/>
+                                <a:rPr lang="en-GB" i="1">
+                                  <a:latin typeface="Cambria Math"/>
+                                </a:rPr>
                               </m:ctrlPr>
                             </m:sSubPr>
                             <m:e>
                               <m:r>
-                                <a:rPr lang="en-GB" i="1"/>
+                                <a:rPr lang="en-GB" i="1">
+                                  <a:latin typeface="Cambria Math"/>
+                                </a:rPr>
                                 <m:t>=</m:t>
                               </m:r>
                               <m:r>
@@ -3464,6 +3589,7 @@
                                   <a:solidFill>
                                     <a:srgbClr val="00B050"/>
                                   </a:solidFill>
+                                  <a:latin typeface="Cambria Math"/>
                                 </a:rPr>
                                 <m:t>𝐸</m:t>
                               </m:r>
@@ -3474,6 +3600,7 @@
                                   <a:solidFill>
                                     <a:srgbClr val="00B050"/>
                                   </a:solidFill>
+                                  <a:latin typeface="Cambria Math"/>
                                 </a:rPr>
                                 <m:t>𝑉</m:t>
                               </m:r>
@@ -3482,6 +3609,7 @@
                                   <a:solidFill>
                                     <a:srgbClr val="00B050"/>
                                   </a:solidFill>
+                                  <a:latin typeface="Cambria Math"/>
                                 </a:rPr>
                                 <m:t>∥</m:t>
                               </m:r>
@@ -3513,7 +3641,7 @@
             </p:txBody>
           </p:sp>
         </mc:Choice>
-        <mc:Fallback>
+        <mc:Fallback xmlns="">
           <p:sp>
             <p:nvSpPr>
               <p:cNvPr id="3" name="Content Placeholder 2"/>
@@ -3607,8 +3735,8 @@
           </a:p>
         </p:txBody>
       </p:sp>
-      <mc:AlternateContent xmlns:mc="http://schemas.openxmlformats.org/markup-compatibility/2006">
-        <mc:Choice xmlns:a14="http://schemas.microsoft.com/office/drawing/2010/main" Requires="a14">
+      <mc:AlternateContent xmlns:mc="http://schemas.openxmlformats.org/markup-compatibility/2006" xmlns:a14="http://schemas.microsoft.com/office/drawing/2010/main">
+        <mc:Choice Requires="a14">
           <p:sp>
             <p:nvSpPr>
               <p:cNvPr id="3" name="Content Placeholder 2"/>
@@ -3647,54 +3775,72 @@
                       <m:sSub>
                         <m:sSubPr>
                           <m:ctrlPr>
-                            <a:rPr lang="en-GB" i="1"/>
+                            <a:rPr lang="en-GB" i="1">
+                              <a:latin typeface="Cambria Math"/>
+                            </a:rPr>
                           </m:ctrlPr>
                         </m:sSubPr>
                         <m:e>
                           <m:r>
-                            <a:rPr lang="en-GB" i="1"/>
+                            <a:rPr lang="en-GB" i="1">
+                              <a:latin typeface="Cambria Math"/>
+                            </a:rPr>
                             <m:t>𝑄</m:t>
                           </m:r>
                         </m:e>
                         <m:sub>
                           <m:r>
-                            <a:rPr lang="en-GB" i="1"/>
+                            <a:rPr lang="en-GB" i="1">
+                              <a:latin typeface="Cambria Math"/>
+                            </a:rPr>
                             <m:t>𝑀𝑉</m:t>
                           </m:r>
                         </m:sub>
                       </m:sSub>
                       <m:r>
-                        <a:rPr lang="en-GB" i="1"/>
+                        <a:rPr lang="en-GB" i="1">
+                          <a:latin typeface="Cambria Math"/>
+                        </a:rPr>
                         <m:t>=</m:t>
                       </m:r>
                       <m:f>
                         <m:fPr>
                           <m:ctrlPr>
-                            <a:rPr lang="en-GB" i="1"/>
+                            <a:rPr lang="en-GB" i="1">
+                              <a:latin typeface="Cambria Math"/>
+                            </a:rPr>
                           </m:ctrlPr>
                         </m:fPr>
                         <m:num>
                           <m:sSubSup>
                             <m:sSubSupPr>
                               <m:ctrlPr>
-                                <a:rPr lang="en-GB" i="1"/>
+                                <a:rPr lang="en-GB" i="1">
+                                  <a:latin typeface="Cambria Math"/>
+                                </a:rPr>
                               </m:ctrlPr>
                             </m:sSubSupPr>
                             <m:e>
                               <m:r>
-                                <a:rPr lang="en-GB" i="1"/>
+                                <a:rPr lang="en-GB" i="1">
+                                  <a:latin typeface="Cambria Math"/>
+                                </a:rPr>
                                 <m:t>𝜀</m:t>
                               </m:r>
                             </m:e>
                             <m:sub>
                               <m:r>
-                                <a:rPr lang="en-GB" i="1"/>
+                                <a:rPr lang="en-GB" i="1">
+                                  <a:latin typeface="Cambria Math"/>
+                                </a:rPr>
                                 <m:t>𝑀𝑉</m:t>
                               </m:r>
                             </m:sub>
                             <m:sup>
                               <m:r>
-                                <a:rPr lang="en-GB" i="1"/>
+                                <a:rPr lang="en-GB" i="1">
+                                  <a:latin typeface="Cambria Math"/>
+                                </a:rPr>
                                 <m:t>−1</m:t>
                               </m:r>
                             </m:sup>
@@ -3702,7 +3848,9 @@
                         </m:num>
                         <m:den>
                           <m:r>
-                            <a:rPr lang="en-GB" i="1"/>
+                            <a:rPr lang="en-GB" i="1">
+                              <a:latin typeface="Cambria Math"/>
+                            </a:rPr>
                             <m:t>2</m:t>
                           </m:r>
                         </m:den>
@@ -3710,18 +3858,24 @@
                       <m:sSub>
                         <m:sSubPr>
                           <m:ctrlPr>
-                            <a:rPr lang="en-GB" i="1"/>
+                            <a:rPr lang="en-GB" i="1">
+                              <a:latin typeface="Cambria Math"/>
+                            </a:rPr>
                           </m:ctrlPr>
                         </m:sSubPr>
                         <m:e>
                           <m:r>
-                            <a:rPr lang="en-GB" i="1"/>
+                            <a:rPr lang="en-GB" i="1">
+                              <a:latin typeface="Cambria Math"/>
+                            </a:rPr>
                             <m:t>𝑡</m:t>
                           </m:r>
                         </m:e>
                         <m:sub>
                           <m:r>
-                            <a:rPr lang="en-GB" i="1"/>
+                            <a:rPr lang="en-GB" i="1">
+                              <a:latin typeface="Cambria Math"/>
+                            </a:rPr>
                             <m:t>𝑀𝑉</m:t>
                           </m:r>
                         </m:sub>
@@ -3730,12 +3884,16 @@
                         <m:naryPr>
                           <m:limLoc m:val="undOvr"/>
                           <m:ctrlPr>
-                            <a:rPr lang="en-GB" i="1"/>
+                            <a:rPr lang="en-GB" i="1">
+                              <a:latin typeface="Cambria Math"/>
+                            </a:rPr>
                           </m:ctrlPr>
                         </m:naryPr>
                         <m:sub>
                           <m:r>
-                            <a:rPr lang="en-GB" i="1"/>
+                            <a:rPr lang="en-GB" i="1">
+                              <a:latin typeface="Cambria Math"/>
+                            </a:rPr>
                             <m:t>𝑀𝑉</m:t>
                           </m:r>
                         </m:sub>
@@ -3744,7 +3902,9 @@
                           <m:sSup>
                             <m:sSupPr>
                               <m:ctrlPr>
-                                <a:rPr lang="en-GB" i="1"/>
+                                <a:rPr lang="en-GB" i="1">
+                                  <a:latin typeface="Cambria Math"/>
+                                </a:rPr>
                               </m:ctrlPr>
                             </m:sSupPr>
                             <m:e>
@@ -3753,29 +3913,39 @@
                                   <m:begChr m:val="|"/>
                                   <m:endChr m:val="|"/>
                                   <m:ctrlPr>
-                                    <a:rPr lang="en-GB" i="1"/>
+                                    <a:rPr lang="en-GB" i="1">
+                                      <a:latin typeface="Cambria Math"/>
+                                    </a:rPr>
                                   </m:ctrlPr>
                                 </m:dPr>
                                 <m:e>
                                   <m:sSub>
                                     <m:sSubPr>
                                       <m:ctrlPr>
-                                        <a:rPr lang="en-GB" i="1"/>
+                                        <a:rPr lang="en-GB" i="1">
+                                          <a:latin typeface="Cambria Math"/>
+                                        </a:rPr>
                                       </m:ctrlPr>
                                     </m:sSubPr>
                                     <m:e>
                                       <m:r>
-                                        <a:rPr lang="en-GB" i="1"/>
+                                        <a:rPr lang="en-GB" i="1">
+                                          <a:latin typeface="Cambria Math"/>
+                                        </a:rPr>
                                         <m:t>𝐸</m:t>
                                       </m:r>
                                     </m:e>
                                     <m:sub>
                                       <m:r>
-                                        <a:rPr lang="en-GB" i="1"/>
+                                        <a:rPr lang="en-GB" i="1">
+                                          <a:latin typeface="Cambria Math"/>
+                                        </a:rPr>
                                         <m:t>𝑉</m:t>
                                       </m:r>
                                       <m:r>
-                                        <a:rPr lang="en-GB" i="1"/>
+                                        <a:rPr lang="en-GB" i="1">
+                                          <a:latin typeface="Cambria Math"/>
+                                        </a:rPr>
                                         <m:t>⊥</m:t>
                                       </m:r>
                                     </m:sub>
@@ -3785,13 +3955,17 @@
                             </m:e>
                             <m:sup>
                               <m:r>
-                                <a:rPr lang="en-GB" i="1"/>
+                                <a:rPr lang="en-GB" i="1">
+                                  <a:latin typeface="Cambria Math"/>
+                                </a:rPr>
                                 <m:t>2</m:t>
                               </m:r>
                             </m:sup>
                           </m:sSup>
                           <m:r>
-                            <a:rPr lang="en-GB" i="1"/>
+                            <a:rPr lang="en-GB" i="1">
+                              <a:latin typeface="Cambria Math"/>
+                            </a:rPr>
                             <m:t>𝑑𝐴</m:t>
                           </m:r>
                         </m:e>
@@ -3814,41 +3988,55 @@
                       <m:sSub>
                         <m:sSubPr>
                           <m:ctrlPr>
-                            <a:rPr lang="en-GB" i="1"/>
+                            <a:rPr lang="en-GB" i="1">
+                              <a:latin typeface="Cambria Math"/>
+                            </a:rPr>
                           </m:ctrlPr>
                         </m:sSubPr>
                         <m:e>
                           <m:r>
-                            <a:rPr lang="en-GB" i="1"/>
+                            <a:rPr lang="en-GB" i="1">
+                              <a:latin typeface="Cambria Math"/>
+                            </a:rPr>
                             <m:t>𝑄</m:t>
                           </m:r>
                         </m:e>
                         <m:sub>
                           <m:r>
-                            <a:rPr lang="en-GB" i="1"/>
+                            <a:rPr lang="en-GB" i="1">
+                              <a:latin typeface="Cambria Math"/>
+                            </a:rPr>
                             <m:t>𝑀𝑆</m:t>
                           </m:r>
                         </m:sub>
                       </m:sSub>
                       <m:r>
-                        <a:rPr lang="en-GB" i="1"/>
+                        <a:rPr lang="en-GB" i="1">
+                          <a:latin typeface="Cambria Math"/>
+                        </a:rPr>
                         <m:t>=</m:t>
                       </m:r>
                       <m:f>
                         <m:fPr>
                           <m:ctrlPr>
-                            <a:rPr lang="en-GB" i="1"/>
+                            <a:rPr lang="en-GB" i="1">
+                              <a:latin typeface="Cambria Math"/>
+                            </a:rPr>
                           </m:ctrlPr>
                         </m:fPr>
                         <m:num>
                           <m:r>
-                            <a:rPr lang="en-GB" i="1"/>
+                            <a:rPr lang="en-GB" i="1">
+                              <a:latin typeface="Cambria Math"/>
+                            </a:rPr>
                             <m:t>1</m:t>
                           </m:r>
                         </m:num>
                         <m:den>
                           <m:r>
-                            <a:rPr lang="en-GB" i="1"/>
+                            <a:rPr lang="en-GB" i="1">
+                              <a:latin typeface="Cambria Math"/>
+                            </a:rPr>
                             <m:t>2</m:t>
                           </m:r>
                         </m:den>
@@ -3964,12 +4152,16 @@
                         <m:naryPr>
                           <m:limLoc m:val="undOvr"/>
                           <m:ctrlPr>
-                            <a:rPr lang="en-GB" i="1"/>
+                            <a:rPr lang="en-GB" i="1">
+                              <a:latin typeface="Cambria Math"/>
+                            </a:rPr>
                           </m:ctrlPr>
                         </m:naryPr>
                         <m:sub>
                           <m:r>
-                            <a:rPr lang="en-GB" i="1"/>
+                            <a:rPr lang="en-GB" i="1">
+                              <a:latin typeface="Cambria Math"/>
+                            </a:rPr>
                             <m:t>𝑀𝑆</m:t>
                           </m:r>
                         </m:sub>
@@ -3978,7 +4170,9 @@
                           <m:sSup>
                             <m:sSupPr>
                               <m:ctrlPr>
-                                <a:rPr lang="en-GB" i="1"/>
+                                <a:rPr lang="en-GB" i="1">
+                                  <a:latin typeface="Cambria Math"/>
+                                </a:rPr>
                               </m:ctrlPr>
                             </m:sSupPr>
                             <m:e>
@@ -3987,29 +4181,39 @@
                                   <m:begChr m:val="|"/>
                                   <m:endChr m:val="|"/>
                                   <m:ctrlPr>
-                                    <a:rPr lang="en-GB" i="1"/>
+                                    <a:rPr lang="en-GB" i="1">
+                                      <a:latin typeface="Cambria Math"/>
+                                    </a:rPr>
                                   </m:ctrlPr>
                                 </m:dPr>
                                 <m:e>
                                   <m:sSub>
                                     <m:sSubPr>
                                       <m:ctrlPr>
-                                        <a:rPr lang="en-GB" i="1"/>
+                                        <a:rPr lang="en-GB" i="1">
+                                          <a:latin typeface="Cambria Math"/>
+                                        </a:rPr>
                                       </m:ctrlPr>
                                     </m:sSubPr>
                                     <m:e>
                                       <m:r>
-                                        <a:rPr lang="en-GB" i="1"/>
+                                        <a:rPr lang="en-GB" i="1">
+                                          <a:latin typeface="Cambria Math"/>
+                                        </a:rPr>
                                         <m:t>𝐸</m:t>
                                       </m:r>
                                     </m:e>
                                     <m:sub>
                                       <m:r>
-                                        <a:rPr lang="en-GB" i="1"/>
+                                        <a:rPr lang="en-GB" i="1">
+                                          <a:latin typeface="Cambria Math"/>
+                                        </a:rPr>
                                         <m:t>𝑆</m:t>
                                       </m:r>
                                       <m:r>
-                                        <a:rPr lang="en-GB" i="1"/>
+                                        <a:rPr lang="en-GB" i="1">
+                                          <a:latin typeface="Cambria Math"/>
+                                        </a:rPr>
                                         <m:t>⊥</m:t>
                                       </m:r>
                                     </m:sub>
@@ -4019,13 +4223,17 @@
                             </m:e>
                             <m:sup>
                               <m:r>
-                                <a:rPr lang="en-GB" i="1"/>
+                                <a:rPr lang="en-GB" i="1">
+                                  <a:latin typeface="Cambria Math"/>
+                                </a:rPr>
                                 <m:t>2</m:t>
                               </m:r>
                             </m:sup>
                           </m:sSup>
                           <m:r>
-                            <a:rPr lang="en-GB" i="1"/>
+                            <a:rPr lang="en-GB" i="1">
+                              <a:latin typeface="Cambria Math"/>
+                            </a:rPr>
                             <m:t>𝑑𝐴</m:t>
                           </m:r>
                         </m:e>
@@ -4048,54 +4256,72 @@
                       <m:sSub>
                         <m:sSubPr>
                           <m:ctrlPr>
-                            <a:rPr lang="en-GB" i="1"/>
+                            <a:rPr lang="en-GB" i="1">
+                              <a:latin typeface="Cambria Math"/>
+                            </a:rPr>
                           </m:ctrlPr>
                         </m:sSubPr>
                         <m:e>
                           <m:r>
-                            <a:rPr lang="en-GB" i="1"/>
+                            <a:rPr lang="en-GB" i="1">
+                              <a:latin typeface="Cambria Math"/>
+                            </a:rPr>
                             <m:t>𝑄</m:t>
                           </m:r>
                         </m:e>
                         <m:sub>
                           <m:r>
-                            <a:rPr lang="en-GB" i="1"/>
+                            <a:rPr lang="en-GB" i="1">
+                              <a:latin typeface="Cambria Math"/>
+                            </a:rPr>
                             <m:t>𝑆𝑉</m:t>
                           </m:r>
                         </m:sub>
                       </m:sSub>
                       <m:r>
-                        <a:rPr lang="en-GB" i="1"/>
+                        <a:rPr lang="en-GB" i="1">
+                          <a:latin typeface="Cambria Math"/>
+                        </a:rPr>
                         <m:t>=</m:t>
                       </m:r>
                       <m:f>
                         <m:fPr>
                           <m:ctrlPr>
-                            <a:rPr lang="en-GB" i="1"/>
+                            <a:rPr lang="en-GB" i="1">
+                              <a:latin typeface="Cambria Math"/>
+                            </a:rPr>
                           </m:ctrlPr>
                         </m:fPr>
                         <m:num>
                           <m:sSubSup>
                             <m:sSubSupPr>
                               <m:ctrlPr>
-                                <a:rPr lang="en-GB" i="1"/>
+                                <a:rPr lang="en-GB" i="1">
+                                  <a:latin typeface="Cambria Math"/>
+                                </a:rPr>
                               </m:ctrlPr>
                             </m:sSubSupPr>
                             <m:e>
                               <m:r>
-                                <a:rPr lang="en-GB" i="1"/>
+                                <a:rPr lang="en-GB" i="1">
+                                  <a:latin typeface="Cambria Math"/>
+                                </a:rPr>
                                 <m:t>𝜀</m:t>
                               </m:r>
                             </m:e>
                             <m:sub>
                               <m:r>
-                                <a:rPr lang="en-GB" i="1"/>
+                                <a:rPr lang="en-GB" i="1">
+                                  <a:latin typeface="Cambria Math"/>
+                                </a:rPr>
                                 <m:t>𝑆𝑉</m:t>
                               </m:r>
                             </m:sub>
                             <m:sup>
                               <m:r>
-                                <a:rPr lang="en-GB" i="1"/>
+                                <a:rPr lang="en-GB" i="1">
+                                  <a:latin typeface="Cambria Math"/>
+                                </a:rPr>
                                 <m:t>−1</m:t>
                               </m:r>
                             </m:sup>
@@ -4103,7 +4329,9 @@
                         </m:num>
                         <m:den>
                           <m:r>
-                            <a:rPr lang="en-GB" i="1"/>
+                            <a:rPr lang="en-GB" i="1">
+                              <a:latin typeface="Cambria Math"/>
+                            </a:rPr>
                             <m:t>2</m:t>
                           </m:r>
                         </m:den>
@@ -4111,18 +4339,24 @@
                       <m:sSub>
                         <m:sSubPr>
                           <m:ctrlPr>
-                            <a:rPr lang="en-GB" i="1"/>
+                            <a:rPr lang="en-GB" i="1">
+                              <a:latin typeface="Cambria Math"/>
+                            </a:rPr>
                           </m:ctrlPr>
                         </m:sSubPr>
                         <m:e>
                           <m:r>
-                            <a:rPr lang="en-GB" i="1"/>
+                            <a:rPr lang="en-GB" i="1">
+                              <a:latin typeface="Cambria Math"/>
+                            </a:rPr>
                             <m:t>𝑡</m:t>
                           </m:r>
                         </m:e>
                         <m:sub>
                           <m:r>
-                            <a:rPr lang="en-GB" i="1"/>
+                            <a:rPr lang="en-GB" i="1">
+                              <a:latin typeface="Cambria Math"/>
+                            </a:rPr>
                             <m:t>𝑆𝑉</m:t>
                           </m:r>
                         </m:sub>
@@ -4131,12 +4365,16 @@
                         <m:naryPr>
                           <m:limLoc m:val="undOvr"/>
                           <m:ctrlPr>
-                            <a:rPr lang="en-GB" i="1"/>
+                            <a:rPr lang="en-GB" i="1">
+                              <a:latin typeface="Cambria Math"/>
+                            </a:rPr>
                           </m:ctrlPr>
                         </m:naryPr>
                         <m:sub>
                           <m:r>
-                            <a:rPr lang="en-GB" i="1"/>
+                            <a:rPr lang="en-GB" i="1">
+                              <a:latin typeface="Cambria Math"/>
+                            </a:rPr>
                             <m:t>𝑆𝑉</m:t>
                           </m:r>
                         </m:sub>
@@ -4145,7 +4383,9 @@
                           <m:sSup>
                             <m:sSupPr>
                               <m:ctrlPr>
-                                <a:rPr lang="en-GB" i="1"/>
+                                <a:rPr lang="en-GB" i="1">
+                                  <a:latin typeface="Cambria Math"/>
+                                </a:rPr>
                               </m:ctrlPr>
                             </m:sSupPr>
                             <m:e>
@@ -4154,29 +4394,39 @@
                                   <m:begChr m:val="|"/>
                                   <m:endChr m:val="|"/>
                                   <m:ctrlPr>
-                                    <a:rPr lang="en-GB" i="1"/>
+                                    <a:rPr lang="en-GB" i="1">
+                                      <a:latin typeface="Cambria Math"/>
+                                    </a:rPr>
                                   </m:ctrlPr>
                                 </m:dPr>
                                 <m:e>
                                   <m:sSub>
                                     <m:sSubPr>
                                       <m:ctrlPr>
-                                        <a:rPr lang="en-GB" i="1"/>
+                                        <a:rPr lang="en-GB" i="1">
+                                          <a:latin typeface="Cambria Math"/>
+                                        </a:rPr>
                                       </m:ctrlPr>
                                     </m:sSubPr>
                                     <m:e>
                                       <m:r>
-                                        <a:rPr lang="en-GB" i="1"/>
+                                        <a:rPr lang="en-GB" i="1">
+                                          <a:latin typeface="Cambria Math"/>
+                                        </a:rPr>
                                         <m:t>𝐸</m:t>
                                       </m:r>
                                     </m:e>
                                     <m:sub>
                                       <m:r>
-                                        <a:rPr lang="en-GB" i="1"/>
+                                        <a:rPr lang="en-GB" i="1">
+                                          <a:latin typeface="Cambria Math"/>
+                                        </a:rPr>
                                         <m:t>𝑉</m:t>
                                       </m:r>
                                       <m:r>
-                                        <a:rPr lang="en-GB" i="1"/>
+                                        <a:rPr lang="en-GB" i="1">
+                                          <a:latin typeface="Cambria Math"/>
+                                        </a:rPr>
                                         <m:t>⊥</m:t>
                                       </m:r>
                                     </m:sub>
@@ -4186,43 +4436,57 @@
                             </m:e>
                             <m:sup>
                               <m:r>
-                                <a:rPr lang="en-GB" i="1"/>
+                                <a:rPr lang="en-GB" i="1">
+                                  <a:latin typeface="Cambria Math"/>
+                                </a:rPr>
                                 <m:t>2</m:t>
                               </m:r>
                             </m:sup>
                           </m:sSup>
                           <m:r>
-                            <a:rPr lang="en-GB" i="1"/>
+                            <a:rPr lang="en-GB" i="1">
+                              <a:latin typeface="Cambria Math"/>
+                            </a:rPr>
                             <m:t>𝑑𝐴</m:t>
                           </m:r>
                         </m:e>
                       </m:nary>
                       <m:r>
-                        <a:rPr lang="en-GB" i="1"/>
+                        <a:rPr lang="en-GB" i="1">
+                          <a:latin typeface="Cambria Math"/>
+                        </a:rPr>
                         <m:t>+</m:t>
                       </m:r>
                       <m:f>
                         <m:fPr>
                           <m:ctrlPr>
-                            <a:rPr lang="en-GB" i="1"/>
+                            <a:rPr lang="en-GB" i="1">
+                              <a:latin typeface="Cambria Math"/>
+                            </a:rPr>
                           </m:ctrlPr>
                         </m:fPr>
                         <m:num>
                           <m:sSubSup>
                             <m:sSubSupPr>
                               <m:ctrlPr>
-                                <a:rPr lang="en-GB" i="1"/>
+                                <a:rPr lang="en-GB" i="1">
+                                  <a:latin typeface="Cambria Math"/>
+                                </a:rPr>
                               </m:ctrlPr>
                             </m:sSubSupPr>
                             <m:e>
                               <m:r>
-                                <a:rPr lang="en-GB" i="1"/>
+                                <a:rPr lang="en-GB" i="1">
+                                  <a:latin typeface="Cambria Math"/>
+                                </a:rPr>
                                 <m:t>𝜀</m:t>
                               </m:r>
                             </m:e>
                             <m:sub>
                               <m:r>
-                                <a:rPr lang="en-GB" i="1"/>
+                                <a:rPr lang="en-GB" i="1">
+                                  <a:latin typeface="Cambria Math"/>
+                                </a:rPr>
                                 <m:t>𝑆𝑉</m:t>
                               </m:r>
                             </m:sub>
@@ -4231,7 +4495,9 @@
                         </m:num>
                         <m:den>
                           <m:r>
-                            <a:rPr lang="en-GB" i="1"/>
+                            <a:rPr lang="en-GB" i="1">
+                              <a:latin typeface="Cambria Math"/>
+                            </a:rPr>
                             <m:t>2</m:t>
                           </m:r>
                         </m:den>
@@ -4239,18 +4505,24 @@
                       <m:sSub>
                         <m:sSubPr>
                           <m:ctrlPr>
-                            <a:rPr lang="en-GB" i="1"/>
+                            <a:rPr lang="en-GB" i="1">
+                              <a:latin typeface="Cambria Math"/>
+                            </a:rPr>
                           </m:ctrlPr>
                         </m:sSubPr>
                         <m:e>
                           <m:r>
-                            <a:rPr lang="en-GB" i="1"/>
+                            <a:rPr lang="en-GB" i="1">
+                              <a:latin typeface="Cambria Math"/>
+                            </a:rPr>
                             <m:t>𝑡</m:t>
                           </m:r>
                         </m:e>
                         <m:sub>
                           <m:r>
-                            <a:rPr lang="en-GB" i="1"/>
+                            <a:rPr lang="en-GB" i="1">
+                              <a:latin typeface="Cambria Math"/>
+                            </a:rPr>
                             <m:t>𝑆𝑉</m:t>
                           </m:r>
                         </m:sub>
@@ -4259,12 +4531,16 @@
                         <m:naryPr>
                           <m:limLoc m:val="undOvr"/>
                           <m:ctrlPr>
-                            <a:rPr lang="en-GB" i="1"/>
+                            <a:rPr lang="en-GB" i="1">
+                              <a:latin typeface="Cambria Math"/>
+                            </a:rPr>
                           </m:ctrlPr>
                         </m:naryPr>
                         <m:sub>
                           <m:r>
-                            <a:rPr lang="en-GB" i="1"/>
+                            <a:rPr lang="en-GB" i="1">
+                              <a:latin typeface="Cambria Math"/>
+                            </a:rPr>
                             <m:t>𝑆𝑉</m:t>
                           </m:r>
                         </m:sub>
@@ -4273,7 +4549,9 @@
                           <m:sSup>
                             <m:sSupPr>
                               <m:ctrlPr>
-                                <a:rPr lang="en-GB" i="1"/>
+                                <a:rPr lang="en-GB" i="1">
+                                  <a:latin typeface="Cambria Math"/>
+                                </a:rPr>
                               </m:ctrlPr>
                             </m:sSupPr>
                             <m:e>
@@ -4282,29 +4560,39 @@
                                   <m:begChr m:val="|"/>
                                   <m:endChr m:val="|"/>
                                   <m:ctrlPr>
-                                    <a:rPr lang="en-GB" i="1"/>
+                                    <a:rPr lang="en-GB" i="1">
+                                      <a:latin typeface="Cambria Math"/>
+                                    </a:rPr>
                                   </m:ctrlPr>
                                 </m:dPr>
                                 <m:e>
                                   <m:sSub>
                                     <m:sSubPr>
                                       <m:ctrlPr>
-                                        <a:rPr lang="en-GB" i="1"/>
+                                        <a:rPr lang="en-GB" i="1">
+                                          <a:latin typeface="Cambria Math"/>
+                                        </a:rPr>
                                       </m:ctrlPr>
                                     </m:sSubPr>
                                     <m:e>
                                       <m:r>
-                                        <a:rPr lang="en-GB" i="1"/>
+                                        <a:rPr lang="en-GB" i="1">
+                                          <a:latin typeface="Cambria Math"/>
+                                        </a:rPr>
                                         <m:t>𝐸</m:t>
                                       </m:r>
                                     </m:e>
                                     <m:sub>
                                       <m:r>
-                                        <a:rPr lang="en-GB" i="1"/>
+                                        <a:rPr lang="en-GB" i="1">
+                                          <a:latin typeface="Cambria Math"/>
+                                        </a:rPr>
                                         <m:t>𝑉</m:t>
                                       </m:r>
                                       <m:r>
-                                        <a:rPr lang="en-GB" i="1"/>
+                                        <a:rPr lang="en-GB" i="1">
+                                          <a:latin typeface="Cambria Math"/>
+                                        </a:rPr>
                                         <m:t>∥</m:t>
                                       </m:r>
                                     </m:sub>
@@ -4314,13 +4602,17 @@
                             </m:e>
                             <m:sup>
                               <m:r>
-                                <a:rPr lang="en-GB" i="1"/>
+                                <a:rPr lang="en-GB" i="1">
+                                  <a:latin typeface="Cambria Math"/>
+                                </a:rPr>
                                 <m:t>2</m:t>
                               </m:r>
                             </m:sup>
                           </m:sSup>
                           <m:r>
-                            <a:rPr lang="en-GB" i="1"/>
+                            <a:rPr lang="en-GB" i="1">
+                              <a:latin typeface="Cambria Math"/>
+                            </a:rPr>
                             <m:t>𝑑𝐴</m:t>
                           </m:r>
                         </m:e>
@@ -4333,7 +4625,7 @@
             </p:txBody>
           </p:sp>
         </mc:Choice>
-        <mc:Fallback>
+        <mc:Fallback xmlns="">
           <p:sp>
             <p:nvSpPr>
               <p:cNvPr id="3" name="Content Placeholder 2"/>
@@ -4480,6 +4772,10 @@
                     </m:sSub>
                   </m:oMath>
                 </a14:m>
+                <a:r>
+                  <a:rPr lang="en-GB" dirty="0" smtClean="0"/>
+                  <a:t>,</a:t>
+                </a:r>
                 <a:r>
                   <a:rPr lang="en-GB" dirty="0" smtClean="0"/>
                   <a:t> it is possible to determine the influence design parameters (pad separation, corner radius)  and/or changing overall qubit design (Yale, IBM) on participation ratio.</a:t>
@@ -4647,8 +4943,8 @@
           </a:p>
         </p:txBody>
       </p:sp>
-      <mc:AlternateContent xmlns:mc="http://schemas.openxmlformats.org/markup-compatibility/2006">
-        <mc:Choice xmlns:a14="http://schemas.microsoft.com/office/drawing/2010/main" Requires="a14">
+      <mc:AlternateContent xmlns:mc="http://schemas.openxmlformats.org/markup-compatibility/2006" xmlns:a14="http://schemas.microsoft.com/office/drawing/2010/main">
+        <mc:Choice Requires="a14">
           <p:sp>
             <p:nvSpPr>
               <p:cNvPr id="3" name="Content Placeholder 2"/>
@@ -5194,7 +5490,7 @@
             </p:txBody>
           </p:sp>
         </mc:Choice>
-        <mc:Fallback>
+        <mc:Fallback xmlns="">
           <p:sp>
             <p:nvSpPr>
               <p:cNvPr id="3" name="Content Placeholder 2"/>
@@ -5319,6 +5615,47 @@
           </a:p>
         </p:txBody>
       </p:sp>
+      <p:pic>
+        <p:nvPicPr>
+          <p:cNvPr id="1026" name="Picture 2" descr="C:\Users\rick\Documents\School\15-16\BEP\BEP\Pictures\Yale_rounding_edges\junction.png"/>
+          <p:cNvPicPr>
+            <a:picLocks noChangeAspect="1" noChangeArrowheads="1"/>
+          </p:cNvPicPr>
+          <p:nvPr/>
+        </p:nvPicPr>
+        <p:blipFill>
+          <a:blip r:embed="rId2">
+            <a:extLst>
+              <a:ext uri="{28A0092B-C50C-407E-A947-70E740481C1C}">
+                <a14:useLocalDpi xmlns:a14="http://schemas.microsoft.com/office/drawing/2010/main" val="0"/>
+              </a:ext>
+            </a:extLst>
+          </a:blip>
+          <a:srcRect/>
+          <a:stretch>
+            <a:fillRect/>
+          </a:stretch>
+        </p:blipFill>
+        <p:spPr bwMode="auto">
+          <a:xfrm>
+            <a:off x="1586475" y="2388780"/>
+            <a:ext cx="7500310" cy="2948764"/>
+          </a:xfrm>
+          <a:prstGeom prst="rect">
+            <a:avLst/>
+          </a:prstGeom>
+          <a:noFill/>
+          <a:extLst>
+            <a:ext uri="{909E8E84-426E-40DD-AFC4-6F175D3DCCD1}">
+              <a14:hiddenFill xmlns:a14="http://schemas.microsoft.com/office/drawing/2010/main">
+                <a:solidFill>
+                  <a:srgbClr val="FFFFFF"/>
+                </a:solidFill>
+              </a14:hiddenFill>
+            </a:ext>
+          </a:extLst>
+        </p:spPr>
+      </p:pic>
     </p:spTree>
     <p:extLst>
       <p:ext uri="{BB962C8B-B14F-4D97-AF65-F5344CB8AC3E}">
@@ -5397,6 +5734,47 @@
           </a:p>
         </p:txBody>
       </p:sp>
+      <p:pic>
+        <p:nvPicPr>
+          <p:cNvPr id="2050" name="Picture 2" descr="C:\Users\rick\Documents\School\15-16\BEP\BEP\Pictures\Yale_rounding_edges\pads.png"/>
+          <p:cNvPicPr>
+            <a:picLocks noChangeAspect="1" noChangeArrowheads="1"/>
+          </p:cNvPicPr>
+          <p:nvPr/>
+        </p:nvPicPr>
+        <p:blipFill>
+          <a:blip r:embed="rId2">
+            <a:extLst>
+              <a:ext uri="{28A0092B-C50C-407E-A947-70E740481C1C}">
+                <a14:useLocalDpi xmlns:a14="http://schemas.microsoft.com/office/drawing/2010/main" val="0"/>
+              </a:ext>
+            </a:extLst>
+          </a:blip>
+          <a:srcRect/>
+          <a:stretch>
+            <a:fillRect/>
+          </a:stretch>
+        </p:blipFill>
+        <p:spPr bwMode="auto">
+          <a:xfrm>
+            <a:off x="1653739" y="2367516"/>
+            <a:ext cx="7490261" cy="2944813"/>
+          </a:xfrm>
+          <a:prstGeom prst="rect">
+            <a:avLst/>
+          </a:prstGeom>
+          <a:noFill/>
+          <a:extLst>
+            <a:ext uri="{909E8E84-426E-40DD-AFC4-6F175D3DCCD1}">
+              <a14:hiddenFill xmlns:a14="http://schemas.microsoft.com/office/drawing/2010/main">
+                <a:solidFill>
+                  <a:srgbClr val="FFFFFF"/>
+                </a:solidFill>
+              </a14:hiddenFill>
+            </a:ext>
+          </a:extLst>
+        </p:spPr>
+      </p:pic>
     </p:spTree>
     <p:extLst>
       <p:ext uri="{BB962C8B-B14F-4D97-AF65-F5344CB8AC3E}">
@@ -5475,6 +5853,47 @@
           </a:p>
         </p:txBody>
       </p:sp>
+      <p:pic>
+        <p:nvPicPr>
+          <p:cNvPr id="3074" name="Picture 2" descr="C:\Users\rick\Documents\School\15-16\BEP\BEP\Pictures\Yale_rounding_edges\qubit.png"/>
+          <p:cNvPicPr>
+            <a:picLocks noChangeAspect="1" noChangeArrowheads="1"/>
+          </p:cNvPicPr>
+          <p:nvPr/>
+        </p:nvPicPr>
+        <p:blipFill>
+          <a:blip r:embed="rId2">
+            <a:extLst>
+              <a:ext uri="{28A0092B-C50C-407E-A947-70E740481C1C}">
+                <a14:useLocalDpi xmlns:a14="http://schemas.microsoft.com/office/drawing/2010/main" val="0"/>
+              </a:ext>
+            </a:extLst>
+          </a:blip>
+          <a:srcRect/>
+          <a:stretch>
+            <a:fillRect/>
+          </a:stretch>
+        </p:blipFill>
+        <p:spPr bwMode="auto">
+          <a:xfrm>
+            <a:off x="1628426" y="2452577"/>
+            <a:ext cx="7382923" cy="2902613"/>
+          </a:xfrm>
+          <a:prstGeom prst="rect">
+            <a:avLst/>
+          </a:prstGeom>
+          <a:noFill/>
+          <a:extLst>
+            <a:ext uri="{909E8E84-426E-40DD-AFC4-6F175D3DCCD1}">
+              <a14:hiddenFill xmlns:a14="http://schemas.microsoft.com/office/drawing/2010/main">
+                <a:solidFill>
+                  <a:srgbClr val="FFFFFF"/>
+                </a:solidFill>
+              </a14:hiddenFill>
+            </a:ext>
+          </a:extLst>
+        </p:spPr>
+      </p:pic>
     </p:spTree>
     <p:extLst>
       <p:ext uri="{BB962C8B-B14F-4D97-AF65-F5344CB8AC3E}">
@@ -5485,6 +5904,13 @@
   <p:clrMapOvr>
     <a:masterClrMapping/>
   </p:clrMapOvr>
+  <p:timing>
+    <p:tnLst>
+      <p:par>
+        <p:cTn id="1" dur="indefinite" restart="never" nodeType="tmRoot"/>
+      </p:par>
+    </p:tnLst>
+  </p:timing>
 </p:sld>
 </file>
 
@@ -5558,6 +5984,47 @@
           </a:p>
         </p:txBody>
       </p:sp>
+      <p:pic>
+        <p:nvPicPr>
+          <p:cNvPr id="4098" name="Picture 2" descr="C:\Users\rick\Documents\School\15-16\BEP\BEP\Pictures\Yale_rounding_edges\parameterlist.png"/>
+          <p:cNvPicPr>
+            <a:picLocks noChangeAspect="1" noChangeArrowheads="1"/>
+          </p:cNvPicPr>
+          <p:nvPr/>
+        </p:nvPicPr>
+        <p:blipFill>
+          <a:blip r:embed="rId2">
+            <a:extLst>
+              <a:ext uri="{28A0092B-C50C-407E-A947-70E740481C1C}">
+                <a14:useLocalDpi xmlns:a14="http://schemas.microsoft.com/office/drawing/2010/main" val="0"/>
+              </a:ext>
+            </a:extLst>
+          </a:blip>
+          <a:srcRect/>
+          <a:stretch>
+            <a:fillRect/>
+          </a:stretch>
+        </p:blipFill>
+        <p:spPr bwMode="auto">
+          <a:xfrm>
+            <a:off x="1943949" y="2251444"/>
+            <a:ext cx="7669212" cy="4457700"/>
+          </a:xfrm>
+          <a:prstGeom prst="rect">
+            <a:avLst/>
+          </a:prstGeom>
+          <a:noFill/>
+          <a:extLst>
+            <a:ext uri="{909E8E84-426E-40DD-AFC4-6F175D3DCCD1}">
+              <a14:hiddenFill xmlns:a14="http://schemas.microsoft.com/office/drawing/2010/main">
+                <a:solidFill>
+                  <a:srgbClr val="FFFFFF"/>
+                </a:solidFill>
+              </a14:hiddenFill>
+            </a:ext>
+          </a:extLst>
+        </p:spPr>
+      </p:pic>
     </p:spTree>
     <p:extLst>
       <p:ext uri="{BB962C8B-B14F-4D97-AF65-F5344CB8AC3E}">
@@ -5568,6 +6035,13 @@
   <p:clrMapOvr>
     <a:masterClrMapping/>
   </p:clrMapOvr>
+  <p:timing>
+    <p:tnLst>
+      <p:par>
+        <p:cTn id="1" dur="indefinite" restart="never" nodeType="tmRoot"/>
+      </p:par>
+    </p:tnLst>
+  </p:timing>
 </p:sld>
 </file>
 
@@ -5684,6 +6158,13 @@
   <p:clrMapOvr>
     <a:masterClrMapping/>
   </p:clrMapOvr>
+  <p:timing>
+    <p:tnLst>
+      <p:par>
+        <p:cTn id="1" dur="indefinite" restart="never" nodeType="tmRoot"/>
+      </p:par>
+    </p:tnLst>
+  </p:timing>
 </p:sld>
 </file>
 
@@ -5902,6 +6383,13 @@
   <p:clrMapOvr>
     <a:masterClrMapping/>
   </p:clrMapOvr>
+  <p:timing>
+    <p:tnLst>
+      <p:par>
+        <p:cTn id="1" dur="indefinite" restart="never" nodeType="tmRoot"/>
+      </p:par>
+    </p:tnLst>
+  </p:timing>
 </p:sld>
 </file>
 
@@ -6015,10 +6503,7 @@
           <a:bodyPr/>
           <a:lstStyle/>
           <a:p>
-            <a:r>
-              <a:rPr lang="en-GB" dirty="0"/>
-              <a:t>Simulation - Meshing</a:t>
-            </a:r>
+            <a:endParaRPr lang="en-GB"/>
           </a:p>
         </p:txBody>
       </p:sp>
@@ -6037,38 +6522,14 @@
           <a:bodyPr/>
           <a:lstStyle/>
           <a:p>
-            <a:pPr marL="0" indent="0">
-              <a:buNone/>
-            </a:pPr>
-            <a:r>
-              <a:rPr lang="en-GB" dirty="0" smtClean="0"/>
-              <a:t>Simulating the ground plate as a thin sheet eliminates the need </a:t>
-            </a:r>
-            <a:r>
-              <a:rPr lang="en-GB" smtClean="0"/>
-              <a:t>for very fine </a:t>
-            </a:r>
-            <a:r>
-              <a:rPr lang="en-GB" dirty="0" smtClean="0"/>
-              <a:t>meshing in this area. </a:t>
-            </a:r>
-          </a:p>
-          <a:p>
-            <a:pPr marL="0" indent="0">
-              <a:buNone/>
-            </a:pPr>
-            <a:r>
-              <a:rPr lang="en-GB" dirty="0" smtClean="0"/>
-              <a:t>Edges of the ground sheet are provide minimal storage of energy compared to pad edges.</a:t>
-            </a:r>
-            <a:endParaRPr lang="en-GB" dirty="0"/>
+            <a:endParaRPr lang="en-GB"/>
           </a:p>
         </p:txBody>
       </p:sp>
     </p:spTree>
     <p:extLst>
       <p:ext uri="{BB962C8B-B14F-4D97-AF65-F5344CB8AC3E}">
-        <p14:creationId xmlns:p14="http://schemas.microsoft.com/office/powerpoint/2010/main" val="1512530819"/>
+        <p14:creationId xmlns:p14="http://schemas.microsoft.com/office/powerpoint/2010/main" val="2472141975"/>
       </p:ext>
     </p:extLst>
   </p:cSld>
@@ -6110,10 +6571,7 @@
           <a:bodyPr/>
           <a:lstStyle/>
           <a:p>
-            <a:r>
-              <a:rPr lang="en-GB" dirty="0"/>
-              <a:t>Simulation - Meshing</a:t>
-            </a:r>
+            <a:endParaRPr lang="en-GB"/>
           </a:p>
         </p:txBody>
       </p:sp>
@@ -6132,14 +6590,14 @@
           <a:bodyPr/>
           <a:lstStyle/>
           <a:p>
-            <a:endParaRPr lang="en-GB" dirty="0"/>
+            <a:endParaRPr lang="en-GB"/>
           </a:p>
         </p:txBody>
       </p:sp>
     </p:spTree>
     <p:extLst>
       <p:ext uri="{BB962C8B-B14F-4D97-AF65-F5344CB8AC3E}">
-        <p14:creationId xmlns:p14="http://schemas.microsoft.com/office/powerpoint/2010/main" val="1765071969"/>
+        <p14:creationId xmlns:p14="http://schemas.microsoft.com/office/powerpoint/2010/main" val="3501497267"/>
       </p:ext>
     </p:extLst>
   </p:cSld>
@@ -6182,10 +6640,9 @@
           <a:lstStyle/>
           <a:p>
             <a:r>
-              <a:rPr lang="en-GB" dirty="0" smtClean="0"/>
-              <a:t>Post Processing</a:t>
+              <a:rPr lang="en-GB" dirty="0"/>
+              <a:t>Simulation - Meshing</a:t>
             </a:r>
-            <a:endParaRPr lang="en-GB" dirty="0"/>
           </a:p>
         </p:txBody>
       </p:sp>
@@ -6204,44 +6661,71 @@
           <a:bodyPr/>
           <a:lstStyle/>
           <a:p>
-            <a:r>
-              <a:rPr lang="en-GB" dirty="0" smtClean="0"/>
-              <a:t>Export E-field data on different components (ground, substrate, pads) separately. </a:t>
-            </a:r>
-          </a:p>
-          <a:p>
-            <a:r>
-              <a:rPr lang="en-GB" dirty="0" smtClean="0"/>
-              <a:t>Separate data belonging to different </a:t>
-            </a:r>
-            <a:r>
-              <a:rPr lang="en-GB" dirty="0" err="1" smtClean="0"/>
-              <a:t>lossy</a:t>
-            </a:r>
-            <a:r>
-              <a:rPr lang="en-GB" dirty="0" smtClean="0"/>
-              <a:t> layers.</a:t>
-            </a:r>
-          </a:p>
-          <a:p>
-            <a:r>
-              <a:rPr lang="en-GB" dirty="0" smtClean="0"/>
-              <a:t>Separate normal and tangential component on SV-interface.</a:t>
-            </a:r>
-          </a:p>
-          <a:p>
-            <a:r>
-              <a:rPr lang="en-GB" dirty="0" smtClean="0"/>
-              <a:t>Evaluate given integral (summation in this case)</a:t>
-            </a:r>
+            <a:pPr marL="0" indent="0">
+              <a:buNone/>
+            </a:pPr>
             <a:endParaRPr lang="en-GB" dirty="0"/>
           </a:p>
         </p:txBody>
       </p:sp>
+      <p:pic>
+        <p:nvPicPr>
+          <p:cNvPr id="5122" name="Picture 2"/>
+          <p:cNvPicPr>
+            <a:picLocks noChangeAspect="1" noChangeArrowheads="1"/>
+          </p:cNvPicPr>
+          <p:nvPr/>
+        </p:nvPicPr>
+        <p:blipFill>
+          <a:blip r:embed="rId2">
+            <a:extLst>
+              <a:ext uri="{28A0092B-C50C-407E-A947-70E740481C1C}">
+                <a14:useLocalDpi xmlns:a14="http://schemas.microsoft.com/office/drawing/2010/main" val="0"/>
+              </a:ext>
+            </a:extLst>
+          </a:blip>
+          <a:srcRect/>
+          <a:stretch>
+            <a:fillRect/>
+          </a:stretch>
+        </p:blipFill>
+        <p:spPr bwMode="auto">
+          <a:xfrm>
+            <a:off x="1586023" y="1734879"/>
+            <a:ext cx="7557975" cy="3129777"/>
+          </a:xfrm>
+          <a:prstGeom prst="rect">
+            <a:avLst/>
+          </a:prstGeom>
+          <a:noFill/>
+          <a:ln>
+            <a:noFill/>
+          </a:ln>
+          <a:extLst>
+            <a:ext uri="{909E8E84-426E-40DD-AFC4-6F175D3DCCD1}">
+              <a14:hiddenFill xmlns:a14="http://schemas.microsoft.com/office/drawing/2010/main">
+                <a:solidFill>
+                  <a:schemeClr val="accent1"/>
+                </a:solidFill>
+              </a14:hiddenFill>
+            </a:ext>
+            <a:ext uri="{91240B29-F687-4F45-9708-019B960494DF}">
+              <a14:hiddenLine xmlns:a14="http://schemas.microsoft.com/office/drawing/2010/main" w="9525">
+                <a:solidFill>
+                  <a:schemeClr val="tx1"/>
+                </a:solidFill>
+                <a:miter lim="800000"/>
+                <a:headEnd/>
+                <a:tailEnd/>
+              </a14:hiddenLine>
+            </a:ext>
+          </a:extLst>
+        </p:spPr>
+      </p:pic>
     </p:spTree>
     <p:extLst>
       <p:ext uri="{BB962C8B-B14F-4D97-AF65-F5344CB8AC3E}">
-        <p14:creationId xmlns:p14="http://schemas.microsoft.com/office/powerpoint/2010/main" val="2898274834"/>
+        <p14:creationId xmlns:p14="http://schemas.microsoft.com/office/powerpoint/2010/main" val="3776990697"/>
       </p:ext>
     </p:extLst>
   </p:cSld>
@@ -6284,31 +6768,944 @@
           <a:lstStyle/>
           <a:p>
             <a:r>
+              <a:rPr lang="en-GB" dirty="0"/>
+              <a:t>Simulation - Meshing</a:t>
+            </a:r>
+          </a:p>
+        </p:txBody>
+      </p:sp>
+      <p:sp>
+        <p:nvSpPr>
+          <p:cNvPr id="3" name="Content Placeholder 2"/>
+          <p:cNvSpPr>
+            <a:spLocks noGrp="1"/>
+          </p:cNvSpPr>
+          <p:nvPr>
+            <p:ph idx="1"/>
+          </p:nvPr>
+        </p:nvSpPr>
+        <p:spPr/>
+        <p:txBody>
+          <a:bodyPr/>
+          <a:lstStyle/>
+          <a:p>
+            <a:pPr marL="0" indent="0">
+              <a:buNone/>
+            </a:pPr>
+            <a:endParaRPr lang="en-GB" dirty="0"/>
+          </a:p>
+        </p:txBody>
+      </p:sp>
+      <p:pic>
+        <p:nvPicPr>
+          <p:cNvPr id="6146" name="Picture 2"/>
+          <p:cNvPicPr>
+            <a:picLocks noChangeAspect="1" noChangeArrowheads="1"/>
+          </p:cNvPicPr>
+          <p:nvPr/>
+        </p:nvPicPr>
+        <p:blipFill>
+          <a:blip r:embed="rId2">
+            <a:extLst>
+              <a:ext uri="{28A0092B-C50C-407E-A947-70E740481C1C}">
+                <a14:useLocalDpi xmlns:a14="http://schemas.microsoft.com/office/drawing/2010/main" val="0"/>
+              </a:ext>
+            </a:extLst>
+          </a:blip>
+          <a:srcRect/>
+          <a:stretch>
+            <a:fillRect/>
+          </a:stretch>
+        </p:blipFill>
+        <p:spPr bwMode="auto">
+          <a:xfrm>
+            <a:off x="1609061" y="1777052"/>
+            <a:ext cx="7534939" cy="3120237"/>
+          </a:xfrm>
+          <a:prstGeom prst="rect">
+            <a:avLst/>
+          </a:prstGeom>
+          <a:noFill/>
+          <a:ln>
+            <a:noFill/>
+          </a:ln>
+          <a:extLst>
+            <a:ext uri="{909E8E84-426E-40DD-AFC4-6F175D3DCCD1}">
+              <a14:hiddenFill xmlns:a14="http://schemas.microsoft.com/office/drawing/2010/main">
+                <a:solidFill>
+                  <a:schemeClr val="accent1"/>
+                </a:solidFill>
+              </a14:hiddenFill>
+            </a:ext>
+            <a:ext uri="{91240B29-F687-4F45-9708-019B960494DF}">
+              <a14:hiddenLine xmlns:a14="http://schemas.microsoft.com/office/drawing/2010/main" w="9525">
+                <a:solidFill>
+                  <a:schemeClr val="tx1"/>
+                </a:solidFill>
+                <a:miter lim="800000"/>
+                <a:headEnd/>
+                <a:tailEnd/>
+              </a14:hiddenLine>
+            </a:ext>
+          </a:extLst>
+        </p:spPr>
+      </p:pic>
+    </p:spTree>
+    <p:extLst>
+      <p:ext uri="{BB962C8B-B14F-4D97-AF65-F5344CB8AC3E}">
+        <p14:creationId xmlns:p14="http://schemas.microsoft.com/office/powerpoint/2010/main" val="448655200"/>
+      </p:ext>
+    </p:extLst>
+  </p:cSld>
+  <p:clrMapOvr>
+    <a:masterClrMapping/>
+  </p:clrMapOvr>
+</p:sld>
+</file>
+
+<file path=ppt/slides/slide26.xml><?xml version="1.0" encoding="utf-8"?>
+<p:sld xmlns:a="http://schemas.openxmlformats.org/drawingml/2006/main" xmlns:r="http://schemas.openxmlformats.org/officeDocument/2006/relationships" xmlns:p="http://schemas.openxmlformats.org/presentationml/2006/main">
+  <p:cSld>
+    <p:spTree>
+      <p:nvGrpSpPr>
+        <p:cNvPr id="1" name=""/>
+        <p:cNvGrpSpPr/>
+        <p:nvPr/>
+      </p:nvGrpSpPr>
+      <p:grpSpPr>
+        <a:xfrm>
+          <a:off x="0" y="0"/>
+          <a:ext cx="0" cy="0"/>
+          <a:chOff x="0" y="0"/>
+          <a:chExt cx="0" cy="0"/>
+        </a:xfrm>
+      </p:grpSpPr>
+      <p:sp>
+        <p:nvSpPr>
+          <p:cNvPr id="2" name="Title 1"/>
+          <p:cNvSpPr>
+            <a:spLocks noGrp="1"/>
+          </p:cNvSpPr>
+          <p:nvPr>
+            <p:ph type="title"/>
+          </p:nvPr>
+        </p:nvSpPr>
+        <p:spPr/>
+        <p:txBody>
+          <a:bodyPr/>
+          <a:lstStyle/>
+          <a:p>
+            <a:r>
+              <a:rPr lang="en-GB" dirty="0"/>
+              <a:t>Simulation - Meshing</a:t>
+            </a:r>
+          </a:p>
+        </p:txBody>
+      </p:sp>
+      <p:sp>
+        <p:nvSpPr>
+          <p:cNvPr id="3" name="Content Placeholder 2"/>
+          <p:cNvSpPr>
+            <a:spLocks noGrp="1"/>
+          </p:cNvSpPr>
+          <p:nvPr>
+            <p:ph idx="1"/>
+          </p:nvPr>
+        </p:nvSpPr>
+        <p:spPr/>
+        <p:txBody>
+          <a:bodyPr/>
+          <a:lstStyle/>
+          <a:p>
+            <a:pPr marL="0" indent="0">
+              <a:buNone/>
+            </a:pPr>
+            <a:endParaRPr lang="en-GB" dirty="0"/>
+          </a:p>
+        </p:txBody>
+      </p:sp>
+      <p:pic>
+        <p:nvPicPr>
+          <p:cNvPr id="8194" name="Picture 2"/>
+          <p:cNvPicPr>
+            <a:picLocks noChangeAspect="1" noChangeArrowheads="1"/>
+          </p:cNvPicPr>
+          <p:nvPr/>
+        </p:nvPicPr>
+        <p:blipFill>
+          <a:blip r:embed="rId2">
+            <a:extLst>
+              <a:ext uri="{28A0092B-C50C-407E-A947-70E740481C1C}">
+                <a14:useLocalDpi xmlns:a14="http://schemas.microsoft.com/office/drawing/2010/main" val="0"/>
+              </a:ext>
+            </a:extLst>
+          </a:blip>
+          <a:srcRect/>
+          <a:stretch>
+            <a:fillRect/>
+          </a:stretch>
+        </p:blipFill>
+        <p:spPr bwMode="auto">
+          <a:xfrm>
+            <a:off x="1576392" y="1769836"/>
+            <a:ext cx="7567607" cy="3133766"/>
+          </a:xfrm>
+          <a:prstGeom prst="rect">
+            <a:avLst/>
+          </a:prstGeom>
+          <a:noFill/>
+          <a:ln>
+            <a:noFill/>
+          </a:ln>
+          <a:extLst>
+            <a:ext uri="{909E8E84-426E-40DD-AFC4-6F175D3DCCD1}">
+              <a14:hiddenFill xmlns:a14="http://schemas.microsoft.com/office/drawing/2010/main">
+                <a:solidFill>
+                  <a:schemeClr val="accent1"/>
+                </a:solidFill>
+              </a14:hiddenFill>
+            </a:ext>
+            <a:ext uri="{91240B29-F687-4F45-9708-019B960494DF}">
+              <a14:hiddenLine xmlns:a14="http://schemas.microsoft.com/office/drawing/2010/main" w="9525">
+                <a:solidFill>
+                  <a:schemeClr val="tx1"/>
+                </a:solidFill>
+                <a:miter lim="800000"/>
+                <a:headEnd/>
+                <a:tailEnd/>
+              </a14:hiddenLine>
+            </a:ext>
+          </a:extLst>
+        </p:spPr>
+      </p:pic>
+    </p:spTree>
+    <p:extLst>
+      <p:ext uri="{BB962C8B-B14F-4D97-AF65-F5344CB8AC3E}">
+        <p14:creationId xmlns:p14="http://schemas.microsoft.com/office/powerpoint/2010/main" val="2278917963"/>
+      </p:ext>
+    </p:extLst>
+  </p:cSld>
+  <p:clrMapOvr>
+    <a:masterClrMapping/>
+  </p:clrMapOvr>
+</p:sld>
+</file>
+
+<file path=ppt/slides/slide27.xml><?xml version="1.0" encoding="utf-8"?>
+<p:sld xmlns:a="http://schemas.openxmlformats.org/drawingml/2006/main" xmlns:r="http://schemas.openxmlformats.org/officeDocument/2006/relationships" xmlns:p="http://schemas.openxmlformats.org/presentationml/2006/main">
+  <p:cSld>
+    <p:spTree>
+      <p:nvGrpSpPr>
+        <p:cNvPr id="1" name=""/>
+        <p:cNvGrpSpPr/>
+        <p:nvPr/>
+      </p:nvGrpSpPr>
+      <p:grpSpPr>
+        <a:xfrm>
+          <a:off x="0" y="0"/>
+          <a:ext cx="0" cy="0"/>
+          <a:chOff x="0" y="0"/>
+          <a:chExt cx="0" cy="0"/>
+        </a:xfrm>
+      </p:grpSpPr>
+      <p:sp>
+        <p:nvSpPr>
+          <p:cNvPr id="2" name="Title 1"/>
+          <p:cNvSpPr>
+            <a:spLocks noGrp="1"/>
+          </p:cNvSpPr>
+          <p:nvPr>
+            <p:ph type="title"/>
+          </p:nvPr>
+        </p:nvSpPr>
+        <p:spPr/>
+        <p:txBody>
+          <a:bodyPr/>
+          <a:lstStyle/>
+          <a:p>
+            <a:r>
+              <a:rPr lang="en-GB" dirty="0"/>
+              <a:t>Simulation - Meshing</a:t>
+            </a:r>
+          </a:p>
+        </p:txBody>
+      </p:sp>
+      <p:sp>
+        <p:nvSpPr>
+          <p:cNvPr id="3" name="Content Placeholder 2"/>
+          <p:cNvSpPr>
+            <a:spLocks noGrp="1"/>
+          </p:cNvSpPr>
+          <p:nvPr>
+            <p:ph idx="1"/>
+          </p:nvPr>
+        </p:nvSpPr>
+        <p:spPr/>
+        <p:txBody>
+          <a:bodyPr/>
+          <a:lstStyle/>
+          <a:p>
+            <a:pPr marL="0" indent="0">
+              <a:buNone/>
+            </a:pPr>
+            <a:r>
+              <a:rPr lang="en-GB" dirty="0" smtClean="0"/>
+              <a:t>Simulating the ground plate as a thin sheet eliminates the need </a:t>
+            </a:r>
+            <a:r>
+              <a:rPr lang="en-GB" smtClean="0"/>
+              <a:t>for very fine </a:t>
+            </a:r>
+            <a:r>
+              <a:rPr lang="en-GB" dirty="0" smtClean="0"/>
+              <a:t>meshing in this area. </a:t>
+            </a:r>
+          </a:p>
+          <a:p>
+            <a:pPr marL="0" indent="0">
+              <a:buNone/>
+            </a:pPr>
+            <a:r>
+              <a:rPr lang="en-GB" dirty="0" smtClean="0"/>
+              <a:t>Edges of the ground sheet are provide minimal storage of energy compared to pad edges.</a:t>
+            </a:r>
+            <a:endParaRPr lang="en-GB" dirty="0"/>
+          </a:p>
+        </p:txBody>
+      </p:sp>
+    </p:spTree>
+    <p:extLst>
+      <p:ext uri="{BB962C8B-B14F-4D97-AF65-F5344CB8AC3E}">
+        <p14:creationId xmlns:p14="http://schemas.microsoft.com/office/powerpoint/2010/main" val="1512530819"/>
+      </p:ext>
+    </p:extLst>
+  </p:cSld>
+  <p:clrMapOvr>
+    <a:masterClrMapping/>
+  </p:clrMapOvr>
+</p:sld>
+</file>
+
+<file path=ppt/slides/slide28.xml><?xml version="1.0" encoding="utf-8"?>
+<p:sld xmlns:a="http://schemas.openxmlformats.org/drawingml/2006/main" xmlns:r="http://schemas.openxmlformats.org/officeDocument/2006/relationships" xmlns:p="http://schemas.openxmlformats.org/presentationml/2006/main">
+  <p:cSld>
+    <p:spTree>
+      <p:nvGrpSpPr>
+        <p:cNvPr id="1" name=""/>
+        <p:cNvGrpSpPr/>
+        <p:nvPr/>
+      </p:nvGrpSpPr>
+      <p:grpSpPr>
+        <a:xfrm>
+          <a:off x="0" y="0"/>
+          <a:ext cx="0" cy="0"/>
+          <a:chOff x="0" y="0"/>
+          <a:chExt cx="0" cy="0"/>
+        </a:xfrm>
+      </p:grpSpPr>
+      <p:sp>
+        <p:nvSpPr>
+          <p:cNvPr id="2" name="Title 1"/>
+          <p:cNvSpPr>
+            <a:spLocks noGrp="1"/>
+          </p:cNvSpPr>
+          <p:nvPr>
+            <p:ph type="title"/>
+          </p:nvPr>
+        </p:nvSpPr>
+        <p:spPr/>
+        <p:txBody>
+          <a:bodyPr/>
+          <a:lstStyle/>
+          <a:p>
+            <a:r>
+              <a:rPr lang="en-GB" dirty="0"/>
+              <a:t>Simulation - Meshing</a:t>
+            </a:r>
+          </a:p>
+        </p:txBody>
+      </p:sp>
+      <p:pic>
+        <p:nvPicPr>
+          <p:cNvPr id="7170" name="Picture 2"/>
+          <p:cNvPicPr>
+            <a:picLocks noGrp="1" noChangeAspect="1" noChangeArrowheads="1"/>
+          </p:cNvPicPr>
+          <p:nvPr>
+            <p:ph idx="1"/>
+          </p:nvPr>
+        </p:nvPicPr>
+        <p:blipFill>
+          <a:blip r:embed="rId2">
+            <a:extLst>
+              <a:ext uri="{28A0092B-C50C-407E-A947-70E740481C1C}">
+                <a14:useLocalDpi xmlns:a14="http://schemas.microsoft.com/office/drawing/2010/main" val="0"/>
+              </a:ext>
+            </a:extLst>
+          </a:blip>
+          <a:srcRect/>
+          <a:stretch>
+            <a:fillRect/>
+          </a:stretch>
+        </p:blipFill>
+        <p:spPr bwMode="auto">
+          <a:xfrm>
+            <a:off x="1579414" y="2037612"/>
+            <a:ext cx="7564585" cy="3049644"/>
+          </a:xfrm>
+          <a:prstGeom prst="rect">
+            <a:avLst/>
+          </a:prstGeom>
+          <a:noFill/>
+          <a:ln>
+            <a:noFill/>
+          </a:ln>
+          <a:extLst>
+            <a:ext uri="{909E8E84-426E-40DD-AFC4-6F175D3DCCD1}">
+              <a14:hiddenFill xmlns:a14="http://schemas.microsoft.com/office/drawing/2010/main">
+                <a:solidFill>
+                  <a:schemeClr val="accent1"/>
+                </a:solidFill>
+              </a14:hiddenFill>
+            </a:ext>
+            <a:ext uri="{91240B29-F687-4F45-9708-019B960494DF}">
+              <a14:hiddenLine xmlns:a14="http://schemas.microsoft.com/office/drawing/2010/main" w="9525">
+                <a:solidFill>
+                  <a:schemeClr val="tx1"/>
+                </a:solidFill>
+                <a:miter lim="800000"/>
+                <a:headEnd/>
+                <a:tailEnd/>
+              </a14:hiddenLine>
+            </a:ext>
+          </a:extLst>
+        </p:spPr>
+      </p:pic>
+    </p:spTree>
+    <p:extLst>
+      <p:ext uri="{BB962C8B-B14F-4D97-AF65-F5344CB8AC3E}">
+        <p14:creationId xmlns:p14="http://schemas.microsoft.com/office/powerpoint/2010/main" val="2178630398"/>
+      </p:ext>
+    </p:extLst>
+  </p:cSld>
+  <p:clrMapOvr>
+    <a:masterClrMapping/>
+  </p:clrMapOvr>
+</p:sld>
+</file>
+
+<file path=ppt/slides/slide29.xml><?xml version="1.0" encoding="utf-8"?>
+<p:sld xmlns:a="http://schemas.openxmlformats.org/drawingml/2006/main" xmlns:r="http://schemas.openxmlformats.org/officeDocument/2006/relationships" xmlns:p="http://schemas.openxmlformats.org/presentationml/2006/main">
+  <p:cSld>
+    <p:spTree>
+      <p:nvGrpSpPr>
+        <p:cNvPr id="1" name=""/>
+        <p:cNvGrpSpPr/>
+        <p:nvPr/>
+      </p:nvGrpSpPr>
+      <p:grpSpPr>
+        <a:xfrm>
+          <a:off x="0" y="0"/>
+          <a:ext cx="0" cy="0"/>
+          <a:chOff x="0" y="0"/>
+          <a:chExt cx="0" cy="0"/>
+        </a:xfrm>
+      </p:grpSpPr>
+      <p:sp>
+        <p:nvSpPr>
+          <p:cNvPr id="2" name="Title 1"/>
+          <p:cNvSpPr>
+            <a:spLocks noGrp="1"/>
+          </p:cNvSpPr>
+          <p:nvPr>
+            <p:ph type="title"/>
+          </p:nvPr>
+        </p:nvSpPr>
+        <p:spPr/>
+        <p:txBody>
+          <a:bodyPr/>
+          <a:lstStyle/>
+          <a:p>
+            <a:r>
+              <a:rPr lang="en-GB" dirty="0"/>
+              <a:t>Simulation - Meshing</a:t>
+            </a:r>
+          </a:p>
+        </p:txBody>
+      </p:sp>
+      <p:pic>
+        <p:nvPicPr>
+          <p:cNvPr id="9218" name="Picture 2"/>
+          <p:cNvPicPr>
+            <a:picLocks noGrp="1" noChangeAspect="1" noChangeArrowheads="1"/>
+          </p:cNvPicPr>
+          <p:nvPr>
+            <p:ph idx="1"/>
+          </p:nvPr>
+        </p:nvPicPr>
+        <p:blipFill>
+          <a:blip r:embed="rId2">
+            <a:extLst>
+              <a:ext uri="{28A0092B-C50C-407E-A947-70E740481C1C}">
+                <a14:useLocalDpi xmlns:a14="http://schemas.microsoft.com/office/drawing/2010/main" val="0"/>
+              </a:ext>
+            </a:extLst>
+          </a:blip>
+          <a:srcRect/>
+          <a:stretch>
+            <a:fillRect/>
+          </a:stretch>
+        </p:blipFill>
+        <p:spPr bwMode="auto">
+          <a:xfrm>
+            <a:off x="1572326" y="1772582"/>
+            <a:ext cx="7571673" cy="3135448"/>
+          </a:xfrm>
+          <a:prstGeom prst="rect">
+            <a:avLst/>
+          </a:prstGeom>
+          <a:noFill/>
+          <a:ln>
+            <a:noFill/>
+          </a:ln>
+          <a:extLst>
+            <a:ext uri="{909E8E84-426E-40DD-AFC4-6F175D3DCCD1}">
+              <a14:hiddenFill xmlns:a14="http://schemas.microsoft.com/office/drawing/2010/main">
+                <a:solidFill>
+                  <a:schemeClr val="accent1"/>
+                </a:solidFill>
+              </a14:hiddenFill>
+            </a:ext>
+            <a:ext uri="{91240B29-F687-4F45-9708-019B960494DF}">
+              <a14:hiddenLine xmlns:a14="http://schemas.microsoft.com/office/drawing/2010/main" w="9525">
+                <a:solidFill>
+                  <a:schemeClr val="tx1"/>
+                </a:solidFill>
+                <a:miter lim="800000"/>
+                <a:headEnd/>
+                <a:tailEnd/>
+              </a14:hiddenLine>
+            </a:ext>
+          </a:extLst>
+        </p:spPr>
+      </p:pic>
+    </p:spTree>
+    <p:extLst>
+      <p:ext uri="{BB962C8B-B14F-4D97-AF65-F5344CB8AC3E}">
+        <p14:creationId xmlns:p14="http://schemas.microsoft.com/office/powerpoint/2010/main" val="1765071969"/>
+      </p:ext>
+    </p:extLst>
+  </p:cSld>
+  <p:clrMapOvr>
+    <a:masterClrMapping/>
+  </p:clrMapOvr>
+</p:sld>
+</file>
+
+<file path=ppt/slides/slide3.xml><?xml version="1.0" encoding="utf-8"?>
+<p:sld xmlns:a="http://schemas.openxmlformats.org/drawingml/2006/main" xmlns:r="http://schemas.openxmlformats.org/officeDocument/2006/relationships" xmlns:p="http://schemas.openxmlformats.org/presentationml/2006/main">
+  <p:cSld>
+    <p:spTree>
+      <p:nvGrpSpPr>
+        <p:cNvPr id="1" name=""/>
+        <p:cNvGrpSpPr/>
+        <p:nvPr/>
+      </p:nvGrpSpPr>
+      <p:grpSpPr>
+        <a:xfrm>
+          <a:off x="0" y="0"/>
+          <a:ext cx="0" cy="0"/>
+          <a:chOff x="0" y="0"/>
+          <a:chExt cx="0" cy="0"/>
+        </a:xfrm>
+      </p:grpSpPr>
+      <p:sp>
+        <p:nvSpPr>
+          <p:cNvPr id="2" name="Title 1"/>
+          <p:cNvSpPr>
+            <a:spLocks noGrp="1"/>
+          </p:cNvSpPr>
+          <p:nvPr>
+            <p:ph type="title"/>
+          </p:nvPr>
+        </p:nvSpPr>
+        <p:spPr/>
+        <p:txBody>
+          <a:bodyPr/>
+          <a:lstStyle/>
+          <a:p>
+            <a:r>
+              <a:rPr lang="en-US" dirty="0" err="1" smtClean="0"/>
+              <a:t>Lossy</a:t>
+            </a:r>
+            <a:r>
               <a:rPr lang="en-US" dirty="0" smtClean="0"/>
+              <a:t> layers</a:t>
+            </a:r>
+            <a:endParaRPr lang="en-US" dirty="0"/>
+          </a:p>
+        </p:txBody>
+      </p:sp>
+      <p:sp>
+        <p:nvSpPr>
+          <p:cNvPr id="3" name="Content Placeholder 2"/>
+          <p:cNvSpPr>
+            <a:spLocks noGrp="1"/>
+          </p:cNvSpPr>
+          <p:nvPr>
+            <p:ph idx="1"/>
+          </p:nvPr>
+        </p:nvSpPr>
+        <p:spPr/>
+        <p:txBody>
+          <a:bodyPr/>
+          <a:lstStyle/>
+          <a:p>
+            <a:pPr marL="0" indent="0">
+              <a:buNone/>
+            </a:pPr>
+            <a:r>
+              <a:rPr lang="en-US" dirty="0" smtClean="0"/>
+              <a:t>3 </a:t>
+            </a:r>
+            <a:r>
+              <a:rPr lang="en-US" dirty="0" err="1" smtClean="0"/>
+              <a:t>lossy</a:t>
+            </a:r>
+            <a:r>
+              <a:rPr lang="en-US" dirty="0" smtClean="0"/>
+              <a:t>-layers are considered:</a:t>
+            </a:r>
+          </a:p>
+          <a:p>
+            <a:r>
+              <a:rPr lang="en-US" dirty="0" smtClean="0"/>
+              <a:t>Metal-Vacuum interface (MV)</a:t>
+            </a:r>
+          </a:p>
+          <a:p>
+            <a:r>
+              <a:rPr lang="en-US" dirty="0" smtClean="0"/>
+              <a:t>Metal-Substrate interface (MS)</a:t>
+            </a:r>
+          </a:p>
+          <a:p>
+            <a:r>
+              <a:rPr lang="en-US" dirty="0" smtClean="0"/>
+              <a:t>Substrate-Vacuum (SV)</a:t>
+            </a:r>
+          </a:p>
+          <a:p>
+            <a:pPr marL="0" indent="0">
+              <a:buNone/>
+            </a:pPr>
+            <a:endParaRPr lang="en-US" dirty="0" smtClean="0"/>
+          </a:p>
+          <a:p>
+            <a:pPr marL="0" indent="0">
+              <a:buNone/>
+            </a:pPr>
+            <a:endParaRPr lang="en-US" dirty="0" smtClean="0"/>
+          </a:p>
+        </p:txBody>
+      </p:sp>
+    </p:spTree>
+    <p:extLst>
+      <p:ext uri="{BB962C8B-B14F-4D97-AF65-F5344CB8AC3E}">
+        <p14:creationId xmlns:p14="http://schemas.microsoft.com/office/powerpoint/2010/main" val="2859836832"/>
+      </p:ext>
+    </p:extLst>
+  </p:cSld>
+  <p:clrMapOvr>
+    <a:masterClrMapping/>
+  </p:clrMapOvr>
+  <p:timing>
+    <p:tnLst>
+      <p:par>
+        <p:cTn id="1" dur="indefinite" restart="never" nodeType="tmRoot"/>
+      </p:par>
+    </p:tnLst>
+  </p:timing>
+</p:sld>
+</file>
+
+<file path=ppt/slides/slide30.xml><?xml version="1.0" encoding="utf-8"?>
+<p:sld xmlns:a="http://schemas.openxmlformats.org/drawingml/2006/main" xmlns:r="http://schemas.openxmlformats.org/officeDocument/2006/relationships" xmlns:p="http://schemas.openxmlformats.org/presentationml/2006/main">
+  <p:cSld>
+    <p:spTree>
+      <p:nvGrpSpPr>
+        <p:cNvPr id="1" name=""/>
+        <p:cNvGrpSpPr/>
+        <p:nvPr/>
+      </p:nvGrpSpPr>
+      <p:grpSpPr>
+        <a:xfrm>
+          <a:off x="0" y="0"/>
+          <a:ext cx="0" cy="0"/>
+          <a:chOff x="0" y="0"/>
+          <a:chExt cx="0" cy="0"/>
+        </a:xfrm>
+      </p:grpSpPr>
+      <p:sp>
+        <p:nvSpPr>
+          <p:cNvPr id="2" name="Title 1"/>
+          <p:cNvSpPr>
+            <a:spLocks noGrp="1"/>
+          </p:cNvSpPr>
+          <p:nvPr>
+            <p:ph type="title"/>
+          </p:nvPr>
+        </p:nvSpPr>
+        <p:spPr/>
+        <p:txBody>
+          <a:bodyPr/>
+          <a:lstStyle/>
+          <a:p>
+            <a:r>
+              <a:rPr lang="en-GB" dirty="0" smtClean="0"/>
+              <a:t>Post Processing</a:t>
+            </a:r>
+            <a:endParaRPr lang="en-GB" dirty="0"/>
+          </a:p>
+        </p:txBody>
+      </p:sp>
+      <p:sp>
+        <p:nvSpPr>
+          <p:cNvPr id="3" name="Content Placeholder 2"/>
+          <p:cNvSpPr>
+            <a:spLocks noGrp="1"/>
+          </p:cNvSpPr>
+          <p:nvPr>
+            <p:ph idx="1"/>
+          </p:nvPr>
+        </p:nvSpPr>
+        <p:spPr/>
+        <p:txBody>
+          <a:bodyPr/>
+          <a:lstStyle/>
+          <a:p>
+            <a:r>
+              <a:rPr lang="en-GB" dirty="0" smtClean="0"/>
+              <a:t>Export E-field data on different components (ground, substrate, pads) separately. </a:t>
+            </a:r>
+          </a:p>
+        </p:txBody>
+      </p:sp>
+      <p:pic>
+        <p:nvPicPr>
+          <p:cNvPr id="4" name="Content Placeholder 3"/>
+          <p:cNvPicPr>
+            <a:picLocks noChangeAspect="1"/>
+          </p:cNvPicPr>
+          <p:nvPr/>
+        </p:nvPicPr>
+        <p:blipFill>
+          <a:blip r:embed="rId2">
+            <a:extLst>
+              <a:ext uri="{28A0092B-C50C-407E-A947-70E740481C1C}">
+                <a14:useLocalDpi xmlns:a14="http://schemas.microsoft.com/office/drawing/2010/main" val="0"/>
+              </a:ext>
+            </a:extLst>
+          </a:blip>
+          <a:stretch>
+            <a:fillRect/>
+          </a:stretch>
+        </p:blipFill>
+        <p:spPr>
+          <a:xfrm>
+            <a:off x="1558944" y="3175590"/>
+            <a:ext cx="7585056" cy="1351733"/>
+          </a:xfrm>
+          <a:prstGeom prst="rect">
+            <a:avLst/>
+          </a:prstGeom>
+        </p:spPr>
+      </p:pic>
+    </p:spTree>
+    <p:extLst>
+      <p:ext uri="{BB962C8B-B14F-4D97-AF65-F5344CB8AC3E}">
+        <p14:creationId xmlns:p14="http://schemas.microsoft.com/office/powerpoint/2010/main" val="2898274834"/>
+      </p:ext>
+    </p:extLst>
+  </p:cSld>
+  <p:clrMapOvr>
+    <a:masterClrMapping/>
+  </p:clrMapOvr>
+</p:sld>
+</file>
+
+<file path=ppt/slides/slide31.xml><?xml version="1.0" encoding="utf-8"?>
+<p:sld xmlns:a="http://schemas.openxmlformats.org/drawingml/2006/main" xmlns:r="http://schemas.openxmlformats.org/officeDocument/2006/relationships" xmlns:p="http://schemas.openxmlformats.org/presentationml/2006/main">
+  <p:cSld>
+    <p:spTree>
+      <p:nvGrpSpPr>
+        <p:cNvPr id="1" name=""/>
+        <p:cNvGrpSpPr/>
+        <p:nvPr/>
+      </p:nvGrpSpPr>
+      <p:grpSpPr>
+        <a:xfrm>
+          <a:off x="0" y="0"/>
+          <a:ext cx="0" cy="0"/>
+          <a:chOff x="0" y="0"/>
+          <a:chExt cx="0" cy="0"/>
+        </a:xfrm>
+      </p:grpSpPr>
+      <p:sp>
+        <p:nvSpPr>
+          <p:cNvPr id="2" name="Title 1"/>
+          <p:cNvSpPr>
+            <a:spLocks noGrp="1"/>
+          </p:cNvSpPr>
+          <p:nvPr>
+            <p:ph type="title"/>
+          </p:nvPr>
+        </p:nvSpPr>
+        <p:spPr/>
+        <p:txBody>
+          <a:bodyPr/>
+          <a:lstStyle/>
+          <a:p>
+            <a:r>
+              <a:rPr lang="en-GB" dirty="0" smtClean="0"/>
+              <a:t>Post Processing</a:t>
+            </a:r>
+            <a:endParaRPr lang="en-GB" dirty="0"/>
+          </a:p>
+        </p:txBody>
+      </p:sp>
+      <p:sp>
+        <p:nvSpPr>
+          <p:cNvPr id="3" name="Content Placeholder 2"/>
+          <p:cNvSpPr>
+            <a:spLocks noGrp="1"/>
+          </p:cNvSpPr>
+          <p:nvPr>
+            <p:ph idx="1"/>
+          </p:nvPr>
+        </p:nvSpPr>
+        <p:spPr/>
+        <p:txBody>
+          <a:bodyPr/>
+          <a:lstStyle/>
+          <a:p>
+            <a:r>
+              <a:rPr lang="en-GB" dirty="0"/>
+              <a:t>Separate data belonging to different </a:t>
+            </a:r>
+            <a:r>
+              <a:rPr lang="en-GB" dirty="0" err="1"/>
+              <a:t>lossy</a:t>
+            </a:r>
+            <a:r>
+              <a:rPr lang="en-GB" dirty="0"/>
+              <a:t> layers.</a:t>
+            </a:r>
+          </a:p>
+          <a:p>
+            <a:r>
+              <a:rPr lang="en-GB" dirty="0"/>
+              <a:t>Separate normal and tangential component on SV-interface.</a:t>
+            </a:r>
+          </a:p>
+          <a:p>
+            <a:r>
+              <a:rPr lang="en-GB" dirty="0"/>
+              <a:t>Evaluate given integral (summation in this case)</a:t>
+            </a:r>
+            <a:endParaRPr lang="en-GB" dirty="0"/>
+          </a:p>
+        </p:txBody>
+      </p:sp>
+    </p:spTree>
+    <p:extLst>
+      <p:ext uri="{BB962C8B-B14F-4D97-AF65-F5344CB8AC3E}">
+        <p14:creationId xmlns:p14="http://schemas.microsoft.com/office/powerpoint/2010/main" val="3661098853"/>
+      </p:ext>
+    </p:extLst>
+  </p:cSld>
+  <p:clrMapOvr>
+    <a:masterClrMapping/>
+  </p:clrMapOvr>
+</p:sld>
+</file>
+
+<file path=ppt/slides/slide32.xml><?xml version="1.0" encoding="utf-8"?>
+<p:sld xmlns:a="http://schemas.openxmlformats.org/drawingml/2006/main" xmlns:r="http://schemas.openxmlformats.org/officeDocument/2006/relationships" xmlns:p="http://schemas.openxmlformats.org/presentationml/2006/main">
+  <p:cSld>
+    <p:spTree>
+      <p:nvGrpSpPr>
+        <p:cNvPr id="1" name=""/>
+        <p:cNvGrpSpPr/>
+        <p:nvPr/>
+      </p:nvGrpSpPr>
+      <p:grpSpPr>
+        <a:xfrm>
+          <a:off x="0" y="0"/>
+          <a:ext cx="0" cy="0"/>
+          <a:chOff x="0" y="0"/>
+          <a:chExt cx="0" cy="0"/>
+        </a:xfrm>
+      </p:grpSpPr>
+      <p:sp>
+        <p:nvSpPr>
+          <p:cNvPr id="2" name="Title 1"/>
+          <p:cNvSpPr>
+            <a:spLocks noGrp="1"/>
+          </p:cNvSpPr>
+          <p:nvPr>
+            <p:ph type="title"/>
+          </p:nvPr>
+        </p:nvSpPr>
+        <p:spPr/>
+        <p:txBody>
+          <a:bodyPr/>
+          <a:lstStyle/>
+          <a:p>
+            <a:r>
+              <a:rPr lang="en-US" dirty="0"/>
               <a:t>First Result - Ratio</a:t>
             </a:r>
-            <a:endParaRPr lang="en-US" dirty="0"/>
+            <a:endParaRPr lang="en-GB" dirty="0"/>
+          </a:p>
+        </p:txBody>
+      </p:sp>
+      <p:sp>
+        <p:nvSpPr>
+          <p:cNvPr id="6" name="Content Placeholder 5"/>
+          <p:cNvSpPr>
+            <a:spLocks noGrp="1"/>
+          </p:cNvSpPr>
+          <p:nvPr>
+            <p:ph idx="1"/>
+          </p:nvPr>
+        </p:nvSpPr>
+        <p:spPr/>
+        <p:txBody>
+          <a:bodyPr/>
+          <a:lstStyle/>
+          <a:p>
+            <a:endParaRPr lang="en-GB" dirty="0"/>
           </a:p>
         </p:txBody>
       </p:sp>
       <p:graphicFrame>
         <p:nvGraphicFramePr>
-          <p:cNvPr id="5" name="Content Placeholder 4"/>
+          <p:cNvPr id="7" name="Content Placeholder 4"/>
           <p:cNvGraphicFramePr>
-            <a:graphicFrameLocks noGrp="1"/>
+            <a:graphicFrameLocks/>
           </p:cNvGraphicFramePr>
           <p:nvPr>
-            <p:ph idx="1"/>
             <p:extLst>
               <p:ext uri="{D42A27DB-BD31-4B8C-83A1-F6EECF244321}">
-                <p14:modId xmlns:p14="http://schemas.microsoft.com/office/powerpoint/2010/main" val="1986561058"/>
+                <p14:modId xmlns:p14="http://schemas.microsoft.com/office/powerpoint/2010/main" val="407841736"/>
               </p:ext>
             </p:extLst>
           </p:nvPr>
         </p:nvGraphicFramePr>
         <p:xfrm>
-          <a:off x="457200" y="1600200"/>
-          <a:ext cx="8358188" cy="2834640"/>
+          <a:off x="2112335" y="2110563"/>
+          <a:ext cx="6329916" cy="2834640"/>
         </p:xfrm>
         <a:graphic>
           <a:graphicData uri="http://schemas.openxmlformats.org/drawingml/2006/table">
@@ -6317,8 +7714,8 @@
                 <a:tableStyleId>{5C22544A-7EE6-4342-B048-85BDC9FD1C3A}</a:tableStyleId>
               </a:tblPr>
               <a:tblGrid>
-                <a:gridCol w="4179094"/>
-                <a:gridCol w="4179094"/>
+                <a:gridCol w="3164958"/>
+                <a:gridCol w="3164958"/>
               </a:tblGrid>
               <a:tr h="370840">
                 <a:tc>
@@ -6352,7 +7749,31 @@
                           <a:ea typeface="+mn-ea"/>
                           <a:cs typeface="+mn-cs"/>
                         </a:rPr>
-                        <a:t>E-energy (MA) = 1.2299e-05 J</a:t>
+                        <a:t>E-energy (</a:t>
+                      </a:r>
+                      <a:r>
+                        <a:rPr lang="en-GB" sz="1800" kern="1200" dirty="0" smtClean="0">
+                          <a:solidFill>
+                            <a:schemeClr val="dk1"/>
+                          </a:solidFill>
+                          <a:effectLst/>
+                          <a:latin typeface="+mn-lt"/>
+                          <a:ea typeface="+mn-ea"/>
+                          <a:cs typeface="+mn-cs"/>
+                        </a:rPr>
+                        <a:t>MV) </a:t>
+                      </a:r>
+                      <a:r>
+                        <a:rPr lang="en-GB" sz="1800" kern="1200" dirty="0" smtClean="0">
+                          <a:solidFill>
+                            <a:schemeClr val="dk1"/>
+                          </a:solidFill>
+                          <a:effectLst/>
+                          <a:latin typeface="+mn-lt"/>
+                          <a:ea typeface="+mn-ea"/>
+                          <a:cs typeface="+mn-cs"/>
+                        </a:rPr>
+                        <a:t>= 1.2299e-05 J</a:t>
                       </a:r>
                     </a:p>
                     <a:p>
@@ -6382,7 +7803,31 @@
                           <a:ea typeface="+mn-ea"/>
                           <a:cs typeface="+mn-cs"/>
                         </a:rPr>
-                        <a:t>E-energy (SA) = 6.1201e-05 J</a:t>
+                        <a:t>E-energy </a:t>
+                      </a:r>
+                      <a:r>
+                        <a:rPr lang="en-GB" sz="1800" kern="1200" dirty="0" smtClean="0">
+                          <a:solidFill>
+                            <a:schemeClr val="dk1"/>
+                          </a:solidFill>
+                          <a:effectLst/>
+                          <a:latin typeface="+mn-lt"/>
+                          <a:ea typeface="+mn-ea"/>
+                          <a:cs typeface="+mn-cs"/>
+                        </a:rPr>
+                        <a:t>(SV) </a:t>
+                      </a:r>
+                      <a:r>
+                        <a:rPr lang="en-GB" sz="1800" kern="1200" dirty="0" smtClean="0">
+                          <a:solidFill>
+                            <a:schemeClr val="dk1"/>
+                          </a:solidFill>
+                          <a:effectLst/>
+                          <a:latin typeface="+mn-lt"/>
+                          <a:ea typeface="+mn-ea"/>
+                          <a:cs typeface="+mn-cs"/>
+                        </a:rPr>
+                        <a:t>= 6.1201e-05 J</a:t>
                       </a:r>
                     </a:p>
                     <a:p>
@@ -6412,7 +7857,31 @@
                           <a:ea typeface="+mn-ea"/>
                           <a:cs typeface="+mn-cs"/>
                         </a:rPr>
-                        <a:t>p (MA) = 0.0457</a:t>
+                        <a:t>p (</a:t>
+                      </a:r>
+                      <a:r>
+                        <a:rPr lang="en-GB" sz="1800" kern="1200" dirty="0" smtClean="0">
+                          <a:solidFill>
+                            <a:schemeClr val="dk1"/>
+                          </a:solidFill>
+                          <a:effectLst/>
+                          <a:latin typeface="+mn-lt"/>
+                          <a:ea typeface="+mn-ea"/>
+                          <a:cs typeface="+mn-cs"/>
+                        </a:rPr>
+                        <a:t>MV) </a:t>
+                      </a:r>
+                      <a:r>
+                        <a:rPr lang="en-GB" sz="1800" kern="1200" dirty="0" smtClean="0">
+                          <a:solidFill>
+                            <a:schemeClr val="dk1"/>
+                          </a:solidFill>
+                          <a:effectLst/>
+                          <a:latin typeface="+mn-lt"/>
+                          <a:ea typeface="+mn-ea"/>
+                          <a:cs typeface="+mn-cs"/>
+                        </a:rPr>
+                        <a:t>= 0.0457</a:t>
                       </a:r>
                     </a:p>
                     <a:p>
@@ -6442,7 +7911,31 @@
                           <a:ea typeface="+mn-ea"/>
                           <a:cs typeface="+mn-cs"/>
                         </a:rPr>
-                        <a:t>p (SA) = 0.2274</a:t>
+                        <a:t>p (</a:t>
+                      </a:r>
+                      <a:r>
+                        <a:rPr lang="en-GB" sz="1800" kern="1200" dirty="0" smtClean="0">
+                          <a:solidFill>
+                            <a:schemeClr val="dk1"/>
+                          </a:solidFill>
+                          <a:effectLst/>
+                          <a:latin typeface="+mn-lt"/>
+                          <a:ea typeface="+mn-ea"/>
+                          <a:cs typeface="+mn-cs"/>
+                        </a:rPr>
+                        <a:t>SV) </a:t>
+                      </a:r>
+                      <a:r>
+                        <a:rPr lang="en-GB" sz="1800" kern="1200" dirty="0" smtClean="0">
+                          <a:solidFill>
+                            <a:schemeClr val="dk1"/>
+                          </a:solidFill>
+                          <a:effectLst/>
+                          <a:latin typeface="+mn-lt"/>
+                          <a:ea typeface="+mn-ea"/>
+                          <a:cs typeface="+mn-cs"/>
+                        </a:rPr>
+                        <a:t>= 0.2274</a:t>
                       </a:r>
                     </a:p>
                     <a:p>
@@ -6497,7 +7990,31 @@
                           <a:ea typeface="+mn-ea"/>
                           <a:cs typeface="+mn-cs"/>
                         </a:rPr>
-                        <a:t>E-energy (MA) = 6.4322e-05 J</a:t>
+                        <a:t>E-energy (</a:t>
+                      </a:r>
+                      <a:r>
+                        <a:rPr lang="en-GB" sz="1800" kern="1200" dirty="0" smtClean="0">
+                          <a:solidFill>
+                            <a:schemeClr val="dk1"/>
+                          </a:solidFill>
+                          <a:effectLst/>
+                          <a:latin typeface="+mn-lt"/>
+                          <a:ea typeface="+mn-ea"/>
+                          <a:cs typeface="+mn-cs"/>
+                        </a:rPr>
+                        <a:t>MV) </a:t>
+                      </a:r>
+                      <a:r>
+                        <a:rPr lang="en-GB" sz="1800" kern="1200" dirty="0" smtClean="0">
+                          <a:solidFill>
+                            <a:schemeClr val="dk1"/>
+                          </a:solidFill>
+                          <a:effectLst/>
+                          <a:latin typeface="+mn-lt"/>
+                          <a:ea typeface="+mn-ea"/>
+                          <a:cs typeface="+mn-cs"/>
+                        </a:rPr>
+                        <a:t>= 6.4322e-05 J</a:t>
                       </a:r>
                     </a:p>
                     <a:p>
@@ -6527,7 +8044,31 @@
                           <a:ea typeface="+mn-ea"/>
                           <a:cs typeface="+mn-cs"/>
                         </a:rPr>
-                        <a:t>E-energy (SA) =  1.4012e-04 J</a:t>
+                        <a:t>E-energy </a:t>
+                      </a:r>
+                      <a:r>
+                        <a:rPr lang="en-GB" sz="1800" kern="1200" dirty="0" smtClean="0">
+                          <a:solidFill>
+                            <a:schemeClr val="dk1"/>
+                          </a:solidFill>
+                          <a:effectLst/>
+                          <a:latin typeface="+mn-lt"/>
+                          <a:ea typeface="+mn-ea"/>
+                          <a:cs typeface="+mn-cs"/>
+                        </a:rPr>
+                        <a:t>(SV) </a:t>
+                      </a:r>
+                      <a:r>
+                        <a:rPr lang="en-GB" sz="1800" kern="1200" dirty="0" smtClean="0">
+                          <a:solidFill>
+                            <a:schemeClr val="dk1"/>
+                          </a:solidFill>
+                          <a:effectLst/>
+                          <a:latin typeface="+mn-lt"/>
+                          <a:ea typeface="+mn-ea"/>
+                          <a:cs typeface="+mn-cs"/>
+                        </a:rPr>
+                        <a:t>=  1.4012e-04 J</a:t>
                       </a:r>
                     </a:p>
                     <a:p>
@@ -6557,7 +8098,31 @@
                           <a:ea typeface="+mn-ea"/>
                           <a:cs typeface="+mn-cs"/>
                         </a:rPr>
-                        <a:t>p (MA) = 0.1323</a:t>
+                        <a:t>p (</a:t>
+                      </a:r>
+                      <a:r>
+                        <a:rPr lang="en-GB" sz="1800" kern="1200" dirty="0" smtClean="0">
+                          <a:solidFill>
+                            <a:schemeClr val="dk1"/>
+                          </a:solidFill>
+                          <a:effectLst/>
+                          <a:latin typeface="+mn-lt"/>
+                          <a:ea typeface="+mn-ea"/>
+                          <a:cs typeface="+mn-cs"/>
+                        </a:rPr>
+                        <a:t>MV) </a:t>
+                      </a:r>
+                      <a:r>
+                        <a:rPr lang="en-GB" sz="1800" kern="1200" dirty="0" smtClean="0">
+                          <a:solidFill>
+                            <a:schemeClr val="dk1"/>
+                          </a:solidFill>
+                          <a:effectLst/>
+                          <a:latin typeface="+mn-lt"/>
+                          <a:ea typeface="+mn-ea"/>
+                          <a:cs typeface="+mn-cs"/>
+                        </a:rPr>
+                        <a:t>= 0.1323</a:t>
                       </a:r>
                     </a:p>
                     <a:p>
@@ -6587,7 +8152,31 @@
                           <a:ea typeface="+mn-ea"/>
                           <a:cs typeface="+mn-cs"/>
                         </a:rPr>
-                        <a:t>p (SA) = 0.2882</a:t>
+                        <a:t>p (</a:t>
+                      </a:r>
+                      <a:r>
+                        <a:rPr lang="en-GB" sz="1800" kern="1200" dirty="0" smtClean="0">
+                          <a:solidFill>
+                            <a:schemeClr val="dk1"/>
+                          </a:solidFill>
+                          <a:effectLst/>
+                          <a:latin typeface="+mn-lt"/>
+                          <a:ea typeface="+mn-ea"/>
+                          <a:cs typeface="+mn-cs"/>
+                        </a:rPr>
+                        <a:t>SV) </a:t>
+                      </a:r>
+                      <a:r>
+                        <a:rPr lang="en-GB" sz="1800" kern="1200" dirty="0" smtClean="0">
+                          <a:solidFill>
+                            <a:schemeClr val="dk1"/>
+                          </a:solidFill>
+                          <a:effectLst/>
+                          <a:latin typeface="+mn-lt"/>
+                          <a:ea typeface="+mn-ea"/>
+                          <a:cs typeface="+mn-cs"/>
+                        </a:rPr>
+                        <a:t>= 0.2882</a:t>
                       </a:r>
                     </a:p>
                     <a:p>
@@ -6604,24 +8193,17 @@
     </p:spTree>
     <p:extLst>
       <p:ext uri="{BB962C8B-B14F-4D97-AF65-F5344CB8AC3E}">
-        <p14:creationId xmlns:p14="http://schemas.microsoft.com/office/powerpoint/2010/main" val="2739464900"/>
+        <p14:creationId xmlns:p14="http://schemas.microsoft.com/office/powerpoint/2010/main" val="2727882832"/>
       </p:ext>
     </p:extLst>
   </p:cSld>
   <p:clrMapOvr>
     <a:masterClrMapping/>
   </p:clrMapOvr>
-  <p:timing>
-    <p:tnLst>
-      <p:par>
-        <p:cTn id="1" dur="indefinite" restart="never" nodeType="tmRoot"/>
-      </p:par>
-    </p:tnLst>
-  </p:timing>
 </p:sld>
 </file>
 
-<file path=ppt/slides/slide3.xml><?xml version="1.0" encoding="utf-8"?>
+<file path=ppt/slides/slide33.xml><?xml version="1.0" encoding="utf-8"?>
 <p:sld xmlns:a="http://schemas.openxmlformats.org/drawingml/2006/main" xmlns:r="http://schemas.openxmlformats.org/officeDocument/2006/relationships" xmlns:p="http://schemas.openxmlformats.org/presentationml/2006/main">
   <p:cSld>
     <p:spTree>
@@ -6654,14 +8236,420 @@
           <a:lstStyle/>
           <a:p>
             <a:r>
-              <a:rPr lang="en-US" dirty="0" err="1" smtClean="0"/>
-              <a:t>Lossy</a:t>
+              <a:rPr lang="en-GB" dirty="0" smtClean="0"/>
+              <a:t>More pictures</a:t>
             </a:r>
+            <a:endParaRPr lang="en-GB" dirty="0"/>
+          </a:p>
+        </p:txBody>
+      </p:sp>
+      <p:pic>
+        <p:nvPicPr>
+          <p:cNvPr id="5" name="Content Placeholder 4"/>
+          <p:cNvPicPr>
+            <a:picLocks noGrp="1" noChangeAspect="1"/>
+          </p:cNvPicPr>
+          <p:nvPr>
+            <p:ph idx="1"/>
+          </p:nvPr>
+        </p:nvPicPr>
+        <p:blipFill>
+          <a:blip r:embed="rId2">
+            <a:extLst>
+              <a:ext uri="{28A0092B-C50C-407E-A947-70E740481C1C}">
+                <a14:useLocalDpi xmlns:a14="http://schemas.microsoft.com/office/drawing/2010/main" val="0"/>
+              </a:ext>
+            </a:extLst>
+          </a:blip>
+          <a:stretch>
+            <a:fillRect/>
+          </a:stretch>
+        </p:blipFill>
+        <p:spPr>
+          <a:xfrm>
+            <a:off x="457200" y="2225095"/>
+            <a:ext cx="8358188" cy="3276172"/>
+          </a:xfrm>
+        </p:spPr>
+      </p:pic>
+    </p:spTree>
+    <p:extLst>
+      <p:ext uri="{BB962C8B-B14F-4D97-AF65-F5344CB8AC3E}">
+        <p14:creationId xmlns:p14="http://schemas.microsoft.com/office/powerpoint/2010/main" val="2707105813"/>
+      </p:ext>
+    </p:extLst>
+  </p:cSld>
+  <p:clrMapOvr>
+    <a:masterClrMapping/>
+  </p:clrMapOvr>
+</p:sld>
+</file>
+
+<file path=ppt/slides/slide34.xml><?xml version="1.0" encoding="utf-8"?>
+<p:sld xmlns:a="http://schemas.openxmlformats.org/drawingml/2006/main" xmlns:r="http://schemas.openxmlformats.org/officeDocument/2006/relationships" xmlns:p="http://schemas.openxmlformats.org/presentationml/2006/main">
+  <p:cSld>
+    <p:spTree>
+      <p:nvGrpSpPr>
+        <p:cNvPr id="1" name=""/>
+        <p:cNvGrpSpPr/>
+        <p:nvPr/>
+      </p:nvGrpSpPr>
+      <p:grpSpPr>
+        <a:xfrm>
+          <a:off x="0" y="0"/>
+          <a:ext cx="0" cy="0"/>
+          <a:chOff x="0" y="0"/>
+          <a:chExt cx="0" cy="0"/>
+        </a:xfrm>
+      </p:grpSpPr>
+      <p:sp>
+        <p:nvSpPr>
+          <p:cNvPr id="2" name="Title 1"/>
+          <p:cNvSpPr>
+            <a:spLocks noGrp="1"/>
+          </p:cNvSpPr>
+          <p:nvPr>
+            <p:ph type="title"/>
+          </p:nvPr>
+        </p:nvSpPr>
+        <p:spPr/>
+        <p:txBody>
+          <a:bodyPr/>
+          <a:lstStyle/>
+          <a:p>
             <a:r>
-              <a:rPr lang="en-US" dirty="0" smtClean="0"/>
-              <a:t> layers</a:t>
+              <a:rPr lang="en-GB" dirty="0" smtClean="0"/>
+              <a:t>More pictures</a:t>
             </a:r>
-            <a:endParaRPr lang="en-US" dirty="0"/>
+            <a:endParaRPr lang="en-GB" dirty="0"/>
+          </a:p>
+        </p:txBody>
+      </p:sp>
+      <p:pic>
+        <p:nvPicPr>
+          <p:cNvPr id="4" name="Content Placeholder 3"/>
+          <p:cNvPicPr>
+            <a:picLocks noGrp="1" noChangeAspect="1"/>
+          </p:cNvPicPr>
+          <p:nvPr>
+            <p:ph idx="1"/>
+          </p:nvPr>
+        </p:nvPicPr>
+        <p:blipFill>
+          <a:blip r:embed="rId2">
+            <a:extLst>
+              <a:ext uri="{28A0092B-C50C-407E-A947-70E740481C1C}">
+                <a14:useLocalDpi xmlns:a14="http://schemas.microsoft.com/office/drawing/2010/main" val="0"/>
+              </a:ext>
+            </a:extLst>
+          </a:blip>
+          <a:stretch>
+            <a:fillRect/>
+          </a:stretch>
+        </p:blipFill>
+        <p:spPr>
+          <a:xfrm>
+            <a:off x="457200" y="2225095"/>
+            <a:ext cx="8358188" cy="3276172"/>
+          </a:xfrm>
+        </p:spPr>
+      </p:pic>
+    </p:spTree>
+    <p:extLst>
+      <p:ext uri="{BB962C8B-B14F-4D97-AF65-F5344CB8AC3E}">
+        <p14:creationId xmlns:p14="http://schemas.microsoft.com/office/powerpoint/2010/main" val="2180245635"/>
+      </p:ext>
+    </p:extLst>
+  </p:cSld>
+  <p:clrMapOvr>
+    <a:masterClrMapping/>
+  </p:clrMapOvr>
+</p:sld>
+</file>
+
+<file path=ppt/slides/slide35.xml><?xml version="1.0" encoding="utf-8"?>
+<p:sld xmlns:a="http://schemas.openxmlformats.org/drawingml/2006/main" xmlns:r="http://schemas.openxmlformats.org/officeDocument/2006/relationships" xmlns:p="http://schemas.openxmlformats.org/presentationml/2006/main">
+  <p:cSld>
+    <p:spTree>
+      <p:nvGrpSpPr>
+        <p:cNvPr id="1" name=""/>
+        <p:cNvGrpSpPr/>
+        <p:nvPr/>
+      </p:nvGrpSpPr>
+      <p:grpSpPr>
+        <a:xfrm>
+          <a:off x="0" y="0"/>
+          <a:ext cx="0" cy="0"/>
+          <a:chOff x="0" y="0"/>
+          <a:chExt cx="0" cy="0"/>
+        </a:xfrm>
+      </p:grpSpPr>
+      <p:sp>
+        <p:nvSpPr>
+          <p:cNvPr id="2" name="Title 1"/>
+          <p:cNvSpPr>
+            <a:spLocks noGrp="1"/>
+          </p:cNvSpPr>
+          <p:nvPr>
+            <p:ph type="title"/>
+          </p:nvPr>
+        </p:nvSpPr>
+        <p:spPr/>
+        <p:txBody>
+          <a:bodyPr/>
+          <a:lstStyle/>
+          <a:p>
+            <a:r>
+              <a:rPr lang="en-GB" dirty="0" smtClean="0"/>
+              <a:t>More pictures</a:t>
+            </a:r>
+            <a:endParaRPr lang="en-GB" dirty="0"/>
+          </a:p>
+        </p:txBody>
+      </p:sp>
+      <p:pic>
+        <p:nvPicPr>
+          <p:cNvPr id="4" name="Content Placeholder 3"/>
+          <p:cNvPicPr>
+            <a:picLocks noGrp="1" noChangeAspect="1"/>
+          </p:cNvPicPr>
+          <p:nvPr>
+            <p:ph idx="1"/>
+          </p:nvPr>
+        </p:nvPicPr>
+        <p:blipFill>
+          <a:blip r:embed="rId2">
+            <a:extLst>
+              <a:ext uri="{28A0092B-C50C-407E-A947-70E740481C1C}">
+                <a14:useLocalDpi xmlns:a14="http://schemas.microsoft.com/office/drawing/2010/main" val="0"/>
+              </a:ext>
+            </a:extLst>
+          </a:blip>
+          <a:stretch>
+            <a:fillRect/>
+          </a:stretch>
+        </p:blipFill>
+        <p:spPr>
+          <a:xfrm>
+            <a:off x="457200" y="2225095"/>
+            <a:ext cx="8358188" cy="3276172"/>
+          </a:xfrm>
+        </p:spPr>
+      </p:pic>
+    </p:spTree>
+    <p:extLst>
+      <p:ext uri="{BB962C8B-B14F-4D97-AF65-F5344CB8AC3E}">
+        <p14:creationId xmlns:p14="http://schemas.microsoft.com/office/powerpoint/2010/main" val="1546175612"/>
+      </p:ext>
+    </p:extLst>
+  </p:cSld>
+  <p:clrMapOvr>
+    <a:masterClrMapping/>
+  </p:clrMapOvr>
+</p:sld>
+</file>
+
+<file path=ppt/slides/slide36.xml><?xml version="1.0" encoding="utf-8"?>
+<p:sld xmlns:a="http://schemas.openxmlformats.org/drawingml/2006/main" xmlns:r="http://schemas.openxmlformats.org/officeDocument/2006/relationships" xmlns:p="http://schemas.openxmlformats.org/presentationml/2006/main">
+  <p:cSld>
+    <p:spTree>
+      <p:nvGrpSpPr>
+        <p:cNvPr id="1" name=""/>
+        <p:cNvGrpSpPr/>
+        <p:nvPr/>
+      </p:nvGrpSpPr>
+      <p:grpSpPr>
+        <a:xfrm>
+          <a:off x="0" y="0"/>
+          <a:ext cx="0" cy="0"/>
+          <a:chOff x="0" y="0"/>
+          <a:chExt cx="0" cy="0"/>
+        </a:xfrm>
+      </p:grpSpPr>
+      <p:sp>
+        <p:nvSpPr>
+          <p:cNvPr id="2" name="Title 1"/>
+          <p:cNvSpPr>
+            <a:spLocks noGrp="1"/>
+          </p:cNvSpPr>
+          <p:nvPr>
+            <p:ph type="title"/>
+          </p:nvPr>
+        </p:nvSpPr>
+        <p:spPr/>
+        <p:txBody>
+          <a:bodyPr/>
+          <a:lstStyle/>
+          <a:p>
+            <a:r>
+              <a:rPr lang="en-GB" dirty="0" smtClean="0"/>
+              <a:t>More pictures</a:t>
+            </a:r>
+            <a:endParaRPr lang="en-GB" dirty="0"/>
+          </a:p>
+        </p:txBody>
+      </p:sp>
+      <p:pic>
+        <p:nvPicPr>
+          <p:cNvPr id="4" name="Content Placeholder 3"/>
+          <p:cNvPicPr>
+            <a:picLocks noGrp="1" noChangeAspect="1"/>
+          </p:cNvPicPr>
+          <p:nvPr>
+            <p:ph idx="1"/>
+          </p:nvPr>
+        </p:nvPicPr>
+        <p:blipFill>
+          <a:blip r:embed="rId2">
+            <a:extLst>
+              <a:ext uri="{28A0092B-C50C-407E-A947-70E740481C1C}">
+                <a14:useLocalDpi xmlns:a14="http://schemas.microsoft.com/office/drawing/2010/main" val="0"/>
+              </a:ext>
+            </a:extLst>
+          </a:blip>
+          <a:stretch>
+            <a:fillRect/>
+          </a:stretch>
+        </p:blipFill>
+        <p:spPr>
+          <a:xfrm>
+            <a:off x="457200" y="2225095"/>
+            <a:ext cx="8358188" cy="3276172"/>
+          </a:xfrm>
+        </p:spPr>
+      </p:pic>
+    </p:spTree>
+    <p:extLst>
+      <p:ext uri="{BB962C8B-B14F-4D97-AF65-F5344CB8AC3E}">
+        <p14:creationId xmlns:p14="http://schemas.microsoft.com/office/powerpoint/2010/main" val="1459960535"/>
+      </p:ext>
+    </p:extLst>
+  </p:cSld>
+  <p:clrMapOvr>
+    <a:masterClrMapping/>
+  </p:clrMapOvr>
+</p:sld>
+</file>
+
+<file path=ppt/slides/slide37.xml><?xml version="1.0" encoding="utf-8"?>
+<p:sld xmlns:a="http://schemas.openxmlformats.org/drawingml/2006/main" xmlns:r="http://schemas.openxmlformats.org/officeDocument/2006/relationships" xmlns:p="http://schemas.openxmlformats.org/presentationml/2006/main">
+  <p:cSld>
+    <p:spTree>
+      <p:nvGrpSpPr>
+        <p:cNvPr id="1" name=""/>
+        <p:cNvGrpSpPr/>
+        <p:nvPr/>
+      </p:nvGrpSpPr>
+      <p:grpSpPr>
+        <a:xfrm>
+          <a:off x="0" y="0"/>
+          <a:ext cx="0" cy="0"/>
+          <a:chOff x="0" y="0"/>
+          <a:chExt cx="0" cy="0"/>
+        </a:xfrm>
+      </p:grpSpPr>
+      <p:sp>
+        <p:nvSpPr>
+          <p:cNvPr id="2" name="Title 1"/>
+          <p:cNvSpPr>
+            <a:spLocks noGrp="1"/>
+          </p:cNvSpPr>
+          <p:nvPr>
+            <p:ph type="title"/>
+          </p:nvPr>
+        </p:nvSpPr>
+        <p:spPr/>
+        <p:txBody>
+          <a:bodyPr/>
+          <a:lstStyle/>
+          <a:p>
+            <a:r>
+              <a:rPr lang="en-GB" dirty="0" smtClean="0"/>
+              <a:t>More pictures</a:t>
+            </a:r>
+            <a:endParaRPr lang="en-GB" dirty="0"/>
+          </a:p>
+        </p:txBody>
+      </p:sp>
+      <p:pic>
+        <p:nvPicPr>
+          <p:cNvPr id="4" name="Content Placeholder 3"/>
+          <p:cNvPicPr>
+            <a:picLocks noGrp="1" noChangeAspect="1"/>
+          </p:cNvPicPr>
+          <p:nvPr>
+            <p:ph idx="1"/>
+          </p:nvPr>
+        </p:nvPicPr>
+        <p:blipFill>
+          <a:blip r:embed="rId2">
+            <a:extLst>
+              <a:ext uri="{28A0092B-C50C-407E-A947-70E740481C1C}">
+                <a14:useLocalDpi xmlns:a14="http://schemas.microsoft.com/office/drawing/2010/main" val="0"/>
+              </a:ext>
+            </a:extLst>
+          </a:blip>
+          <a:stretch>
+            <a:fillRect/>
+          </a:stretch>
+        </p:blipFill>
+        <p:spPr>
+          <a:xfrm>
+            <a:off x="457200" y="2225095"/>
+            <a:ext cx="8358188" cy="3276172"/>
+          </a:xfrm>
+        </p:spPr>
+      </p:pic>
+    </p:spTree>
+    <p:extLst>
+      <p:ext uri="{BB962C8B-B14F-4D97-AF65-F5344CB8AC3E}">
+        <p14:creationId xmlns:p14="http://schemas.microsoft.com/office/powerpoint/2010/main" val="77991046"/>
+      </p:ext>
+    </p:extLst>
+  </p:cSld>
+  <p:clrMapOvr>
+    <a:masterClrMapping/>
+  </p:clrMapOvr>
+</p:sld>
+</file>
+
+<file path=ppt/slides/slide38.xml><?xml version="1.0" encoding="utf-8"?>
+<p:sld xmlns:a="http://schemas.openxmlformats.org/drawingml/2006/main" xmlns:r="http://schemas.openxmlformats.org/officeDocument/2006/relationships" xmlns:p="http://schemas.openxmlformats.org/presentationml/2006/main">
+  <p:cSld>
+    <p:spTree>
+      <p:nvGrpSpPr>
+        <p:cNvPr id="1" name=""/>
+        <p:cNvGrpSpPr/>
+        <p:nvPr/>
+      </p:nvGrpSpPr>
+      <p:grpSpPr>
+        <a:xfrm>
+          <a:off x="0" y="0"/>
+          <a:ext cx="0" cy="0"/>
+          <a:chOff x="0" y="0"/>
+          <a:chExt cx="0" cy="0"/>
+        </a:xfrm>
+      </p:grpSpPr>
+      <p:sp>
+        <p:nvSpPr>
+          <p:cNvPr id="2" name="Title 1"/>
+          <p:cNvSpPr>
+            <a:spLocks noGrp="1"/>
+          </p:cNvSpPr>
+          <p:nvPr>
+            <p:ph type="title"/>
+          </p:nvPr>
+        </p:nvSpPr>
+        <p:spPr/>
+        <p:txBody>
+          <a:bodyPr/>
+          <a:lstStyle/>
+          <a:p>
+            <a:r>
+              <a:rPr lang="en-GB" dirty="0" smtClean="0"/>
+              <a:t>More pictures</a:t>
+            </a:r>
+            <a:endParaRPr lang="en-GB" dirty="0"/>
           </a:p>
         </p:txBody>
       </p:sp>
@@ -6680,68 +8668,20 @@
           <a:bodyPr/>
           <a:lstStyle/>
           <a:p>
-            <a:pPr marL="0" indent="0">
-              <a:buNone/>
-            </a:pPr>
-            <a:r>
-              <a:rPr lang="en-US" dirty="0" smtClean="0"/>
-              <a:t>3 </a:t>
-            </a:r>
-            <a:r>
-              <a:rPr lang="en-US" dirty="0" err="1" smtClean="0"/>
-              <a:t>lossy</a:t>
-            </a:r>
-            <a:r>
-              <a:rPr lang="en-US" dirty="0" smtClean="0"/>
-              <a:t>-layers are considered:</a:t>
-            </a:r>
-          </a:p>
-          <a:p>
-            <a:r>
-              <a:rPr lang="en-US" dirty="0" smtClean="0"/>
-              <a:t>Metal-Vacuum interface (MV)</a:t>
-            </a:r>
-          </a:p>
-          <a:p>
-            <a:r>
-              <a:rPr lang="en-US" dirty="0" smtClean="0"/>
-              <a:t>Metal-Substrate interface (MS)</a:t>
-            </a:r>
-          </a:p>
-          <a:p>
-            <a:r>
-              <a:rPr lang="en-US" dirty="0" smtClean="0"/>
-              <a:t>Substrate-Vacuum (SV)</a:t>
-            </a:r>
-          </a:p>
-          <a:p>
-            <a:endParaRPr lang="en-US" dirty="0"/>
-          </a:p>
-          <a:p>
-            <a:pPr marL="0" indent="0">
-              <a:buNone/>
-            </a:pPr>
-            <a:endParaRPr lang="en-US" dirty="0" smtClean="0"/>
+            <a:endParaRPr lang="en-GB"/>
           </a:p>
         </p:txBody>
       </p:sp>
     </p:spTree>
     <p:extLst>
       <p:ext uri="{BB962C8B-B14F-4D97-AF65-F5344CB8AC3E}">
-        <p14:creationId xmlns:p14="http://schemas.microsoft.com/office/powerpoint/2010/main" val="2859836832"/>
+        <p14:creationId xmlns:p14="http://schemas.microsoft.com/office/powerpoint/2010/main" val="1182768943"/>
       </p:ext>
     </p:extLst>
   </p:cSld>
   <p:clrMapOvr>
     <a:masterClrMapping/>
   </p:clrMapOvr>
-  <p:timing>
-    <p:tnLst>
-      <p:par>
-        <p:cTn id="1" dur="indefinite" restart="never" nodeType="tmRoot"/>
-      </p:par>
-    </p:tnLst>
-  </p:timing>
 </p:sld>
 </file>
 
@@ -7070,8 +9010,8 @@
           </a:p>
         </p:txBody>
       </p:sp>
-      <mc:AlternateContent xmlns:mc="http://schemas.openxmlformats.org/markup-compatibility/2006">
-        <mc:Choice xmlns:a14="http://schemas.microsoft.com/office/drawing/2010/main" Requires="a14">
+      <mc:AlternateContent xmlns:mc="http://schemas.openxmlformats.org/markup-compatibility/2006" xmlns:a14="http://schemas.microsoft.com/office/drawing/2010/main">
+        <mc:Choice Requires="a14">
           <p:sp>
             <p:nvSpPr>
               <p:cNvPr id="3" name="Content Placeholder 2"/>
@@ -7309,7 +9249,7 @@
             </p:txBody>
           </p:sp>
         </mc:Choice>
-        <mc:Fallback>
+        <mc:Fallback xmlns="">
           <p:sp>
             <p:nvSpPr>
               <p:cNvPr id="3" name="Content Placeholder 2"/>
@@ -7396,8 +9336,8 @@
           </a:p>
         </p:txBody>
       </p:sp>
-      <mc:AlternateContent xmlns:mc="http://schemas.openxmlformats.org/markup-compatibility/2006">
-        <mc:Choice xmlns:a14="http://schemas.microsoft.com/office/drawing/2010/main" Requires="a14">
+      <mc:AlternateContent xmlns:mc="http://schemas.openxmlformats.org/markup-compatibility/2006" xmlns:a14="http://schemas.microsoft.com/office/drawing/2010/main">
+        <mc:Choice Requires="a14">
           <p:sp>
             <p:nvSpPr>
               <p:cNvPr id="3" name="Content Placeholder 2"/>
@@ -7479,19 +9419,25 @@
                       <m:f>
                         <m:fPr>
                           <m:ctrlPr>
-                            <a:rPr lang="en-GB" i="1"/>
+                            <a:rPr lang="en-GB" i="1">
+                              <a:latin typeface="Cambria Math"/>
+                            </a:rPr>
                           </m:ctrlPr>
                         </m:fPr>
                         <m:num>
                           <m:sSubSup>
                             <m:sSubSupPr>
                               <m:ctrlPr>
-                                <a:rPr lang="en-GB" i="1"/>
+                                <a:rPr lang="en-GB" i="1">
+                                  <a:latin typeface="Cambria Math"/>
+                                </a:rPr>
                               </m:ctrlPr>
                             </m:sSubSupPr>
                             <m:e>
                               <m:r>
-                                <a:rPr lang="en-GB" i="1"/>
+                                <a:rPr lang="en-GB" i="1">
+                                  <a:latin typeface="Cambria Math"/>
+                                </a:rPr>
                                 <m:t>𝜀</m:t>
                               </m:r>
                             </m:e>
@@ -7508,7 +9454,9 @@
                         </m:num>
                         <m:den>
                           <m:r>
-                            <a:rPr lang="en-GB" i="1"/>
+                            <a:rPr lang="en-GB" i="1">
+                              <a:latin typeface="Cambria Math"/>
+                            </a:rPr>
                             <m:t>2</m:t>
                           </m:r>
                         </m:den>
@@ -7518,7 +9466,9 @@
                           <m:limLoc m:val="undOvr"/>
                           <m:subHide m:val="on"/>
                           <m:ctrlPr>
-                            <a:rPr lang="en-GB" i="1"/>
+                            <a:rPr lang="en-GB" i="1">
+                              <a:latin typeface="Cambria Math"/>
+                            </a:rPr>
                           </m:ctrlPr>
                         </m:naryPr>
                         <m:sub/>
@@ -7527,7 +9477,9 @@
                           <m:sSup>
                             <m:sSupPr>
                               <m:ctrlPr>
-                                <a:rPr lang="en-GB" i="1"/>
+                                <a:rPr lang="en-GB" i="1">
+                                  <a:latin typeface="Cambria Math"/>
+                                </a:rPr>
                               </m:ctrlPr>
                             </m:sSupPr>
                             <m:e>
@@ -7536,7 +9488,9 @@
                                   <m:begChr m:val="|"/>
                                   <m:endChr m:val="|"/>
                                   <m:ctrlPr>
-                                    <a:rPr lang="en-GB" i="1"/>
+                                    <a:rPr lang="en-GB" i="1">
+                                      <a:latin typeface="Cambria Math"/>
+                                    </a:rPr>
                                   </m:ctrlPr>
                                 </m:dPr>
                                 <m:e>
@@ -7551,13 +9505,17 @@
                             </m:e>
                             <m:sup>
                               <m:r>
-                                <a:rPr lang="en-GB" i="1"/>
+                                <a:rPr lang="en-GB" i="1">
+                                  <a:latin typeface="Cambria Math"/>
+                                </a:rPr>
                                 <m:t>2</m:t>
                               </m:r>
                             </m:sup>
                           </m:sSup>
                           <m:r>
-                            <a:rPr lang="en-GB" i="1"/>
+                            <a:rPr lang="en-GB" i="1">
+                              <a:latin typeface="Cambria Math"/>
+                            </a:rPr>
                             <m:t>𝑑</m:t>
                           </m:r>
                           <m:r>
@@ -7582,7 +9540,7 @@
             </p:txBody>
           </p:sp>
         </mc:Choice>
-        <mc:Fallback>
+        <mc:Fallback xmlns="">
           <p:sp>
             <p:nvSpPr>
               <p:cNvPr id="3" name="Content Placeholder 2"/>
@@ -7676,8 +9634,8 @@
           </a:p>
         </p:txBody>
       </p:sp>
-      <mc:AlternateContent xmlns:mc="http://schemas.openxmlformats.org/markup-compatibility/2006">
-        <mc:Choice xmlns:a14="http://schemas.microsoft.com/office/drawing/2010/main" Requires="a14">
+      <mc:AlternateContent xmlns:mc="http://schemas.openxmlformats.org/markup-compatibility/2006" xmlns:a14="http://schemas.microsoft.com/office/drawing/2010/main">
+        <mc:Choice Requires="a14">
           <p:sp>
             <p:nvSpPr>
               <p:cNvPr id="3" name="Content Placeholder 2"/>
@@ -7920,7 +9878,7 @@
             </p:txBody>
           </p:sp>
         </mc:Choice>
-        <mc:Fallback>
+        <mc:Fallback xmlns="">
           <p:sp>
             <p:nvSpPr>
               <p:cNvPr id="3" name="Content Placeholder 2"/>

--- a/Thesis/progress meeting presentation.pptx
+++ b/Thesis/progress meeting presentation.pptx
@@ -6,10 +6,10 @@
     <p:sldMasterId id="2147483660" r:id="rId2"/>
   </p:sldMasterIdLst>
   <p:notesMasterIdLst>
-    <p:notesMasterId r:id="rId41"/>
+    <p:notesMasterId r:id="rId40"/>
   </p:notesMasterIdLst>
   <p:handoutMasterIdLst>
-    <p:handoutMasterId r:id="rId42"/>
+    <p:handoutMasterId r:id="rId41"/>
   </p:handoutMasterIdLst>
   <p:sldIdLst>
     <p:sldId id="256" r:id="rId3"/>
@@ -45,11 +45,10 @@
     <p:sldId id="297" r:id="rId33"/>
     <p:sldId id="296" r:id="rId34"/>
     <p:sldId id="298" r:id="rId35"/>
-    <p:sldId id="299" r:id="rId36"/>
-    <p:sldId id="301" r:id="rId37"/>
-    <p:sldId id="300" r:id="rId38"/>
-    <p:sldId id="302" r:id="rId39"/>
-    <p:sldId id="303" r:id="rId40"/>
+    <p:sldId id="301" r:id="rId36"/>
+    <p:sldId id="300" r:id="rId37"/>
+    <p:sldId id="302" r:id="rId38"/>
+    <p:sldId id="303" r:id="rId39"/>
   </p:sldIdLst>
   <p:sldSz cx="9144000" cy="6858000" type="screen4x3"/>
   <p:notesSz cx="6858000" cy="9144000"/>
@@ -4719,8 +4718,8 @@
           </a:p>
         </p:txBody>
       </p:sp>
-      <mc:AlternateContent xmlns:mc="http://schemas.openxmlformats.org/markup-compatibility/2006">
-        <mc:Choice xmlns:a14="http://schemas.microsoft.com/office/drawing/2010/main" Requires="a14">
+      <mc:AlternateContent xmlns:mc="http://schemas.openxmlformats.org/markup-compatibility/2006" xmlns:a14="http://schemas.microsoft.com/office/drawing/2010/main">
+        <mc:Choice Requires="a14">
           <p:sp>
             <p:nvSpPr>
               <p:cNvPr id="3" name="Content Placeholder 2"/>
@@ -4774,17 +4773,13 @@
                 </a14:m>
                 <a:r>
                   <a:rPr lang="en-GB" dirty="0" smtClean="0"/>
-                  <a:t>,</a:t>
-                </a:r>
-                <a:r>
-                  <a:rPr lang="en-GB" dirty="0" smtClean="0"/>
-                  <a:t> it is possible to determine the influence design parameters (pad separation, corner radius)  and/or changing overall qubit design (Yale, IBM) on participation ratio.</a:t>
+                  <a:t>, it is possible to determine the influence design parameters (pad separation, corner radius)  and/or changing overall qubit design (Yale, IBM) on participation ratio.</a:t>
                 </a:r>
               </a:p>
             </p:txBody>
           </p:sp>
         </mc:Choice>
-        <mc:Fallback>
+        <mc:Fallback xmlns="">
           <p:sp>
             <p:nvSpPr>
               <p:cNvPr id="3" name="Content Placeholder 2"/>
@@ -4828,6 +4823,13 @@
   <p:clrMapOvr>
     <a:masterClrMapping/>
   </p:clrMapOvr>
+  <p:timing>
+    <p:tnLst>
+      <p:par>
+        <p:cTn id="1" dur="indefinite" restart="never" nodeType="tmRoot"/>
+      </p:par>
+    </p:tnLst>
+  </p:timing>
 </p:sld>
 </file>
 
@@ -4900,11 +4902,18 @@
   <p:clrMapOvr>
     <a:masterClrMapping/>
   </p:clrMapOvr>
+  <p:timing>
+    <p:tnLst>
+      <p:par>
+        <p:cTn id="1" dur="indefinite" restart="never" nodeType="tmRoot"/>
+      </p:par>
+    </p:tnLst>
+  </p:timing>
 </p:sld>
 </file>
 
 <file path=ppt/slides/slide14.xml><?xml version="1.0" encoding="utf-8"?>
-<p:sld xmlns:a="http://schemas.openxmlformats.org/drawingml/2006/main" xmlns:r="http://schemas.openxmlformats.org/officeDocument/2006/relationships" xmlns:p="http://schemas.openxmlformats.org/presentationml/2006/main">
+<p:sld xmlns:a="http://schemas.openxmlformats.org/drawingml/2006/main" xmlns:r="http://schemas.openxmlformats.org/officeDocument/2006/relationships" xmlns:p="http://schemas.openxmlformats.org/presentationml/2006/main" show="0">
   <p:cSld>
     <p:spTree>
       <p:nvGrpSpPr>
@@ -5534,6 +5543,14 @@
   <p:clrMapOvr>
     <a:masterClrMapping/>
   </p:clrMapOvr>
+  <mc:AlternateContent xmlns:mc="http://schemas.openxmlformats.org/markup-compatibility/2006">
+    <mc:Choice xmlns:p14="http://schemas.microsoft.com/office/powerpoint/2010/main" Requires="p14">
+      <p:transition spd="slow" p14:dur="2000"/>
+    </mc:Choice>
+    <mc:Fallback>
+      <p:transition spd="slow"/>
+    </mc:Fallback>
+  </mc:AlternateContent>
   <p:timing>
     <p:tnLst>
       <p:par>
@@ -5603,9 +5620,15 @@
               <a:buNone/>
             </a:pPr>
             <a:r>
-              <a:rPr lang="en-GB" dirty="0" smtClean="0"/>
-              <a:t>Junction</a:t>
-            </a:r>
+              <a:rPr lang="en-US" dirty="0"/>
+              <a:t>Josephson-Junction substituted by an inductance</a:t>
+            </a:r>
+          </a:p>
+          <a:p>
+            <a:pPr marL="0" indent="0">
+              <a:buNone/>
+            </a:pPr>
+            <a:endParaRPr lang="en-GB" dirty="0" smtClean="0"/>
           </a:p>
           <a:p>
             <a:pPr marL="0" indent="0">
@@ -5638,7 +5661,7 @@
         </p:blipFill>
         <p:spPr bwMode="auto">
           <a:xfrm>
-            <a:off x="1586475" y="2388780"/>
+            <a:off x="1586475" y="2636872"/>
             <a:ext cx="7500310" cy="2948764"/>
           </a:xfrm>
           <a:prstGeom prst="rect">
@@ -5666,6 +5689,13 @@
   <p:clrMapOvr>
     <a:masterClrMapping/>
   </p:clrMapOvr>
+  <p:timing>
+    <p:tnLst>
+      <p:par>
+        <p:cTn id="1" dur="indefinite" restart="never" nodeType="tmRoot"/>
+      </p:par>
+    </p:tnLst>
+  </p:timing>
 </p:sld>
 </file>
 
@@ -5785,6 +5815,13 @@
   <p:clrMapOvr>
     <a:masterClrMapping/>
   </p:clrMapOvr>
+  <p:timing>
+    <p:tnLst>
+      <p:par>
+        <p:cTn id="1" dur="indefinite" restart="never" nodeType="tmRoot"/>
+      </p:par>
+    </p:tnLst>
+  </p:timing>
 </p:sld>
 </file>
 
@@ -6468,6 +6505,13 @@
   <p:clrMapOvr>
     <a:masterClrMapping/>
   </p:clrMapOvr>
+  <p:timing>
+    <p:tnLst>
+      <p:par>
+        <p:cTn id="1" dur="indefinite" restart="never" nodeType="tmRoot"/>
+      </p:par>
+    </p:tnLst>
+  </p:timing>
 </p:sld>
 </file>
 
@@ -6503,29 +6547,43 @@
           <a:bodyPr/>
           <a:lstStyle/>
           <a:p>
-            <a:endParaRPr lang="en-GB"/>
+            <a:r>
+              <a:rPr lang="en-GB" dirty="0"/>
+              <a:t>Simulation - Meshing</a:t>
+            </a:r>
+            <a:endParaRPr lang="en-GB" dirty="0"/>
           </a:p>
         </p:txBody>
       </p:sp>
-      <p:sp>
-        <p:nvSpPr>
-          <p:cNvPr id="3" name="Content Placeholder 2"/>
-          <p:cNvSpPr>
-            <a:spLocks noGrp="1"/>
-          </p:cNvSpPr>
+      <p:pic>
+        <p:nvPicPr>
+          <p:cNvPr id="4" name="Content Placeholder 3"/>
+          <p:cNvPicPr>
+            <a:picLocks noGrp="1" noChangeAspect="1"/>
+          </p:cNvPicPr>
           <p:nvPr>
             <p:ph idx="1"/>
           </p:nvPr>
-        </p:nvSpPr>
-        <p:spPr/>
-        <p:txBody>
-          <a:bodyPr/>
-          <a:lstStyle/>
-          <a:p>
-            <a:endParaRPr lang="en-GB"/>
-          </a:p>
-        </p:txBody>
-      </p:sp>
+        </p:nvPicPr>
+        <p:blipFill>
+          <a:blip r:embed="rId2">
+            <a:extLst>
+              <a:ext uri="{28A0092B-C50C-407E-A947-70E740481C1C}">
+                <a14:useLocalDpi xmlns:a14="http://schemas.microsoft.com/office/drawing/2010/main" val="0"/>
+              </a:ext>
+            </a:extLst>
+          </a:blip>
+          <a:stretch>
+            <a:fillRect/>
+          </a:stretch>
+        </p:blipFill>
+        <p:spPr>
+          <a:xfrm>
+            <a:off x="1579415" y="1819047"/>
+            <a:ext cx="7565601" cy="2958515"/>
+          </a:xfrm>
+        </p:spPr>
+      </p:pic>
     </p:spTree>
     <p:extLst>
       <p:ext uri="{BB962C8B-B14F-4D97-AF65-F5344CB8AC3E}">
@@ -6536,6 +6594,13 @@
   <p:clrMapOvr>
     <a:masterClrMapping/>
   </p:clrMapOvr>
+  <p:timing>
+    <p:tnLst>
+      <p:par>
+        <p:cTn id="1" dur="indefinite" restart="never" nodeType="tmRoot"/>
+      </p:par>
+    </p:tnLst>
+  </p:timing>
 </p:sld>
 </file>
 
@@ -6571,29 +6636,43 @@
           <a:bodyPr/>
           <a:lstStyle/>
           <a:p>
-            <a:endParaRPr lang="en-GB"/>
+            <a:r>
+              <a:rPr lang="en-GB" dirty="0"/>
+              <a:t>Simulation - Meshing</a:t>
+            </a:r>
+            <a:endParaRPr lang="en-GB" dirty="0"/>
           </a:p>
         </p:txBody>
       </p:sp>
-      <p:sp>
-        <p:nvSpPr>
-          <p:cNvPr id="3" name="Content Placeholder 2"/>
-          <p:cNvSpPr>
-            <a:spLocks noGrp="1"/>
-          </p:cNvSpPr>
+      <p:pic>
+        <p:nvPicPr>
+          <p:cNvPr id="4" name="Content Placeholder 3"/>
+          <p:cNvPicPr>
+            <a:picLocks noGrp="1" noChangeAspect="1"/>
+          </p:cNvPicPr>
           <p:nvPr>
             <p:ph idx="1"/>
           </p:nvPr>
-        </p:nvSpPr>
-        <p:spPr/>
-        <p:txBody>
-          <a:bodyPr/>
-          <a:lstStyle/>
-          <a:p>
-            <a:endParaRPr lang="en-GB"/>
-          </a:p>
-        </p:txBody>
-      </p:sp>
+        </p:nvPicPr>
+        <p:blipFill>
+          <a:blip r:embed="rId2">
+            <a:extLst>
+              <a:ext uri="{28A0092B-C50C-407E-A947-70E740481C1C}">
+                <a14:useLocalDpi xmlns:a14="http://schemas.microsoft.com/office/drawing/2010/main" val="0"/>
+              </a:ext>
+            </a:extLst>
+          </a:blip>
+          <a:stretch>
+            <a:fillRect/>
+          </a:stretch>
+        </p:blipFill>
+        <p:spPr>
+          <a:xfrm>
+            <a:off x="1572326" y="1797781"/>
+            <a:ext cx="7571673" cy="2960889"/>
+          </a:xfrm>
+        </p:spPr>
+      </p:pic>
     </p:spTree>
     <p:extLst>
       <p:ext uri="{BB962C8B-B14F-4D97-AF65-F5344CB8AC3E}">
@@ -6604,6 +6683,13 @@
   <p:clrMapOvr>
     <a:masterClrMapping/>
   </p:clrMapOvr>
+  <p:timing>
+    <p:tnLst>
+      <p:par>
+        <p:cTn id="1" dur="indefinite" restart="never" nodeType="tmRoot"/>
+      </p:par>
+    </p:tnLst>
+  </p:timing>
 </p:sld>
 </file>
 
@@ -6732,6 +6818,13 @@
   <p:clrMapOvr>
     <a:masterClrMapping/>
   </p:clrMapOvr>
+  <p:timing>
+    <p:tnLst>
+      <p:par>
+        <p:cTn id="1" dur="indefinite" restart="never" nodeType="tmRoot"/>
+      </p:par>
+    </p:tnLst>
+  </p:timing>
 </p:sld>
 </file>
 
@@ -6860,6 +6953,13 @@
   <p:clrMapOvr>
     <a:masterClrMapping/>
   </p:clrMapOvr>
+  <p:timing>
+    <p:tnLst>
+      <p:par>
+        <p:cTn id="1" dur="indefinite" restart="never" nodeType="tmRoot"/>
+      </p:par>
+    </p:tnLst>
+  </p:timing>
 </p:sld>
 </file>
 
@@ -6988,6 +7088,13 @@
   <p:clrMapOvr>
     <a:masterClrMapping/>
   </p:clrMapOvr>
+  <p:timing>
+    <p:tnLst>
+      <p:par>
+        <p:cTn id="1" dur="indefinite" restart="never" nodeType="tmRoot"/>
+      </p:par>
+    </p:tnLst>
+  </p:timing>
 </p:sld>
 </file>
 
@@ -7083,6 +7190,13 @@
   <p:clrMapOvr>
     <a:masterClrMapping/>
   </p:clrMapOvr>
+  <p:timing>
+    <p:tnLst>
+      <p:par>
+        <p:cTn id="1" dur="indefinite" restart="never" nodeType="tmRoot"/>
+      </p:par>
+    </p:tnLst>
+  </p:timing>
 </p:sld>
 </file>
 
@@ -7191,6 +7305,13 @@
   <p:clrMapOvr>
     <a:masterClrMapping/>
   </p:clrMapOvr>
+  <p:timing>
+    <p:tnLst>
+      <p:par>
+        <p:cTn id="1" dur="indefinite" restart="never" nodeType="tmRoot"/>
+      </p:par>
+    </p:tnLst>
+  </p:timing>
 </p:sld>
 </file>
 
@@ -7299,6 +7420,13 @@
   <p:clrMapOvr>
     <a:masterClrMapping/>
   </p:clrMapOvr>
+  <p:timing>
+    <p:tnLst>
+      <p:par>
+        <p:cTn id="1" dur="indefinite" restart="never" nodeType="tmRoot"/>
+      </p:par>
+    </p:tnLst>
+  </p:timing>
 </p:sld>
 </file>
 
@@ -7531,6 +7659,13 @@
   <p:clrMapOvr>
     <a:masterClrMapping/>
   </p:clrMapOvr>
+  <p:timing>
+    <p:tnLst>
+      <p:par>
+        <p:cTn id="1" dur="indefinite" restart="never" nodeType="tmRoot"/>
+      </p:par>
+    </p:tnLst>
+  </p:timing>
 </p:sld>
 </file>
 
@@ -7613,7 +7748,6 @@
               <a:rPr lang="en-GB" dirty="0"/>
               <a:t>Evaluate given integral (summation in this case)</a:t>
             </a:r>
-            <a:endParaRPr lang="en-GB" dirty="0"/>
           </a:p>
         </p:txBody>
       </p:sp>
@@ -7627,6 +7761,13 @@
   <p:clrMapOvr>
     <a:masterClrMapping/>
   </p:clrMapOvr>
+  <p:timing>
+    <p:tnLst>
+      <p:par>
+        <p:cTn id="1" dur="indefinite" restart="never" nodeType="tmRoot"/>
+      </p:par>
+    </p:tnLst>
+  </p:timing>
 </p:sld>
 </file>
 
@@ -7749,31 +7890,7 @@
                           <a:ea typeface="+mn-ea"/>
                           <a:cs typeface="+mn-cs"/>
                         </a:rPr>
-                        <a:t>E-energy (</a:t>
-                      </a:r>
-                      <a:r>
-                        <a:rPr lang="en-GB" sz="1800" kern="1200" dirty="0" smtClean="0">
-                          <a:solidFill>
-                            <a:schemeClr val="dk1"/>
-                          </a:solidFill>
-                          <a:effectLst/>
-                          <a:latin typeface="+mn-lt"/>
-                          <a:ea typeface="+mn-ea"/>
-                          <a:cs typeface="+mn-cs"/>
-                        </a:rPr>
-                        <a:t>MV) </a:t>
-                      </a:r>
-                      <a:r>
-                        <a:rPr lang="en-GB" sz="1800" kern="1200" dirty="0" smtClean="0">
-                          <a:solidFill>
-                            <a:schemeClr val="dk1"/>
-                          </a:solidFill>
-                          <a:effectLst/>
-                          <a:latin typeface="+mn-lt"/>
-                          <a:ea typeface="+mn-ea"/>
-                          <a:cs typeface="+mn-cs"/>
-                        </a:rPr>
-                        <a:t>= 1.2299e-05 J</a:t>
+                        <a:t>E-energy (MV) = 1.2299e-05 J</a:t>
                       </a:r>
                     </a:p>
                     <a:p>
@@ -7803,31 +7920,7 @@
                           <a:ea typeface="+mn-ea"/>
                           <a:cs typeface="+mn-cs"/>
                         </a:rPr>
-                        <a:t>E-energy </a:t>
-                      </a:r>
-                      <a:r>
-                        <a:rPr lang="en-GB" sz="1800" kern="1200" dirty="0" smtClean="0">
-                          <a:solidFill>
-                            <a:schemeClr val="dk1"/>
-                          </a:solidFill>
-                          <a:effectLst/>
-                          <a:latin typeface="+mn-lt"/>
-                          <a:ea typeface="+mn-ea"/>
-                          <a:cs typeface="+mn-cs"/>
-                        </a:rPr>
-                        <a:t>(SV) </a:t>
-                      </a:r>
-                      <a:r>
-                        <a:rPr lang="en-GB" sz="1800" kern="1200" dirty="0" smtClean="0">
-                          <a:solidFill>
-                            <a:schemeClr val="dk1"/>
-                          </a:solidFill>
-                          <a:effectLst/>
-                          <a:latin typeface="+mn-lt"/>
-                          <a:ea typeface="+mn-ea"/>
-                          <a:cs typeface="+mn-cs"/>
-                        </a:rPr>
-                        <a:t>= 6.1201e-05 J</a:t>
+                        <a:t>E-energy (SV) = 6.1201e-05 J</a:t>
                       </a:r>
                     </a:p>
                     <a:p>
@@ -7857,31 +7950,7 @@
                           <a:ea typeface="+mn-ea"/>
                           <a:cs typeface="+mn-cs"/>
                         </a:rPr>
-                        <a:t>p (</a:t>
-                      </a:r>
-                      <a:r>
-                        <a:rPr lang="en-GB" sz="1800" kern="1200" dirty="0" smtClean="0">
-                          <a:solidFill>
-                            <a:schemeClr val="dk1"/>
-                          </a:solidFill>
-                          <a:effectLst/>
-                          <a:latin typeface="+mn-lt"/>
-                          <a:ea typeface="+mn-ea"/>
-                          <a:cs typeface="+mn-cs"/>
-                        </a:rPr>
-                        <a:t>MV) </a:t>
-                      </a:r>
-                      <a:r>
-                        <a:rPr lang="en-GB" sz="1800" kern="1200" dirty="0" smtClean="0">
-                          <a:solidFill>
-                            <a:schemeClr val="dk1"/>
-                          </a:solidFill>
-                          <a:effectLst/>
-                          <a:latin typeface="+mn-lt"/>
-                          <a:ea typeface="+mn-ea"/>
-                          <a:cs typeface="+mn-cs"/>
-                        </a:rPr>
-                        <a:t>= 0.0457</a:t>
+                        <a:t>p (MV) = 0.0457</a:t>
                       </a:r>
                     </a:p>
                     <a:p>
@@ -7911,31 +7980,7 @@
                           <a:ea typeface="+mn-ea"/>
                           <a:cs typeface="+mn-cs"/>
                         </a:rPr>
-                        <a:t>p (</a:t>
-                      </a:r>
-                      <a:r>
-                        <a:rPr lang="en-GB" sz="1800" kern="1200" dirty="0" smtClean="0">
-                          <a:solidFill>
-                            <a:schemeClr val="dk1"/>
-                          </a:solidFill>
-                          <a:effectLst/>
-                          <a:latin typeface="+mn-lt"/>
-                          <a:ea typeface="+mn-ea"/>
-                          <a:cs typeface="+mn-cs"/>
-                        </a:rPr>
-                        <a:t>SV) </a:t>
-                      </a:r>
-                      <a:r>
-                        <a:rPr lang="en-GB" sz="1800" kern="1200" dirty="0" smtClean="0">
-                          <a:solidFill>
-                            <a:schemeClr val="dk1"/>
-                          </a:solidFill>
-                          <a:effectLst/>
-                          <a:latin typeface="+mn-lt"/>
-                          <a:ea typeface="+mn-ea"/>
-                          <a:cs typeface="+mn-cs"/>
-                        </a:rPr>
-                        <a:t>= 0.2274</a:t>
+                        <a:t>p (SV) = 0.2274</a:t>
                       </a:r>
                     </a:p>
                     <a:p>
@@ -7990,31 +8035,7 @@
                           <a:ea typeface="+mn-ea"/>
                           <a:cs typeface="+mn-cs"/>
                         </a:rPr>
-                        <a:t>E-energy (</a:t>
-                      </a:r>
-                      <a:r>
-                        <a:rPr lang="en-GB" sz="1800" kern="1200" dirty="0" smtClean="0">
-                          <a:solidFill>
-                            <a:schemeClr val="dk1"/>
-                          </a:solidFill>
-                          <a:effectLst/>
-                          <a:latin typeface="+mn-lt"/>
-                          <a:ea typeface="+mn-ea"/>
-                          <a:cs typeface="+mn-cs"/>
-                        </a:rPr>
-                        <a:t>MV) </a:t>
-                      </a:r>
-                      <a:r>
-                        <a:rPr lang="en-GB" sz="1800" kern="1200" dirty="0" smtClean="0">
-                          <a:solidFill>
-                            <a:schemeClr val="dk1"/>
-                          </a:solidFill>
-                          <a:effectLst/>
-                          <a:latin typeface="+mn-lt"/>
-                          <a:ea typeface="+mn-ea"/>
-                          <a:cs typeface="+mn-cs"/>
-                        </a:rPr>
-                        <a:t>= 6.4322e-05 J</a:t>
+                        <a:t>E-energy (MV) = 6.4322e-05 J</a:t>
                       </a:r>
                     </a:p>
                     <a:p>
@@ -8044,31 +8065,7 @@
                           <a:ea typeface="+mn-ea"/>
                           <a:cs typeface="+mn-cs"/>
                         </a:rPr>
-                        <a:t>E-energy </a:t>
-                      </a:r>
-                      <a:r>
-                        <a:rPr lang="en-GB" sz="1800" kern="1200" dirty="0" smtClean="0">
-                          <a:solidFill>
-                            <a:schemeClr val="dk1"/>
-                          </a:solidFill>
-                          <a:effectLst/>
-                          <a:latin typeface="+mn-lt"/>
-                          <a:ea typeface="+mn-ea"/>
-                          <a:cs typeface="+mn-cs"/>
-                        </a:rPr>
-                        <a:t>(SV) </a:t>
-                      </a:r>
-                      <a:r>
-                        <a:rPr lang="en-GB" sz="1800" kern="1200" dirty="0" smtClean="0">
-                          <a:solidFill>
-                            <a:schemeClr val="dk1"/>
-                          </a:solidFill>
-                          <a:effectLst/>
-                          <a:latin typeface="+mn-lt"/>
-                          <a:ea typeface="+mn-ea"/>
-                          <a:cs typeface="+mn-cs"/>
-                        </a:rPr>
-                        <a:t>=  1.4012e-04 J</a:t>
+                        <a:t>E-energy (SV) =  1.4012e-04 J</a:t>
                       </a:r>
                     </a:p>
                     <a:p>
@@ -8098,31 +8095,7 @@
                           <a:ea typeface="+mn-ea"/>
                           <a:cs typeface="+mn-cs"/>
                         </a:rPr>
-                        <a:t>p (</a:t>
-                      </a:r>
-                      <a:r>
-                        <a:rPr lang="en-GB" sz="1800" kern="1200" dirty="0" smtClean="0">
-                          <a:solidFill>
-                            <a:schemeClr val="dk1"/>
-                          </a:solidFill>
-                          <a:effectLst/>
-                          <a:latin typeface="+mn-lt"/>
-                          <a:ea typeface="+mn-ea"/>
-                          <a:cs typeface="+mn-cs"/>
-                        </a:rPr>
-                        <a:t>MV) </a:t>
-                      </a:r>
-                      <a:r>
-                        <a:rPr lang="en-GB" sz="1800" kern="1200" dirty="0" smtClean="0">
-                          <a:solidFill>
-                            <a:schemeClr val="dk1"/>
-                          </a:solidFill>
-                          <a:effectLst/>
-                          <a:latin typeface="+mn-lt"/>
-                          <a:ea typeface="+mn-ea"/>
-                          <a:cs typeface="+mn-cs"/>
-                        </a:rPr>
-                        <a:t>= 0.1323</a:t>
+                        <a:t>p (MV) = 0.1323</a:t>
                       </a:r>
                     </a:p>
                     <a:p>
@@ -8152,31 +8125,7 @@
                           <a:ea typeface="+mn-ea"/>
                           <a:cs typeface="+mn-cs"/>
                         </a:rPr>
-                        <a:t>p (</a:t>
-                      </a:r>
-                      <a:r>
-                        <a:rPr lang="en-GB" sz="1800" kern="1200" dirty="0" smtClean="0">
-                          <a:solidFill>
-                            <a:schemeClr val="dk1"/>
-                          </a:solidFill>
-                          <a:effectLst/>
-                          <a:latin typeface="+mn-lt"/>
-                          <a:ea typeface="+mn-ea"/>
-                          <a:cs typeface="+mn-cs"/>
-                        </a:rPr>
-                        <a:t>SV) </a:t>
-                      </a:r>
-                      <a:r>
-                        <a:rPr lang="en-GB" sz="1800" kern="1200" dirty="0" smtClean="0">
-                          <a:solidFill>
-                            <a:schemeClr val="dk1"/>
-                          </a:solidFill>
-                          <a:effectLst/>
-                          <a:latin typeface="+mn-lt"/>
-                          <a:ea typeface="+mn-ea"/>
-                          <a:cs typeface="+mn-cs"/>
-                        </a:rPr>
-                        <a:t>= 0.2882</a:t>
+                        <a:t>p (SV) = 0.2882</a:t>
                       </a:r>
                     </a:p>
                     <a:p>
@@ -8200,6 +8149,13 @@
   <p:clrMapOvr>
     <a:masterClrMapping/>
   </p:clrMapOvr>
+  <p:timing>
+    <p:tnLst>
+      <p:par>
+        <p:cTn id="1" dur="indefinite" restart="never" nodeType="tmRoot"/>
+      </p:par>
+    </p:tnLst>
+  </p:timing>
 </p:sld>
 </file>
 
@@ -8267,9 +8223,39 @@
         </p:blipFill>
         <p:spPr>
           <a:xfrm>
-            <a:off x="457200" y="2225095"/>
-            <a:ext cx="8358188" cy="3276172"/>
+            <a:off x="1190847" y="1183777"/>
+            <a:ext cx="6490401" cy="2544052"/>
           </a:xfrm>
+        </p:spPr>
+      </p:pic>
+      <p:pic>
+        <p:nvPicPr>
+          <p:cNvPr id="4" name="Content Placeholder 3"/>
+          <p:cNvPicPr>
+            <a:picLocks noChangeAspect="1"/>
+          </p:cNvPicPr>
+          <p:nvPr/>
+        </p:nvPicPr>
+        <p:blipFill>
+          <a:blip r:embed="rId3">
+            <a:extLst>
+              <a:ext uri="{28A0092B-C50C-407E-A947-70E740481C1C}">
+                <a14:useLocalDpi xmlns:a14="http://schemas.microsoft.com/office/drawing/2010/main" val="0"/>
+              </a:ext>
+            </a:extLst>
+          </a:blip>
+          <a:stretch>
+            <a:fillRect/>
+          </a:stretch>
+        </p:blipFill>
+        <p:spPr>
+          <a:xfrm>
+            <a:off x="1190847" y="3727829"/>
+            <a:ext cx="6490401" cy="2544052"/>
+          </a:xfrm>
+          <a:prstGeom prst="rect">
+            <a:avLst/>
+          </a:prstGeom>
         </p:spPr>
       </p:pic>
     </p:spTree>
@@ -8282,92 +8268,17 @@
   <p:clrMapOvr>
     <a:masterClrMapping/>
   </p:clrMapOvr>
+  <p:timing>
+    <p:tnLst>
+      <p:par>
+        <p:cTn id="1" dur="indefinite" restart="never" nodeType="tmRoot"/>
+      </p:par>
+    </p:tnLst>
+  </p:timing>
 </p:sld>
 </file>
 
 <file path=ppt/slides/slide34.xml><?xml version="1.0" encoding="utf-8"?>
-<p:sld xmlns:a="http://schemas.openxmlformats.org/drawingml/2006/main" xmlns:r="http://schemas.openxmlformats.org/officeDocument/2006/relationships" xmlns:p="http://schemas.openxmlformats.org/presentationml/2006/main">
-  <p:cSld>
-    <p:spTree>
-      <p:nvGrpSpPr>
-        <p:cNvPr id="1" name=""/>
-        <p:cNvGrpSpPr/>
-        <p:nvPr/>
-      </p:nvGrpSpPr>
-      <p:grpSpPr>
-        <a:xfrm>
-          <a:off x="0" y="0"/>
-          <a:ext cx="0" cy="0"/>
-          <a:chOff x="0" y="0"/>
-          <a:chExt cx="0" cy="0"/>
-        </a:xfrm>
-      </p:grpSpPr>
-      <p:sp>
-        <p:nvSpPr>
-          <p:cNvPr id="2" name="Title 1"/>
-          <p:cNvSpPr>
-            <a:spLocks noGrp="1"/>
-          </p:cNvSpPr>
-          <p:nvPr>
-            <p:ph type="title"/>
-          </p:nvPr>
-        </p:nvSpPr>
-        <p:spPr/>
-        <p:txBody>
-          <a:bodyPr/>
-          <a:lstStyle/>
-          <a:p>
-            <a:r>
-              <a:rPr lang="en-GB" dirty="0" smtClean="0"/>
-              <a:t>More pictures</a:t>
-            </a:r>
-            <a:endParaRPr lang="en-GB" dirty="0"/>
-          </a:p>
-        </p:txBody>
-      </p:sp>
-      <p:pic>
-        <p:nvPicPr>
-          <p:cNvPr id="4" name="Content Placeholder 3"/>
-          <p:cNvPicPr>
-            <a:picLocks noGrp="1" noChangeAspect="1"/>
-          </p:cNvPicPr>
-          <p:nvPr>
-            <p:ph idx="1"/>
-          </p:nvPr>
-        </p:nvPicPr>
-        <p:blipFill>
-          <a:blip r:embed="rId2">
-            <a:extLst>
-              <a:ext uri="{28A0092B-C50C-407E-A947-70E740481C1C}">
-                <a14:useLocalDpi xmlns:a14="http://schemas.microsoft.com/office/drawing/2010/main" val="0"/>
-              </a:ext>
-            </a:extLst>
-          </a:blip>
-          <a:stretch>
-            <a:fillRect/>
-          </a:stretch>
-        </p:blipFill>
-        <p:spPr>
-          <a:xfrm>
-            <a:off x="457200" y="2225095"/>
-            <a:ext cx="8358188" cy="3276172"/>
-          </a:xfrm>
-        </p:spPr>
-      </p:pic>
-    </p:spTree>
-    <p:extLst>
-      <p:ext uri="{BB962C8B-B14F-4D97-AF65-F5344CB8AC3E}">
-        <p14:creationId xmlns:p14="http://schemas.microsoft.com/office/powerpoint/2010/main" val="2180245635"/>
-      </p:ext>
-    </p:extLst>
-  </p:cSld>
-  <p:clrMapOvr>
-    <a:masterClrMapping/>
-  </p:clrMapOvr>
-</p:sld>
-</file>
-
-<file path=ppt/slides/slide35.xml><?xml version="1.0" encoding="utf-8"?>
 <p:sld xmlns:a="http://schemas.openxmlformats.org/drawingml/2006/main" xmlns:r="http://schemas.openxmlformats.org/officeDocument/2006/relationships" xmlns:p="http://schemas.openxmlformats.org/presentationml/2006/main">
   <p:cSld>
     <p:spTree>
@@ -8446,10 +8357,17 @@
   <p:clrMapOvr>
     <a:masterClrMapping/>
   </p:clrMapOvr>
+  <p:timing>
+    <p:tnLst>
+      <p:par>
+        <p:cTn id="1" dur="indefinite" restart="never" nodeType="tmRoot"/>
+      </p:par>
+    </p:tnLst>
+  </p:timing>
 </p:sld>
 </file>
 
-<file path=ppt/slides/slide36.xml><?xml version="1.0" encoding="utf-8"?>
+<file path=ppt/slides/slide35.xml><?xml version="1.0" encoding="utf-8"?>
 <p:sld xmlns:a="http://schemas.openxmlformats.org/drawingml/2006/main" xmlns:r="http://schemas.openxmlformats.org/officeDocument/2006/relationships" xmlns:p="http://schemas.openxmlformats.org/presentationml/2006/main">
   <p:cSld>
     <p:spTree>
@@ -8528,10 +8446,17 @@
   <p:clrMapOvr>
     <a:masterClrMapping/>
   </p:clrMapOvr>
+  <p:timing>
+    <p:tnLst>
+      <p:par>
+        <p:cTn id="1" dur="indefinite" restart="never" nodeType="tmRoot"/>
+      </p:par>
+    </p:tnLst>
+  </p:timing>
 </p:sld>
 </file>
 
-<file path=ppt/slides/slide37.xml><?xml version="1.0" encoding="utf-8"?>
+<file path=ppt/slides/slide36.xml><?xml version="1.0" encoding="utf-8"?>
 <p:sld xmlns:a="http://schemas.openxmlformats.org/drawingml/2006/main" xmlns:r="http://schemas.openxmlformats.org/officeDocument/2006/relationships" xmlns:p="http://schemas.openxmlformats.org/presentationml/2006/main">
   <p:cSld>
     <p:spTree>
@@ -8610,10 +8535,17 @@
   <p:clrMapOvr>
     <a:masterClrMapping/>
   </p:clrMapOvr>
+  <p:timing>
+    <p:tnLst>
+      <p:par>
+        <p:cTn id="1" dur="indefinite" restart="never" nodeType="tmRoot"/>
+      </p:par>
+    </p:tnLst>
+  </p:timing>
 </p:sld>
 </file>
 
-<file path=ppt/slides/slide38.xml><?xml version="1.0" encoding="utf-8"?>
+<file path=ppt/slides/slide37.xml><?xml version="1.0" encoding="utf-8"?>
 <p:sld xmlns:a="http://schemas.openxmlformats.org/drawingml/2006/main" xmlns:r="http://schemas.openxmlformats.org/officeDocument/2006/relationships" xmlns:p="http://schemas.openxmlformats.org/presentationml/2006/main">
   <p:cSld>
     <p:spTree>
@@ -8653,25 +8585,35 @@
           </a:p>
         </p:txBody>
       </p:sp>
-      <p:sp>
-        <p:nvSpPr>
-          <p:cNvPr id="3" name="Content Placeholder 2"/>
-          <p:cNvSpPr>
-            <a:spLocks noGrp="1"/>
-          </p:cNvSpPr>
+      <p:pic>
+        <p:nvPicPr>
+          <p:cNvPr id="4" name="Content Placeholder 3"/>
+          <p:cNvPicPr>
+            <a:picLocks noGrp="1" noChangeAspect="1"/>
+          </p:cNvPicPr>
           <p:nvPr>
             <p:ph idx="1"/>
           </p:nvPr>
-        </p:nvSpPr>
-        <p:spPr/>
-        <p:txBody>
-          <a:bodyPr/>
-          <a:lstStyle/>
-          <a:p>
-            <a:endParaRPr lang="en-GB"/>
-          </a:p>
-        </p:txBody>
-      </p:sp>
+        </p:nvPicPr>
+        <p:blipFill>
+          <a:blip r:embed="rId2">
+            <a:extLst>
+              <a:ext uri="{28A0092B-C50C-407E-A947-70E740481C1C}">
+                <a14:useLocalDpi xmlns:a14="http://schemas.microsoft.com/office/drawing/2010/main" val="0"/>
+              </a:ext>
+            </a:extLst>
+          </a:blip>
+          <a:stretch>
+            <a:fillRect/>
+          </a:stretch>
+        </p:blipFill>
+        <p:spPr>
+          <a:xfrm>
+            <a:off x="457200" y="2225095"/>
+            <a:ext cx="8358188" cy="3276172"/>
+          </a:xfrm>
+        </p:spPr>
+      </p:pic>
     </p:spTree>
     <p:extLst>
       <p:ext uri="{BB962C8B-B14F-4D97-AF65-F5344CB8AC3E}">
@@ -8682,6 +8624,13 @@
   <p:clrMapOvr>
     <a:masterClrMapping/>
   </p:clrMapOvr>
+  <p:timing>
+    <p:tnLst>
+      <p:par>
+        <p:cTn id="1" dur="indefinite" restart="never" nodeType="tmRoot"/>
+      </p:par>
+    </p:tnLst>
+  </p:timing>
 </p:sld>
 </file>
 
@@ -8768,6 +8717,13 @@
   <p:clrMapOvr>
     <a:masterClrMapping/>
   </p:clrMapOvr>
+  <p:timing>
+    <p:tnLst>
+      <p:par>
+        <p:cTn id="1" dur="indefinite" restart="never" nodeType="tmRoot"/>
+      </p:par>
+    </p:tnLst>
+  </p:timing>
 </p:sld>
 </file>
 
@@ -8854,6 +8810,13 @@
   <p:clrMapOvr>
     <a:masterClrMapping/>
   </p:clrMapOvr>
+  <p:timing>
+    <p:tnLst>
+      <p:par>
+        <p:cTn id="1" dur="indefinite" restart="never" nodeType="tmRoot"/>
+      </p:par>
+    </p:tnLst>
+  </p:timing>
 </p:sld>
 </file>
 
@@ -9293,6 +9256,13 @@
   <p:clrMapOvr>
     <a:masterClrMapping/>
   </p:clrMapOvr>
+  <p:timing>
+    <p:tnLst>
+      <p:par>
+        <p:cTn id="1" dur="indefinite" restart="never" nodeType="tmRoot"/>
+      </p:par>
+    </p:tnLst>
+  </p:timing>
 </p:sld>
 </file>
 

--- a/Thesis/progress meeting presentation.pptx
+++ b/Thesis/progress meeting presentation.pptx
@@ -232,7 +232,7 @@
           <a:p>
             <a:fld id="{DBAE3B3E-782A-9745-8E84-372F7B6771BF}" type="datetimeFigureOut">
               <a:rPr lang="en-US" smtClean="0"/>
-              <a:t>3/10/2016</a:t>
+              <a:t>5/30/2016</a:t>
             </a:fld>
             <a:endParaRPr lang="en-US" dirty="0"/>
           </a:p>
@@ -397,7 +397,7 @@
           <a:p>
             <a:fld id="{2D2F14E1-C5B1-40B4-8FD5-AE5FDC1E5B73}" type="datetimeFigureOut">
               <a:rPr lang="en-GB" smtClean="0"/>
-              <a:t>10/03/2016</a:t>
+              <a:t>30/05/2016</a:t>
             </a:fld>
             <a:endParaRPr lang="en-GB"/>
           </a:p>
@@ -711,6 +711,808 @@
           <a:p>
             <a:r>
               <a:rPr lang="en-GB" dirty="0" smtClean="0"/>
+              <a:t>In my search</a:t>
+            </a:r>
+            <a:r>
+              <a:rPr lang="en-GB" baseline="0" dirty="0" smtClean="0"/>
+              <a:t> to increase the coherence time of </a:t>
+            </a:r>
+            <a:r>
+              <a:rPr lang="en-GB" baseline="0" dirty="0" err="1" smtClean="0"/>
+              <a:t>transmon</a:t>
+            </a:r>
+            <a:r>
+              <a:rPr lang="en-GB" baseline="0" dirty="0" smtClean="0"/>
+              <a:t> qubits I have focused on one specific source of </a:t>
+            </a:r>
+            <a:r>
+              <a:rPr lang="en-GB" baseline="0" dirty="0" err="1" smtClean="0"/>
+              <a:t>decoherence</a:t>
+            </a:r>
+            <a:r>
+              <a:rPr lang="en-GB" baseline="0" dirty="0" smtClean="0"/>
+              <a:t>. Namely the two-level systems in </a:t>
+            </a:r>
+            <a:r>
+              <a:rPr lang="en-GB" baseline="0" dirty="0" err="1" smtClean="0"/>
+              <a:t>lossy</a:t>
+            </a:r>
+            <a:r>
+              <a:rPr lang="en-GB" baseline="0" dirty="0" smtClean="0"/>
+              <a:t> layers.</a:t>
+            </a:r>
+            <a:endParaRPr lang="en-GB" dirty="0"/>
+          </a:p>
+        </p:txBody>
+      </p:sp>
+      <p:sp>
+        <p:nvSpPr>
+          <p:cNvPr id="4" name="Slide Number Placeholder 3"/>
+          <p:cNvSpPr>
+            <a:spLocks noGrp="1"/>
+          </p:cNvSpPr>
+          <p:nvPr>
+            <p:ph type="sldNum" sz="quarter" idx="10"/>
+          </p:nvPr>
+        </p:nvSpPr>
+        <p:spPr/>
+        <p:txBody>
+          <a:bodyPr/>
+          <a:lstStyle/>
+          <a:p>
+            <a:fld id="{6E561419-CA27-4451-8C11-F1E3F24100C3}" type="slidenum">
+              <a:rPr lang="en-GB" smtClean="0"/>
+              <a:t>1</a:t>
+            </a:fld>
+            <a:endParaRPr lang="en-GB"/>
+          </a:p>
+        </p:txBody>
+      </p:sp>
+    </p:spTree>
+    <p:extLst>
+      <p:ext uri="{BB962C8B-B14F-4D97-AF65-F5344CB8AC3E}">
+        <p14:creationId xmlns:p14="http://schemas.microsoft.com/office/powerpoint/2010/main" val="998015098"/>
+      </p:ext>
+    </p:extLst>
+  </p:cSld>
+  <p:clrMapOvr>
+    <a:masterClrMapping/>
+  </p:clrMapOvr>
+</p:notes>
+</file>
+
+<file path=ppt/notesSlides/notesSlide2.xml><?xml version="1.0" encoding="utf-8"?>
+<p:notes xmlns:a="http://schemas.openxmlformats.org/drawingml/2006/main" xmlns:r="http://schemas.openxmlformats.org/officeDocument/2006/relationships" xmlns:p="http://schemas.openxmlformats.org/presentationml/2006/main">
+  <p:cSld>
+    <p:spTree>
+      <p:nvGrpSpPr>
+        <p:cNvPr id="1" name=""/>
+        <p:cNvGrpSpPr/>
+        <p:nvPr/>
+      </p:nvGrpSpPr>
+      <p:grpSpPr>
+        <a:xfrm>
+          <a:off x="0" y="0"/>
+          <a:ext cx="0" cy="0"/>
+          <a:chOff x="0" y="0"/>
+          <a:chExt cx="0" cy="0"/>
+        </a:xfrm>
+      </p:grpSpPr>
+      <p:sp>
+        <p:nvSpPr>
+          <p:cNvPr id="2" name="Slide Image Placeholder 1"/>
+          <p:cNvSpPr>
+            <a:spLocks noGrp="1" noRot="1" noChangeAspect="1"/>
+          </p:cNvSpPr>
+          <p:nvPr>
+            <p:ph type="sldImg"/>
+          </p:nvPr>
+        </p:nvSpPr>
+        <p:spPr/>
+      </p:sp>
+      <p:sp>
+        <p:nvSpPr>
+          <p:cNvPr id="3" name="Notes Placeholder 2"/>
+          <p:cNvSpPr>
+            <a:spLocks noGrp="1"/>
+          </p:cNvSpPr>
+          <p:nvPr>
+            <p:ph type="body" idx="1"/>
+          </p:nvPr>
+        </p:nvSpPr>
+        <p:spPr/>
+        <p:txBody>
+          <a:bodyPr/>
+          <a:lstStyle/>
+          <a:p>
+            <a:r>
+              <a:rPr lang="en-GB" dirty="0" smtClean="0"/>
+              <a:t>These</a:t>
+            </a:r>
+            <a:r>
+              <a:rPr lang="en-GB" baseline="0" dirty="0" smtClean="0"/>
+              <a:t> layers containing two-level systems are a prominent source of </a:t>
+            </a:r>
+            <a:r>
+              <a:rPr lang="en-GB" baseline="0" dirty="0" err="1" smtClean="0"/>
+              <a:t>decoherence</a:t>
+            </a:r>
+            <a:r>
+              <a:rPr lang="en-GB" baseline="0" dirty="0" smtClean="0"/>
+              <a:t>, if not a limiting factor to the coherence time of qubits. </a:t>
+            </a:r>
+            <a:endParaRPr lang="en-GB" dirty="0"/>
+          </a:p>
+        </p:txBody>
+      </p:sp>
+      <p:sp>
+        <p:nvSpPr>
+          <p:cNvPr id="4" name="Slide Number Placeholder 3"/>
+          <p:cNvSpPr>
+            <a:spLocks noGrp="1"/>
+          </p:cNvSpPr>
+          <p:nvPr>
+            <p:ph type="sldNum" sz="quarter" idx="10"/>
+          </p:nvPr>
+        </p:nvSpPr>
+        <p:spPr/>
+        <p:txBody>
+          <a:bodyPr/>
+          <a:lstStyle/>
+          <a:p>
+            <a:fld id="{6E561419-CA27-4451-8C11-F1E3F24100C3}" type="slidenum">
+              <a:rPr lang="en-GB" smtClean="0"/>
+              <a:t>2</a:t>
+            </a:fld>
+            <a:endParaRPr lang="en-GB"/>
+          </a:p>
+        </p:txBody>
+      </p:sp>
+    </p:spTree>
+    <p:extLst>
+      <p:ext uri="{BB962C8B-B14F-4D97-AF65-F5344CB8AC3E}">
+        <p14:creationId xmlns:p14="http://schemas.microsoft.com/office/powerpoint/2010/main" val="376085260"/>
+      </p:ext>
+    </p:extLst>
+  </p:cSld>
+  <p:clrMapOvr>
+    <a:masterClrMapping/>
+  </p:clrMapOvr>
+</p:notes>
+</file>
+
+<file path=ppt/notesSlides/notesSlide3.xml><?xml version="1.0" encoding="utf-8"?>
+<p:notes xmlns:a="http://schemas.openxmlformats.org/drawingml/2006/main" xmlns:r="http://schemas.openxmlformats.org/officeDocument/2006/relationships" xmlns:p="http://schemas.openxmlformats.org/presentationml/2006/main">
+  <p:cSld>
+    <p:spTree>
+      <p:nvGrpSpPr>
+        <p:cNvPr id="1" name=""/>
+        <p:cNvGrpSpPr/>
+        <p:nvPr/>
+      </p:nvGrpSpPr>
+      <p:grpSpPr>
+        <a:xfrm>
+          <a:off x="0" y="0"/>
+          <a:ext cx="0" cy="0"/>
+          <a:chOff x="0" y="0"/>
+          <a:chExt cx="0" cy="0"/>
+        </a:xfrm>
+      </p:grpSpPr>
+      <p:sp>
+        <p:nvSpPr>
+          <p:cNvPr id="2" name="Slide Image Placeholder 1"/>
+          <p:cNvSpPr>
+            <a:spLocks noGrp="1" noRot="1" noChangeAspect="1"/>
+          </p:cNvSpPr>
+          <p:nvPr>
+            <p:ph type="sldImg"/>
+          </p:nvPr>
+        </p:nvSpPr>
+        <p:spPr/>
+      </p:sp>
+      <p:sp>
+        <p:nvSpPr>
+          <p:cNvPr id="3" name="Notes Placeholder 2"/>
+          <p:cNvSpPr>
+            <a:spLocks noGrp="1"/>
+          </p:cNvSpPr>
+          <p:nvPr>
+            <p:ph type="body" idx="1"/>
+          </p:nvPr>
+        </p:nvSpPr>
+        <p:spPr/>
+        <p:txBody>
+          <a:bodyPr/>
+          <a:lstStyle/>
+          <a:p>
+            <a:r>
+              <a:rPr lang="en-GB" dirty="0" smtClean="0"/>
+              <a:t>I my simulations I have considered three different </a:t>
+            </a:r>
+            <a:r>
+              <a:rPr lang="en-GB" dirty="0" err="1" smtClean="0"/>
+              <a:t>lossy</a:t>
+            </a:r>
+            <a:r>
+              <a:rPr lang="en-GB" dirty="0" smtClean="0"/>
+              <a:t> layers.</a:t>
+            </a:r>
+            <a:r>
+              <a:rPr lang="en-GB" baseline="0" dirty="0" smtClean="0"/>
+              <a:t> They are created during different production steps and therefore have a different composition. </a:t>
+            </a:r>
+            <a:endParaRPr lang="en-GB" dirty="0"/>
+          </a:p>
+        </p:txBody>
+      </p:sp>
+      <p:sp>
+        <p:nvSpPr>
+          <p:cNvPr id="4" name="Slide Number Placeholder 3"/>
+          <p:cNvSpPr>
+            <a:spLocks noGrp="1"/>
+          </p:cNvSpPr>
+          <p:nvPr>
+            <p:ph type="sldNum" sz="quarter" idx="10"/>
+          </p:nvPr>
+        </p:nvSpPr>
+        <p:spPr/>
+        <p:txBody>
+          <a:bodyPr/>
+          <a:lstStyle/>
+          <a:p>
+            <a:fld id="{6E561419-CA27-4451-8C11-F1E3F24100C3}" type="slidenum">
+              <a:rPr lang="en-GB" smtClean="0"/>
+              <a:t>3</a:t>
+            </a:fld>
+            <a:endParaRPr lang="en-GB"/>
+          </a:p>
+        </p:txBody>
+      </p:sp>
+    </p:spTree>
+    <p:extLst>
+      <p:ext uri="{BB962C8B-B14F-4D97-AF65-F5344CB8AC3E}">
+        <p14:creationId xmlns:p14="http://schemas.microsoft.com/office/powerpoint/2010/main" val="3698495838"/>
+      </p:ext>
+    </p:extLst>
+  </p:cSld>
+  <p:clrMapOvr>
+    <a:masterClrMapping/>
+  </p:clrMapOvr>
+</p:notes>
+</file>
+
+<file path=ppt/notesSlides/notesSlide4.xml><?xml version="1.0" encoding="utf-8"?>
+<p:notes xmlns:a="http://schemas.openxmlformats.org/drawingml/2006/main" xmlns:r="http://schemas.openxmlformats.org/officeDocument/2006/relationships" xmlns:p="http://schemas.openxmlformats.org/presentationml/2006/main">
+  <p:cSld>
+    <p:spTree>
+      <p:nvGrpSpPr>
+        <p:cNvPr id="1" name=""/>
+        <p:cNvGrpSpPr/>
+        <p:nvPr/>
+      </p:nvGrpSpPr>
+      <p:grpSpPr>
+        <a:xfrm>
+          <a:off x="0" y="0"/>
+          <a:ext cx="0" cy="0"/>
+          <a:chOff x="0" y="0"/>
+          <a:chExt cx="0" cy="0"/>
+        </a:xfrm>
+      </p:grpSpPr>
+      <p:sp>
+        <p:nvSpPr>
+          <p:cNvPr id="2" name="Slide Image Placeholder 1"/>
+          <p:cNvSpPr>
+            <a:spLocks noGrp="1" noRot="1" noChangeAspect="1"/>
+          </p:cNvSpPr>
+          <p:nvPr>
+            <p:ph type="sldImg"/>
+          </p:nvPr>
+        </p:nvSpPr>
+        <p:spPr/>
+      </p:sp>
+      <p:sp>
+        <p:nvSpPr>
+          <p:cNvPr id="3" name="Notes Placeholder 2"/>
+          <p:cNvSpPr>
+            <a:spLocks noGrp="1"/>
+          </p:cNvSpPr>
+          <p:nvPr>
+            <p:ph type="body" idx="1"/>
+          </p:nvPr>
+        </p:nvSpPr>
+        <p:spPr/>
+        <p:txBody>
+          <a:bodyPr/>
+          <a:lstStyle/>
+          <a:p>
+            <a:r>
+              <a:rPr lang="en-GB" dirty="0" smtClean="0"/>
+              <a:t>Although the </a:t>
+            </a:r>
+            <a:r>
+              <a:rPr lang="en-GB" dirty="0" err="1" smtClean="0"/>
+              <a:t>lossy</a:t>
+            </a:r>
+            <a:r>
+              <a:rPr lang="en-GB" dirty="0" smtClean="0"/>
+              <a:t> layers are considered to have a relatively small thickness</a:t>
+            </a:r>
+            <a:r>
+              <a:rPr lang="en-GB" baseline="0" dirty="0" smtClean="0"/>
+              <a:t> of 3nm compared to the thickness of the pads of 100nm it is the high density of two-level systems the that make the dissipation of energy significant in these layers.</a:t>
+            </a:r>
+            <a:endParaRPr lang="en-GB" dirty="0"/>
+          </a:p>
+        </p:txBody>
+      </p:sp>
+      <p:sp>
+        <p:nvSpPr>
+          <p:cNvPr id="4" name="Slide Number Placeholder 3"/>
+          <p:cNvSpPr>
+            <a:spLocks noGrp="1"/>
+          </p:cNvSpPr>
+          <p:nvPr>
+            <p:ph type="sldNum" sz="quarter" idx="10"/>
+          </p:nvPr>
+        </p:nvSpPr>
+        <p:spPr/>
+        <p:txBody>
+          <a:bodyPr/>
+          <a:lstStyle/>
+          <a:p>
+            <a:fld id="{6E561419-CA27-4451-8C11-F1E3F24100C3}" type="slidenum">
+              <a:rPr lang="en-GB" smtClean="0"/>
+              <a:t>6</a:t>
+            </a:fld>
+            <a:endParaRPr lang="en-GB"/>
+          </a:p>
+        </p:txBody>
+      </p:sp>
+    </p:spTree>
+    <p:extLst>
+      <p:ext uri="{BB962C8B-B14F-4D97-AF65-F5344CB8AC3E}">
+        <p14:creationId xmlns:p14="http://schemas.microsoft.com/office/powerpoint/2010/main" val="1435651681"/>
+      </p:ext>
+    </p:extLst>
+  </p:cSld>
+  <p:clrMapOvr>
+    <a:masterClrMapping/>
+  </p:clrMapOvr>
+</p:notes>
+</file>
+
+<file path=ppt/notesSlides/notesSlide5.xml><?xml version="1.0" encoding="utf-8"?>
+<p:notes xmlns:a="http://schemas.openxmlformats.org/drawingml/2006/main" xmlns:r="http://schemas.openxmlformats.org/officeDocument/2006/relationships" xmlns:p="http://schemas.openxmlformats.org/presentationml/2006/main">
+  <p:cSld>
+    <p:spTree>
+      <p:nvGrpSpPr>
+        <p:cNvPr id="1" name=""/>
+        <p:cNvGrpSpPr/>
+        <p:nvPr/>
+      </p:nvGrpSpPr>
+      <p:grpSpPr>
+        <a:xfrm>
+          <a:off x="0" y="0"/>
+          <a:ext cx="0" cy="0"/>
+          <a:chOff x="0" y="0"/>
+          <a:chExt cx="0" cy="0"/>
+        </a:xfrm>
+      </p:grpSpPr>
+      <p:sp>
+        <p:nvSpPr>
+          <p:cNvPr id="2" name="Slide Image Placeholder 1"/>
+          <p:cNvSpPr>
+            <a:spLocks noGrp="1" noRot="1" noChangeAspect="1"/>
+          </p:cNvSpPr>
+          <p:nvPr>
+            <p:ph type="sldImg"/>
+          </p:nvPr>
+        </p:nvSpPr>
+        <p:spPr/>
+      </p:sp>
+      <p:sp>
+        <p:nvSpPr>
+          <p:cNvPr id="3" name="Notes Placeholder 2"/>
+          <p:cNvSpPr>
+            <a:spLocks noGrp="1"/>
+          </p:cNvSpPr>
+          <p:nvPr>
+            <p:ph type="body" idx="1"/>
+          </p:nvPr>
+        </p:nvSpPr>
+        <p:spPr/>
+        <p:txBody>
+          <a:bodyPr/>
+          <a:lstStyle/>
+          <a:p>
+            <a:endParaRPr lang="en-GB" dirty="0"/>
+          </a:p>
+        </p:txBody>
+      </p:sp>
+      <p:sp>
+        <p:nvSpPr>
+          <p:cNvPr id="4" name="Slide Number Placeholder 3"/>
+          <p:cNvSpPr>
+            <a:spLocks noGrp="1"/>
+          </p:cNvSpPr>
+          <p:nvPr>
+            <p:ph type="sldNum" sz="quarter" idx="10"/>
+          </p:nvPr>
+        </p:nvSpPr>
+        <p:spPr/>
+        <p:txBody>
+          <a:bodyPr/>
+          <a:lstStyle/>
+          <a:p>
+            <a:fld id="{6E561419-CA27-4451-8C11-F1E3F24100C3}" type="slidenum">
+              <a:rPr lang="en-GB" smtClean="0"/>
+              <a:t>8</a:t>
+            </a:fld>
+            <a:endParaRPr lang="en-GB"/>
+          </a:p>
+        </p:txBody>
+      </p:sp>
+    </p:spTree>
+    <p:extLst>
+      <p:ext uri="{BB962C8B-B14F-4D97-AF65-F5344CB8AC3E}">
+        <p14:creationId xmlns:p14="http://schemas.microsoft.com/office/powerpoint/2010/main" val="2532265099"/>
+      </p:ext>
+    </p:extLst>
+  </p:cSld>
+  <p:clrMapOvr>
+    <a:masterClrMapping/>
+  </p:clrMapOvr>
+</p:notes>
+</file>
+
+<file path=ppt/notesSlides/notesSlide6.xml><?xml version="1.0" encoding="utf-8"?>
+<p:notes xmlns:a="http://schemas.openxmlformats.org/drawingml/2006/main" xmlns:r="http://schemas.openxmlformats.org/officeDocument/2006/relationships" xmlns:p="http://schemas.openxmlformats.org/presentationml/2006/main">
+  <p:cSld>
+    <p:spTree>
+      <p:nvGrpSpPr>
+        <p:cNvPr id="1" name=""/>
+        <p:cNvGrpSpPr/>
+        <p:nvPr/>
+      </p:nvGrpSpPr>
+      <p:grpSpPr>
+        <a:xfrm>
+          <a:off x="0" y="0"/>
+          <a:ext cx="0" cy="0"/>
+          <a:chOff x="0" y="0"/>
+          <a:chExt cx="0" cy="0"/>
+        </a:xfrm>
+      </p:grpSpPr>
+      <p:sp>
+        <p:nvSpPr>
+          <p:cNvPr id="2" name="Slide Image Placeholder 1"/>
+          <p:cNvSpPr>
+            <a:spLocks noGrp="1" noRot="1" noChangeAspect="1"/>
+          </p:cNvSpPr>
+          <p:nvPr>
+            <p:ph type="sldImg"/>
+          </p:nvPr>
+        </p:nvSpPr>
+        <p:spPr/>
+      </p:sp>
+      <p:sp>
+        <p:nvSpPr>
+          <p:cNvPr id="3" name="Notes Placeholder 2"/>
+          <p:cNvSpPr>
+            <a:spLocks noGrp="1"/>
+          </p:cNvSpPr>
+          <p:nvPr>
+            <p:ph type="body" idx="1"/>
+          </p:nvPr>
+        </p:nvSpPr>
+        <p:spPr/>
+        <p:txBody>
+          <a:bodyPr/>
+          <a:lstStyle/>
+          <a:p>
+            <a:r>
+              <a:rPr lang="en-GB" dirty="0" smtClean="0"/>
+              <a:t>Because the</a:t>
+            </a:r>
+            <a:r>
+              <a:rPr lang="en-GB" baseline="0" dirty="0" smtClean="0"/>
+              <a:t> </a:t>
+            </a:r>
+            <a:r>
+              <a:rPr lang="en-GB" baseline="0" dirty="0" err="1" smtClean="0"/>
+              <a:t>lossy</a:t>
+            </a:r>
+            <a:r>
+              <a:rPr lang="en-GB" baseline="0" dirty="0" smtClean="0"/>
+              <a:t> layers are so thin compared to the rest of the system it would be undoable to consider them during the simulation in CST. Therefore the assumption is made that the </a:t>
+            </a:r>
+            <a:r>
+              <a:rPr lang="en-GB" baseline="0" dirty="0" err="1" smtClean="0"/>
+              <a:t>lossy</a:t>
+            </a:r>
+            <a:r>
+              <a:rPr lang="en-GB" baseline="0" dirty="0" smtClean="0"/>
+              <a:t> layers do not change the electric field.</a:t>
+            </a:r>
+            <a:endParaRPr lang="en-GB" dirty="0"/>
+          </a:p>
+        </p:txBody>
+      </p:sp>
+      <p:sp>
+        <p:nvSpPr>
+          <p:cNvPr id="4" name="Slide Number Placeholder 3"/>
+          <p:cNvSpPr>
+            <a:spLocks noGrp="1"/>
+          </p:cNvSpPr>
+          <p:nvPr>
+            <p:ph type="sldNum" sz="quarter" idx="10"/>
+          </p:nvPr>
+        </p:nvSpPr>
+        <p:spPr/>
+        <p:txBody>
+          <a:bodyPr/>
+          <a:lstStyle/>
+          <a:p>
+            <a:fld id="{6E561419-CA27-4451-8C11-F1E3F24100C3}" type="slidenum">
+              <a:rPr lang="en-GB" smtClean="0"/>
+              <a:t>9</a:t>
+            </a:fld>
+            <a:endParaRPr lang="en-GB"/>
+          </a:p>
+        </p:txBody>
+      </p:sp>
+    </p:spTree>
+    <p:extLst>
+      <p:ext uri="{BB962C8B-B14F-4D97-AF65-F5344CB8AC3E}">
+        <p14:creationId xmlns:p14="http://schemas.microsoft.com/office/powerpoint/2010/main" val="4254708948"/>
+      </p:ext>
+    </p:extLst>
+  </p:cSld>
+  <p:clrMapOvr>
+    <a:masterClrMapping/>
+  </p:clrMapOvr>
+</p:notes>
+</file>
+
+<file path=ppt/notesSlides/notesSlide7.xml><?xml version="1.0" encoding="utf-8"?>
+<p:notes xmlns:a="http://schemas.openxmlformats.org/drawingml/2006/main" xmlns:r="http://schemas.openxmlformats.org/officeDocument/2006/relationships" xmlns:p="http://schemas.openxmlformats.org/presentationml/2006/main">
+  <p:cSld>
+    <p:spTree>
+      <p:nvGrpSpPr>
+        <p:cNvPr id="1" name=""/>
+        <p:cNvGrpSpPr/>
+        <p:nvPr/>
+      </p:nvGrpSpPr>
+      <p:grpSpPr>
+        <a:xfrm>
+          <a:off x="0" y="0"/>
+          <a:ext cx="0" cy="0"/>
+          <a:chOff x="0" y="0"/>
+          <a:chExt cx="0" cy="0"/>
+        </a:xfrm>
+      </p:grpSpPr>
+      <p:sp>
+        <p:nvSpPr>
+          <p:cNvPr id="2" name="Slide Image Placeholder 1"/>
+          <p:cNvSpPr>
+            <a:spLocks noGrp="1" noRot="1" noChangeAspect="1"/>
+          </p:cNvSpPr>
+          <p:nvPr>
+            <p:ph type="sldImg"/>
+          </p:nvPr>
+        </p:nvSpPr>
+        <p:spPr/>
+      </p:sp>
+      <p:sp>
+        <p:nvSpPr>
+          <p:cNvPr id="3" name="Notes Placeholder 2"/>
+          <p:cNvSpPr>
+            <a:spLocks noGrp="1"/>
+          </p:cNvSpPr>
+          <p:nvPr>
+            <p:ph type="body" idx="1"/>
+          </p:nvPr>
+        </p:nvSpPr>
+        <p:spPr/>
+        <p:txBody>
+          <a:bodyPr/>
+          <a:lstStyle/>
+          <a:p>
+            <a:r>
+              <a:rPr lang="en-GB" dirty="0" smtClean="0"/>
+              <a:t>Having made this assumption for the simulation</a:t>
+            </a:r>
+            <a:r>
+              <a:rPr lang="en-GB" baseline="0" dirty="0" smtClean="0"/>
+              <a:t> of the qubit it is still necessary to consider the difference in dielectric constants. The amplitude of the field inside the areas containing </a:t>
+            </a:r>
+            <a:r>
+              <a:rPr lang="en-GB" baseline="0" dirty="0" err="1" smtClean="0"/>
+              <a:t>lossy</a:t>
+            </a:r>
+            <a:r>
+              <a:rPr lang="en-GB" baseline="0" dirty="0" smtClean="0"/>
+              <a:t> material is changed accordingly. </a:t>
+            </a:r>
+            <a:endParaRPr lang="en-GB" dirty="0"/>
+          </a:p>
+        </p:txBody>
+      </p:sp>
+      <p:sp>
+        <p:nvSpPr>
+          <p:cNvPr id="4" name="Slide Number Placeholder 3"/>
+          <p:cNvSpPr>
+            <a:spLocks noGrp="1"/>
+          </p:cNvSpPr>
+          <p:nvPr>
+            <p:ph type="sldNum" sz="quarter" idx="10"/>
+          </p:nvPr>
+        </p:nvSpPr>
+        <p:spPr/>
+        <p:txBody>
+          <a:bodyPr/>
+          <a:lstStyle/>
+          <a:p>
+            <a:fld id="{6E561419-CA27-4451-8C11-F1E3F24100C3}" type="slidenum">
+              <a:rPr lang="en-GB" smtClean="0"/>
+              <a:t>10</a:t>
+            </a:fld>
+            <a:endParaRPr lang="en-GB"/>
+          </a:p>
+        </p:txBody>
+      </p:sp>
+    </p:spTree>
+    <p:extLst>
+      <p:ext uri="{BB962C8B-B14F-4D97-AF65-F5344CB8AC3E}">
+        <p14:creationId xmlns:p14="http://schemas.microsoft.com/office/powerpoint/2010/main" val="1361738719"/>
+      </p:ext>
+    </p:extLst>
+  </p:cSld>
+  <p:clrMapOvr>
+    <a:masterClrMapping/>
+  </p:clrMapOvr>
+</p:notes>
+</file>
+
+<file path=ppt/notesSlides/notesSlide8.xml><?xml version="1.0" encoding="utf-8"?>
+<p:notes xmlns:a="http://schemas.openxmlformats.org/drawingml/2006/main" xmlns:r="http://schemas.openxmlformats.org/officeDocument/2006/relationships" xmlns:p="http://schemas.openxmlformats.org/presentationml/2006/main">
+  <p:cSld>
+    <p:spTree>
+      <p:nvGrpSpPr>
+        <p:cNvPr id="1" name=""/>
+        <p:cNvGrpSpPr/>
+        <p:nvPr/>
+      </p:nvGrpSpPr>
+      <p:grpSpPr>
+        <a:xfrm>
+          <a:off x="0" y="0"/>
+          <a:ext cx="0" cy="0"/>
+          <a:chOff x="0" y="0"/>
+          <a:chExt cx="0" cy="0"/>
+        </a:xfrm>
+      </p:grpSpPr>
+      <p:sp>
+        <p:nvSpPr>
+          <p:cNvPr id="2" name="Slide Image Placeholder 1"/>
+          <p:cNvSpPr>
+            <a:spLocks noGrp="1" noRot="1" noChangeAspect="1"/>
+          </p:cNvSpPr>
+          <p:nvPr>
+            <p:ph type="sldImg"/>
+          </p:nvPr>
+        </p:nvSpPr>
+        <p:spPr/>
+      </p:sp>
+      <p:sp>
+        <p:nvSpPr>
+          <p:cNvPr id="3" name="Notes Placeholder 2"/>
+          <p:cNvSpPr>
+            <a:spLocks noGrp="1"/>
+          </p:cNvSpPr>
+          <p:nvPr>
+            <p:ph type="body" idx="1"/>
+          </p:nvPr>
+        </p:nvSpPr>
+        <p:spPr/>
+        <p:txBody>
+          <a:bodyPr/>
+          <a:lstStyle/>
+          <a:p>
+            <a:r>
+              <a:rPr lang="en-GB" dirty="0" smtClean="0"/>
+              <a:t>https://farside.ph.utexas.edu/teaching/jk1/lectures/node112.html</a:t>
+            </a:r>
+          </a:p>
+          <a:p>
+            <a:r>
+              <a:rPr lang="en-GB" smtClean="0"/>
+              <a:t>https://books.google.nl/books?id=mll47bVO29gC&amp;pg=PA1415&amp;lpg=PA1415&amp;dq=tangential+electric+field+superconductor+high+frequency&amp;source=bl&amp;ots=CdOO-SKSTM&amp;sig=WD6728zQIlr839oagMkSicv-3ps&amp;hl=en&amp;sa=X&amp;ved=0ahUKEwiHlOG34YLNAhWKKcAKHbGSDBAQ6AEIKTAB#v=onepage&amp;q=tangential%20electric%20field%20superconductor%20high%20frequency&amp;f=false</a:t>
+            </a:r>
+            <a:endParaRPr lang="en-GB" dirty="0"/>
+          </a:p>
+        </p:txBody>
+      </p:sp>
+      <p:sp>
+        <p:nvSpPr>
+          <p:cNvPr id="4" name="Slide Number Placeholder 3"/>
+          <p:cNvSpPr>
+            <a:spLocks noGrp="1"/>
+          </p:cNvSpPr>
+          <p:nvPr>
+            <p:ph type="sldNum" sz="quarter" idx="10"/>
+          </p:nvPr>
+        </p:nvSpPr>
+        <p:spPr/>
+        <p:txBody>
+          <a:bodyPr/>
+          <a:lstStyle/>
+          <a:p>
+            <a:fld id="{6E561419-CA27-4451-8C11-F1E3F24100C3}" type="slidenum">
+              <a:rPr lang="en-GB" smtClean="0"/>
+              <a:t>11</a:t>
+            </a:fld>
+            <a:endParaRPr lang="en-GB"/>
+          </a:p>
+        </p:txBody>
+      </p:sp>
+    </p:spTree>
+    <p:extLst>
+      <p:ext uri="{BB962C8B-B14F-4D97-AF65-F5344CB8AC3E}">
+        <p14:creationId xmlns:p14="http://schemas.microsoft.com/office/powerpoint/2010/main" val="2083172088"/>
+      </p:ext>
+    </p:extLst>
+  </p:cSld>
+  <p:clrMapOvr>
+    <a:masterClrMapping/>
+  </p:clrMapOvr>
+</p:notes>
+</file>
+
+<file path=ppt/notesSlides/notesSlide9.xml><?xml version="1.0" encoding="utf-8"?>
+<p:notes xmlns:a="http://schemas.openxmlformats.org/drawingml/2006/main" xmlns:r="http://schemas.openxmlformats.org/officeDocument/2006/relationships" xmlns:p="http://schemas.openxmlformats.org/presentationml/2006/main">
+  <p:cSld>
+    <p:spTree>
+      <p:nvGrpSpPr>
+        <p:cNvPr id="1" name=""/>
+        <p:cNvGrpSpPr/>
+        <p:nvPr/>
+      </p:nvGrpSpPr>
+      <p:grpSpPr>
+        <a:xfrm>
+          <a:off x="0" y="0"/>
+          <a:ext cx="0" cy="0"/>
+          <a:chOff x="0" y="0"/>
+          <a:chExt cx="0" cy="0"/>
+        </a:xfrm>
+      </p:grpSpPr>
+      <p:sp>
+        <p:nvSpPr>
+          <p:cNvPr id="2" name="Slide Image Placeholder 1"/>
+          <p:cNvSpPr>
+            <a:spLocks noGrp="1" noRot="1" noChangeAspect="1"/>
+          </p:cNvSpPr>
+          <p:nvPr>
+            <p:ph type="sldImg"/>
+          </p:nvPr>
+        </p:nvSpPr>
+        <p:spPr/>
+      </p:sp>
+      <p:sp>
+        <p:nvSpPr>
+          <p:cNvPr id="3" name="Notes Placeholder 2"/>
+          <p:cNvSpPr>
+            <a:spLocks noGrp="1"/>
+          </p:cNvSpPr>
+          <p:nvPr>
+            <p:ph type="body" idx="1"/>
+          </p:nvPr>
+        </p:nvSpPr>
+        <p:spPr/>
+        <p:txBody>
+          <a:bodyPr/>
+          <a:lstStyle/>
+          <a:p>
+            <a:r>
+              <a:rPr lang="en-GB" dirty="0" smtClean="0"/>
               <a:t>E = h*v</a:t>
             </a:r>
           </a:p>
@@ -1432,7 +2234,7 @@
           <a:p>
             <a:fld id="{462A2416-1570-3849-86F9-07F78746E1B2}" type="datetimeFigureOut">
               <a:rPr lang="en-US" smtClean="0"/>
-              <a:t>3/10/2016</a:t>
+              <a:t>5/30/2016</a:t>
             </a:fld>
             <a:endParaRPr lang="en-US" dirty="0"/>
           </a:p>
@@ -2773,7 +3575,7 @@
             <a:pPr algn="l"/>
             <a:r>
               <a:rPr lang="en-US" dirty="0" smtClean="0"/>
-              <a:t>Progress meeting</a:t>
+              <a:t>A procedure to calculate participation ratios</a:t>
             </a:r>
             <a:endParaRPr lang="en-US" dirty="0">
               <a:latin typeface="Arial"/>
@@ -3653,7 +4455,7 @@
             </p:nvSpPr>
             <p:spPr>
               <a:blipFill rotWithShape="1">
-                <a:blip r:embed="rId2"/>
+                <a:blip r:embed="rId3"/>
                 <a:stretch>
                   <a:fillRect l="-1715" t="-1312" b="-1575"/>
                 </a:stretch>
@@ -3734,8 +4536,8 @@
           </a:p>
         </p:txBody>
       </p:sp>
-      <mc:AlternateContent xmlns:mc="http://schemas.openxmlformats.org/markup-compatibility/2006" xmlns:a14="http://schemas.microsoft.com/office/drawing/2010/main">
-        <mc:Choice Requires="a14">
+      <mc:AlternateContent xmlns:mc="http://schemas.openxmlformats.org/markup-compatibility/2006">
+        <mc:Choice xmlns:a14="http://schemas.microsoft.com/office/drawing/2010/main" Requires="a14">
           <p:sp>
             <p:nvSpPr>
               <p:cNvPr id="3" name="Content Placeholder 2"/>
@@ -3781,10 +4583,10 @@
                         </m:sSubPr>
                         <m:e>
                           <m:r>
-                            <a:rPr lang="en-GB" i="1">
+                            <a:rPr lang="en-GB" b="0" i="1" smtClean="0">
                               <a:latin typeface="Cambria Math"/>
                             </a:rPr>
-                            <m:t>𝑄</m:t>
+                            <m:t>𝐸</m:t>
                           </m:r>
                         </m:e>
                         <m:sub>
@@ -3921,18 +4723,30 @@
                                   <m:sSub>
                                     <m:sSubPr>
                                       <m:ctrlPr>
-                                        <a:rPr lang="en-GB" i="1">
+                                        <a:rPr lang="en-GB" i="1" smtClean="0">
                                           <a:latin typeface="Cambria Math"/>
                                         </a:rPr>
                                       </m:ctrlPr>
                                     </m:sSubPr>
                                     <m:e>
-                                      <m:r>
-                                        <a:rPr lang="en-GB" i="1">
-                                          <a:latin typeface="Cambria Math"/>
-                                        </a:rPr>
-                                        <m:t>𝐸</m:t>
-                                      </m:r>
+                                      <m:acc>
+                                        <m:accPr>
+                                          <m:chr m:val="̅"/>
+                                          <m:ctrlPr>
+                                            <a:rPr lang="en-GB" i="1">
+                                              <a:latin typeface="Cambria Math"/>
+                                            </a:rPr>
+                                          </m:ctrlPr>
+                                        </m:accPr>
+                                        <m:e>
+                                          <m:r>
+                                            <a:rPr lang="en-GB" i="1">
+                                              <a:latin typeface="Cambria Math"/>
+                                            </a:rPr>
+                                            <m:t>𝐸</m:t>
+                                          </m:r>
+                                        </m:e>
+                                      </m:acc>
                                     </m:e>
                                     <m:sub>
                                       <m:r>
@@ -3994,10 +4808,10 @@
                         </m:sSubPr>
                         <m:e>
                           <m:r>
-                            <a:rPr lang="en-GB" i="1">
+                            <a:rPr lang="en-GB" b="0" i="1" smtClean="0">
                               <a:latin typeface="Cambria Math"/>
                             </a:rPr>
-                            <m:t>𝑄</m:t>
+                            <m:t>𝐸</m:t>
                           </m:r>
                         </m:e>
                         <m:sub>
@@ -4195,12 +5009,24 @@
                                       </m:ctrlPr>
                                     </m:sSubPr>
                                     <m:e>
-                                      <m:r>
-                                        <a:rPr lang="en-GB" i="1">
-                                          <a:latin typeface="Cambria Math"/>
-                                        </a:rPr>
-                                        <m:t>𝐸</m:t>
-                                      </m:r>
+                                      <m:acc>
+                                        <m:accPr>
+                                          <m:chr m:val="̅"/>
+                                          <m:ctrlPr>
+                                            <a:rPr lang="en-GB" i="1">
+                                              <a:latin typeface="Cambria Math"/>
+                                            </a:rPr>
+                                          </m:ctrlPr>
+                                        </m:accPr>
+                                        <m:e>
+                                          <m:r>
+                                            <a:rPr lang="en-GB" i="1">
+                                              <a:latin typeface="Cambria Math"/>
+                                            </a:rPr>
+                                            <m:t>𝐸</m:t>
+                                          </m:r>
+                                        </m:e>
+                                      </m:acc>
                                     </m:e>
                                     <m:sub>
                                       <m:r>
@@ -4262,10 +5088,10 @@
                         </m:sSubPr>
                         <m:e>
                           <m:r>
-                            <a:rPr lang="en-GB" i="1">
+                            <a:rPr lang="en-GB" b="0" i="1" smtClean="0">
                               <a:latin typeface="Cambria Math"/>
                             </a:rPr>
-                            <m:t>𝑄</m:t>
+                            <m:t>𝐸</m:t>
                           </m:r>
                         </m:e>
                         <m:sub>
@@ -4408,12 +5234,24 @@
                                       </m:ctrlPr>
                                     </m:sSubPr>
                                     <m:e>
-                                      <m:r>
-                                        <a:rPr lang="en-GB" i="1">
-                                          <a:latin typeface="Cambria Math"/>
-                                        </a:rPr>
-                                        <m:t>𝐸</m:t>
-                                      </m:r>
+                                      <m:acc>
+                                        <m:accPr>
+                                          <m:chr m:val="̅"/>
+                                          <m:ctrlPr>
+                                            <a:rPr lang="en-GB" i="1">
+                                              <a:latin typeface="Cambria Math"/>
+                                            </a:rPr>
+                                          </m:ctrlPr>
+                                        </m:accPr>
+                                        <m:e>
+                                          <m:r>
+                                            <a:rPr lang="en-GB" i="1">
+                                              <a:latin typeface="Cambria Math"/>
+                                            </a:rPr>
+                                            <m:t>𝐸</m:t>
+                                          </m:r>
+                                        </m:e>
+                                      </m:acc>
                                     </m:e>
                                     <m:sub>
                                       <m:r>
@@ -4574,12 +5412,24 @@
                                       </m:ctrlPr>
                                     </m:sSubPr>
                                     <m:e>
-                                      <m:r>
-                                        <a:rPr lang="en-GB" i="1">
-                                          <a:latin typeface="Cambria Math"/>
-                                        </a:rPr>
-                                        <m:t>𝐸</m:t>
-                                      </m:r>
+                                      <m:acc>
+                                        <m:accPr>
+                                          <m:chr m:val="̅"/>
+                                          <m:ctrlPr>
+                                            <a:rPr lang="en-GB" i="1">
+                                              <a:latin typeface="Cambria Math"/>
+                                            </a:rPr>
+                                          </m:ctrlPr>
+                                        </m:accPr>
+                                        <m:e>
+                                          <m:r>
+                                            <a:rPr lang="en-GB" i="1">
+                                              <a:latin typeface="Cambria Math"/>
+                                            </a:rPr>
+                                            <m:t>𝐸</m:t>
+                                          </m:r>
+                                        </m:e>
+                                      </m:acc>
                                     </m:e>
                                     <m:sub>
                                       <m:r>
@@ -4624,7 +5474,7 @@
             </p:txBody>
           </p:sp>
         </mc:Choice>
-        <mc:Fallback xmlns="">
+        <mc:Fallback>
           <p:sp>
             <p:nvSpPr>
               <p:cNvPr id="3" name="Content Placeholder 2"/>
@@ -4637,7 +5487,7 @@
             </p:nvSpPr>
             <p:spPr>
               <a:blipFill rotWithShape="1">
-                <a:blip r:embed="rId2"/>
+                <a:blip r:embed="rId3"/>
                 <a:stretch>
                   <a:fillRect l="-1458" t="-1181"/>
                 </a:stretch>
@@ -4718,8 +5568,8 @@
           </a:p>
         </p:txBody>
       </p:sp>
-      <mc:AlternateContent xmlns:mc="http://schemas.openxmlformats.org/markup-compatibility/2006" xmlns:a14="http://schemas.microsoft.com/office/drawing/2010/main">
-        <mc:Choice Requires="a14">
+      <mc:AlternateContent xmlns:mc="http://schemas.openxmlformats.org/markup-compatibility/2006">
+        <mc:Choice xmlns:a14="http://schemas.microsoft.com/office/drawing/2010/main" Requires="a14">
           <p:sp>
             <p:nvSpPr>
               <p:cNvPr id="3" name="Content Placeholder 2"/>
@@ -4757,7 +5607,7 @@
                           <a:rPr lang="en-GB" b="0" i="1" smtClean="0">
                             <a:latin typeface="Cambria Math"/>
                           </a:rPr>
-                          <m:t>𝑄</m:t>
+                          <m:t>𝐸</m:t>
                         </m:r>
                       </m:e>
                       <m:sub>
@@ -4773,13 +5623,29 @@
                 </a14:m>
                 <a:r>
                   <a:rPr lang="en-GB" dirty="0" smtClean="0"/>
-                  <a:t>, it is possible to determine the influence design parameters (pad separation, corner radius)  and/or changing overall qubit design (Yale, IBM) on participation ratio.</a:t>
+                  <a:t>, it is possible to determine the </a:t>
+                </a:r>
+                <a:r>
+                  <a:rPr lang="en-GB" dirty="0" smtClean="0"/>
+                  <a:t>influence certain </a:t>
+                </a:r>
+                <a:r>
+                  <a:rPr lang="en-GB" dirty="0" smtClean="0"/>
+                  <a:t>design parameters (pad separation, corner radius)  and/or changing overall qubit design </a:t>
+                </a:r>
+                <a:r>
+                  <a:rPr lang="en-GB" dirty="0" smtClean="0"/>
+                  <a:t>(interdigitated, padded) </a:t>
+                </a:r>
+                <a:r>
+                  <a:rPr lang="en-GB" dirty="0" smtClean="0"/>
+                  <a:t>on participation ratio.</a:t>
                 </a:r>
               </a:p>
             </p:txBody>
           </p:sp>
         </mc:Choice>
-        <mc:Fallback xmlns="">
+        <mc:Fallback>
           <p:sp>
             <p:nvSpPr>
               <p:cNvPr id="3" name="Content Placeholder 2"/>
@@ -4794,7 +5660,7 @@
               <a:blipFill rotWithShape="1">
                 <a:blip r:embed="rId2"/>
                 <a:stretch>
-                  <a:fillRect l="-1715" t="-1312" r="-772"/>
+                  <a:fillRect l="-1715" t="-1312" r="-2487"/>
                 </a:stretch>
               </a:blipFill>
             </p:spPr>
@@ -5543,11 +6409,11 @@
   <p:clrMapOvr>
     <a:masterClrMapping/>
   </p:clrMapOvr>
-  <mc:AlternateContent xmlns:mc="http://schemas.openxmlformats.org/markup-compatibility/2006">
-    <mc:Choice xmlns:p14="http://schemas.microsoft.com/office/powerpoint/2010/main" Requires="p14">
+  <mc:AlternateContent xmlns:mc="http://schemas.openxmlformats.org/markup-compatibility/2006" xmlns:p14="http://schemas.microsoft.com/office/powerpoint/2010/main">
+    <mc:Choice Requires="p14">
       <p:transition spd="slow" p14:dur="2000"/>
     </mc:Choice>
-    <mc:Fallback>
+    <mc:Fallback xmlns="">
       <p:transition spd="slow"/>
     </mc:Fallback>
   </mc:AlternateContent>
@@ -6551,7 +7417,6 @@
               <a:rPr lang="en-GB" dirty="0"/>
               <a:t>Simulation - Meshing</a:t>
             </a:r>
-            <a:endParaRPr lang="en-GB" dirty="0"/>
           </a:p>
         </p:txBody>
       </p:sp>
@@ -6640,7 +7505,6 @@
               <a:rPr lang="en-GB" dirty="0"/>
               <a:t>Simulation - Meshing</a:t>
             </a:r>
-            <a:endParaRPr lang="en-GB" dirty="0"/>
           </a:p>
         </p:txBody>
       </p:sp>
@@ -7508,20 +8372,41 @@
           <a:p>
             <a:r>
               <a:rPr lang="en-US" dirty="0" smtClean="0"/>
-              <a:t>Metal-Vacuum interface (MV)</a:t>
-            </a:r>
-          </a:p>
-          <a:p>
+              <a:t>Metal-Vacuum interface (MV</a:t>
+            </a:r>
             <a:r>
               <a:rPr lang="en-US" dirty="0" smtClean="0"/>
-              <a:t>Metal-Substrate interface (MS)</a:t>
+              <a:t>)</a:t>
             </a:r>
           </a:p>
           <a:p>
             <a:r>
               <a:rPr lang="en-US" dirty="0" smtClean="0"/>
-              <a:t>Substrate-Vacuum (SV)</a:t>
-            </a:r>
+              <a:t>Metal-Substrate </a:t>
+            </a:r>
+            <a:r>
+              <a:rPr lang="en-US" dirty="0" smtClean="0"/>
+              <a:t>interface (MS</a:t>
+            </a:r>
+            <a:r>
+              <a:rPr lang="en-US" dirty="0" smtClean="0"/>
+              <a:t>)</a:t>
+            </a:r>
+          </a:p>
+          <a:p>
+            <a:r>
+              <a:rPr lang="en-US" dirty="0" smtClean="0"/>
+              <a:t>Substrate-Vacuum </a:t>
+            </a:r>
+            <a:r>
+              <a:rPr lang="en-US" dirty="0" smtClean="0"/>
+              <a:t>(SV</a:t>
+            </a:r>
+            <a:r>
+              <a:rPr lang="en-US" dirty="0" smtClean="0"/>
+              <a:t>)</a:t>
+            </a:r>
+            <a:endParaRPr lang="en-US" dirty="0" smtClean="0"/>
           </a:p>
           <a:p>
             <a:pPr marL="0" indent="0">
@@ -8728,7 +9613,7 @@
 </file>
 
 <file path=ppt/slides/slide5.xml><?xml version="1.0" encoding="utf-8"?>
-<p:sld xmlns:a="http://schemas.openxmlformats.org/drawingml/2006/main" xmlns:r="http://schemas.openxmlformats.org/officeDocument/2006/relationships" xmlns:p="http://schemas.openxmlformats.org/presentationml/2006/main">
+<p:sld xmlns:a="http://schemas.openxmlformats.org/drawingml/2006/main" xmlns:r="http://schemas.openxmlformats.org/officeDocument/2006/relationships" xmlns:p="http://schemas.openxmlformats.org/presentationml/2006/main" show="0">
   <p:cSld>
     <p:spTree>
       <p:nvGrpSpPr>
@@ -8810,6 +9695,14 @@
   <p:clrMapOvr>
     <a:masterClrMapping/>
   </p:clrMapOvr>
+  <mc:AlternateContent xmlns:mc="http://schemas.openxmlformats.org/markup-compatibility/2006">
+    <mc:Choice xmlns:p14="http://schemas.microsoft.com/office/powerpoint/2010/main" Requires="p14">
+      <p:transition spd="slow" p14:dur="2000"/>
+    </mc:Choice>
+    <mc:Fallback>
+      <p:transition spd="slow"/>
+    </mc:Fallback>
+  </mc:AlternateContent>
   <p:timing>
     <p:tnLst>
       <p:par>
@@ -8973,8 +9866,8 @@
           </a:p>
         </p:txBody>
       </p:sp>
-      <mc:AlternateContent xmlns:mc="http://schemas.openxmlformats.org/markup-compatibility/2006" xmlns:a14="http://schemas.microsoft.com/office/drawing/2010/main">
-        <mc:Choice Requires="a14">
+      <mc:AlternateContent xmlns:mc="http://schemas.openxmlformats.org/markup-compatibility/2006">
+        <mc:Choice xmlns:a14="http://schemas.microsoft.com/office/drawing/2010/main" Requires="a14">
           <p:sp>
             <p:nvSpPr>
               <p:cNvPr id="3" name="Content Placeholder 2"/>
@@ -9084,11 +9977,11 @@
                 </a:pPr>
                 <a:r>
                   <a:rPr lang="en-GB" dirty="0" smtClean="0"/>
-                  <a:t>Metal-Substrate: Si-</a:t>
+                  <a:t>Metal-Substrate: </a:t>
                 </a:r>
                 <a:r>
-                  <a:rPr lang="en-GB" dirty="0" err="1" smtClean="0"/>
-                  <a:t>nitrade</a:t>
+                  <a:rPr lang="en-GB" dirty="0" smtClean="0"/>
+                  <a:t>Si-nitride</a:t>
                 </a:r>
                 <a:endParaRPr lang="en-GB" dirty="0" smtClean="0"/>
               </a:p>
@@ -9212,7 +10105,7 @@
             </p:txBody>
           </p:sp>
         </mc:Choice>
-        <mc:Fallback xmlns="">
+        <mc:Fallback>
           <p:sp>
             <p:nvSpPr>
               <p:cNvPr id="3" name="Content Placeholder 2"/>
@@ -9306,8 +10199,8 @@
           </a:p>
         </p:txBody>
       </p:sp>
-      <mc:AlternateContent xmlns:mc="http://schemas.openxmlformats.org/markup-compatibility/2006" xmlns:a14="http://schemas.microsoft.com/office/drawing/2010/main">
-        <mc:Choice Requires="a14">
+      <mc:AlternateContent xmlns:mc="http://schemas.openxmlformats.org/markup-compatibility/2006">
+        <mc:Choice xmlns:a14="http://schemas.microsoft.com/office/drawing/2010/main" Requires="a14">
           <p:sp>
             <p:nvSpPr>
               <p:cNvPr id="3" name="Content Placeholder 2"/>
@@ -9510,7 +10403,7 @@
             </p:txBody>
           </p:sp>
         </mc:Choice>
-        <mc:Fallback xmlns="">
+        <mc:Fallback>
           <p:sp>
             <p:nvSpPr>
               <p:cNvPr id="3" name="Content Placeholder 2"/>
@@ -9523,7 +10416,7 @@
             </p:nvSpPr>
             <p:spPr>
               <a:blipFill rotWithShape="1">
-                <a:blip r:embed="rId2"/>
+                <a:blip r:embed="rId3"/>
                 <a:stretch>
                   <a:fillRect l="-1715" t="-1312"/>
                 </a:stretch>
@@ -9861,7 +10754,7 @@
             </p:nvSpPr>
             <p:spPr>
               <a:blipFill rotWithShape="1">
-                <a:blip r:embed="rId2"/>
+                <a:blip r:embed="rId3"/>
                 <a:stretch>
                   <a:fillRect l="-1715" t="-1312"/>
                 </a:stretch>

--- a/Thesis/progress meeting presentation.pptx
+++ b/Thesis/progress meeting presentation.pptx
@@ -232,7 +232,7 @@
           <a:p>
             <a:fld id="{DBAE3B3E-782A-9745-8E84-372F7B6771BF}" type="datetimeFigureOut">
               <a:rPr lang="en-US" smtClean="0"/>
-              <a:t>5/30/2016</a:t>
+              <a:t>7/26/2016</a:t>
             </a:fld>
             <a:endParaRPr lang="en-US" dirty="0"/>
           </a:p>
@@ -397,7 +397,7 @@
           <a:p>
             <a:fld id="{2D2F14E1-C5B1-40B4-8FD5-AE5FDC1E5B73}" type="datetimeFigureOut">
               <a:rPr lang="en-GB" smtClean="0"/>
-              <a:t>30/05/2016</a:t>
+              <a:t>26/07/2016</a:t>
             </a:fld>
             <a:endParaRPr lang="en-GB"/>
           </a:p>
@@ -2234,7 +2234,7 @@
           <a:p>
             <a:fld id="{462A2416-1570-3849-86F9-07F78746E1B2}" type="datetimeFigureOut">
               <a:rPr lang="en-US" smtClean="0"/>
-              <a:t>5/30/2016</a:t>
+              <a:t>7/26/2016</a:t>
             </a:fld>
             <a:endParaRPr lang="en-US" dirty="0"/>
           </a:p>
@@ -3644,8 +3644,8 @@
           </a:p>
         </p:txBody>
       </p:sp>
-      <mc:AlternateContent xmlns:mc="http://schemas.openxmlformats.org/markup-compatibility/2006" xmlns:a14="http://schemas.microsoft.com/office/drawing/2010/main">
-        <mc:Choice Requires="a14">
+      <mc:AlternateContent xmlns:mc="http://schemas.openxmlformats.org/markup-compatibility/2006">
+        <mc:Choice xmlns:a14="http://schemas.microsoft.com/office/drawing/2010/main" Requires="a14">
           <p:sp>
             <p:nvSpPr>
               <p:cNvPr id="3" name="Content Placeholder 2"/>
@@ -3744,7 +3744,16 @@
                               </a:solidFill>
                               <a:latin typeface="Cambria Math"/>
                             </a:rPr>
-                            <m:t>𝑀𝑉</m:t>
+                            <m:t>𝑀</m:t>
+                          </m:r>
+                          <m:r>
+                            <a:rPr lang="en-GB" b="0" i="1" smtClean="0">
+                              <a:solidFill>
+                                <a:srgbClr val="FF0000"/>
+                              </a:solidFill>
+                              <a:latin typeface="Cambria Math"/>
+                            </a:rPr>
+                            <m:t>𝐴</m:t>
                           </m:r>
                         </m:sub>
                       </m:sSub>
@@ -4442,7 +4451,7 @@
             </p:txBody>
           </p:sp>
         </mc:Choice>
-        <mc:Fallback xmlns="">
+        <mc:Fallback>
           <p:sp>
             <p:nvSpPr>
               <p:cNvPr id="3" name="Content Placeholder 2"/>
@@ -4536,8 +4545,8 @@
           </a:p>
         </p:txBody>
       </p:sp>
-      <mc:AlternateContent xmlns:mc="http://schemas.openxmlformats.org/markup-compatibility/2006">
-        <mc:Choice xmlns:a14="http://schemas.microsoft.com/office/drawing/2010/main" Requires="a14">
+      <mc:AlternateContent xmlns:mc="http://schemas.openxmlformats.org/markup-compatibility/2006" xmlns:a14="http://schemas.microsoft.com/office/drawing/2010/main">
+        <mc:Choice Requires="a14">
           <p:sp>
             <p:nvSpPr>
               <p:cNvPr id="3" name="Content Placeholder 2"/>
@@ -5474,7 +5483,7 @@
             </p:txBody>
           </p:sp>
         </mc:Choice>
-        <mc:Fallback>
+        <mc:Fallback xmlns="">
           <p:sp>
             <p:nvSpPr>
               <p:cNvPr id="3" name="Content Placeholder 2"/>
@@ -5568,8 +5577,8 @@
           </a:p>
         </p:txBody>
       </p:sp>
-      <mc:AlternateContent xmlns:mc="http://schemas.openxmlformats.org/markup-compatibility/2006">
-        <mc:Choice xmlns:a14="http://schemas.microsoft.com/office/drawing/2010/main" Requires="a14">
+      <mc:AlternateContent xmlns:mc="http://schemas.openxmlformats.org/markup-compatibility/2006" xmlns:a14="http://schemas.microsoft.com/office/drawing/2010/main">
+        <mc:Choice Requires="a14">
           <p:sp>
             <p:nvSpPr>
               <p:cNvPr id="3" name="Content Placeholder 2"/>
@@ -5623,29 +5632,13 @@
                 </a14:m>
                 <a:r>
                   <a:rPr lang="en-GB" dirty="0" smtClean="0"/>
-                  <a:t>, it is possible to determine the </a:t>
-                </a:r>
-                <a:r>
-                  <a:rPr lang="en-GB" dirty="0" smtClean="0"/>
-                  <a:t>influence certain </a:t>
-                </a:r>
-                <a:r>
-                  <a:rPr lang="en-GB" dirty="0" smtClean="0"/>
-                  <a:t>design parameters (pad separation, corner radius)  and/or changing overall qubit design </a:t>
-                </a:r>
-                <a:r>
-                  <a:rPr lang="en-GB" dirty="0" smtClean="0"/>
-                  <a:t>(interdigitated, padded) </a:t>
-                </a:r>
-                <a:r>
-                  <a:rPr lang="en-GB" dirty="0" smtClean="0"/>
-                  <a:t>on participation ratio.</a:t>
+                  <a:t>, it is possible to determine the influence certain design parameters (pad separation, corner radius)  and/or changing overall qubit design (interdigitated, padded) on participation ratio.</a:t>
                 </a:r>
               </a:p>
             </p:txBody>
           </p:sp>
         </mc:Choice>
-        <mc:Fallback>
+        <mc:Fallback xmlns="">
           <p:sp>
             <p:nvSpPr>
               <p:cNvPr id="3" name="Content Placeholder 2"/>
@@ -8372,41 +8365,20 @@
           <a:p>
             <a:r>
               <a:rPr lang="en-US" dirty="0" smtClean="0"/>
-              <a:t>Metal-Vacuum interface (MV</a:t>
-            </a:r>
+              <a:t>Metal-Vacuum interface (MV)</a:t>
+            </a:r>
+          </a:p>
+          <a:p>
             <a:r>
               <a:rPr lang="en-US" dirty="0" smtClean="0"/>
-              <a:t>)</a:t>
+              <a:t>Metal-Substrate interface (MS)</a:t>
             </a:r>
           </a:p>
           <a:p>
             <a:r>
               <a:rPr lang="en-US" dirty="0" smtClean="0"/>
-              <a:t>Metal-Substrate </a:t>
-            </a:r>
-            <a:r>
-              <a:rPr lang="en-US" dirty="0" smtClean="0"/>
-              <a:t>interface (MS</a:t>
-            </a:r>
-            <a:r>
-              <a:rPr lang="en-US" dirty="0" smtClean="0"/>
-              <a:t>)</a:t>
-            </a:r>
-          </a:p>
-          <a:p>
-            <a:r>
-              <a:rPr lang="en-US" dirty="0" smtClean="0"/>
-              <a:t>Substrate-Vacuum </a:t>
-            </a:r>
-            <a:r>
-              <a:rPr lang="en-US" dirty="0" smtClean="0"/>
-              <a:t>(SV</a:t>
-            </a:r>
-            <a:r>
-              <a:rPr lang="en-US" dirty="0" smtClean="0"/>
-              <a:t>)</a:t>
-            </a:r>
-            <a:endParaRPr lang="en-US" dirty="0" smtClean="0"/>
+              <a:t>Substrate-Vacuum (SV)</a:t>
+            </a:r>
           </a:p>
           <a:p>
             <a:pPr marL="0" indent="0">
@@ -9695,11 +9667,11 @@
   <p:clrMapOvr>
     <a:masterClrMapping/>
   </p:clrMapOvr>
-  <mc:AlternateContent xmlns:mc="http://schemas.openxmlformats.org/markup-compatibility/2006">
-    <mc:Choice xmlns:p14="http://schemas.microsoft.com/office/powerpoint/2010/main" Requires="p14">
+  <mc:AlternateContent xmlns:mc="http://schemas.openxmlformats.org/markup-compatibility/2006" xmlns:p14="http://schemas.microsoft.com/office/powerpoint/2010/main">
+    <mc:Choice Requires="p14">
       <p:transition spd="slow" p14:dur="2000"/>
     </mc:Choice>
-    <mc:Fallback>
+    <mc:Fallback xmlns="">
       <p:transition spd="slow"/>
     </mc:Fallback>
   </mc:AlternateContent>
@@ -9866,8 +9838,8 @@
           </a:p>
         </p:txBody>
       </p:sp>
-      <mc:AlternateContent xmlns:mc="http://schemas.openxmlformats.org/markup-compatibility/2006">
-        <mc:Choice xmlns:a14="http://schemas.microsoft.com/office/drawing/2010/main" Requires="a14">
+      <mc:AlternateContent xmlns:mc="http://schemas.openxmlformats.org/markup-compatibility/2006" xmlns:a14="http://schemas.microsoft.com/office/drawing/2010/main">
+        <mc:Choice Requires="a14">
           <p:sp>
             <p:nvSpPr>
               <p:cNvPr id="3" name="Content Placeholder 2"/>
@@ -9977,13 +9949,8 @@
                 </a:pPr>
                 <a:r>
                   <a:rPr lang="en-GB" dirty="0" smtClean="0"/>
-                  <a:t>Metal-Substrate: </a:t>
+                  <a:t>Metal-Substrate: Si-nitride</a:t>
                 </a:r>
-                <a:r>
-                  <a:rPr lang="en-GB" dirty="0" smtClean="0"/>
-                  <a:t>Si-nitride</a:t>
-                </a:r>
-                <a:endParaRPr lang="en-GB" dirty="0" smtClean="0"/>
               </a:p>
               <a:p>
                 <a:pPr marL="0" indent="0">
@@ -10105,7 +10072,7 @@
             </p:txBody>
           </p:sp>
         </mc:Choice>
-        <mc:Fallback>
+        <mc:Fallback xmlns="">
           <p:sp>
             <p:nvSpPr>
               <p:cNvPr id="3" name="Content Placeholder 2"/>
@@ -10199,8 +10166,8 @@
           </a:p>
         </p:txBody>
       </p:sp>
-      <mc:AlternateContent xmlns:mc="http://schemas.openxmlformats.org/markup-compatibility/2006">
-        <mc:Choice xmlns:a14="http://schemas.microsoft.com/office/drawing/2010/main" Requires="a14">
+      <mc:AlternateContent xmlns:mc="http://schemas.openxmlformats.org/markup-compatibility/2006" xmlns:a14="http://schemas.microsoft.com/office/drawing/2010/main">
+        <mc:Choice Requires="a14">
           <p:sp>
             <p:nvSpPr>
               <p:cNvPr id="3" name="Content Placeholder 2"/>
@@ -10403,7 +10370,7 @@
             </p:txBody>
           </p:sp>
         </mc:Choice>
-        <mc:Fallback>
+        <mc:Fallback xmlns="">
           <p:sp>
             <p:nvSpPr>
               <p:cNvPr id="3" name="Content Placeholder 2"/>

--- a/Thesis/progress meeting presentation.pptx
+++ b/Thesis/progress meeting presentation.pptx
@@ -232,7 +232,7 @@
           <a:p>
             <a:fld id="{DBAE3B3E-782A-9745-8E84-372F7B6771BF}" type="datetimeFigureOut">
               <a:rPr lang="en-US" smtClean="0"/>
-              <a:t>7/26/2016</a:t>
+              <a:t>7/27/2016</a:t>
             </a:fld>
             <a:endParaRPr lang="en-US" dirty="0"/>
           </a:p>
@@ -397,7 +397,7 @@
           <a:p>
             <a:fld id="{2D2F14E1-C5B1-40B4-8FD5-AE5FDC1E5B73}" type="datetimeFigureOut">
               <a:rPr lang="en-GB" smtClean="0"/>
-              <a:t>26/07/2016</a:t>
+              <a:t>27/07/2016</a:t>
             </a:fld>
             <a:endParaRPr lang="en-GB"/>
           </a:p>
@@ -2234,7 +2234,7 @@
           <a:p>
             <a:fld id="{462A2416-1570-3849-86F9-07F78746E1B2}" type="datetimeFigureOut">
               <a:rPr lang="en-US" smtClean="0"/>
-              <a:t>7/26/2016</a:t>
+              <a:t>7/27/2016</a:t>
             </a:fld>
             <a:endParaRPr lang="en-US" dirty="0"/>
           </a:p>
@@ -3644,8 +3644,8 @@
           </a:p>
         </p:txBody>
       </p:sp>
-      <mc:AlternateContent xmlns:mc="http://schemas.openxmlformats.org/markup-compatibility/2006">
-        <mc:Choice xmlns:a14="http://schemas.microsoft.com/office/drawing/2010/main" Requires="a14">
+      <mc:AlternateContent xmlns:mc="http://schemas.openxmlformats.org/markup-compatibility/2006" xmlns:a14="http://schemas.microsoft.com/office/drawing/2010/main">
+        <mc:Choice Requires="a14">
           <p:sp>
             <p:nvSpPr>
               <p:cNvPr id="3" name="Content Placeholder 2"/>
@@ -4451,7 +4451,7 @@
             </p:txBody>
           </p:sp>
         </mc:Choice>
-        <mc:Fallback>
+        <mc:Fallback xmlns="">
           <p:sp>
             <p:nvSpPr>
               <p:cNvPr id="3" name="Content Placeholder 2"/>
